--- a/Documentos_generados/2.Gestion del tiempo/Presentación2.pptx
+++ b/Documentos_generados/2.Gestion del tiempo/Presentación2.pptx
@@ -5,10 +5,10 @@
     <p:sldMasterId id="2147483678" r:id="rId1"/>
   </p:sldMasterIdLst>
   <p:notesMasterIdLst>
-    <p:notesMasterId r:id="rId34"/>
+    <p:notesMasterId r:id="rId31"/>
   </p:notesMasterIdLst>
   <p:handoutMasterIdLst>
-    <p:handoutMasterId r:id="rId35"/>
+    <p:handoutMasterId r:id="rId32"/>
   </p:handoutMasterIdLst>
   <p:sldIdLst>
     <p:sldId id="256" r:id="rId2"/>
@@ -18,31 +18,28 @@
     <p:sldId id="260" r:id="rId6"/>
     <p:sldId id="262" r:id="rId7"/>
     <p:sldId id="261" r:id="rId8"/>
-    <p:sldId id="263" r:id="rId9"/>
-    <p:sldId id="286" r:id="rId10"/>
-    <p:sldId id="287" r:id="rId11"/>
-    <p:sldId id="264" r:id="rId12"/>
-    <p:sldId id="282" r:id="rId13"/>
-    <p:sldId id="283" r:id="rId14"/>
-    <p:sldId id="284" r:id="rId15"/>
-    <p:sldId id="285" r:id="rId16"/>
-    <p:sldId id="281" r:id="rId17"/>
-    <p:sldId id="265" r:id="rId18"/>
-    <p:sldId id="266" r:id="rId19"/>
-    <p:sldId id="267" r:id="rId20"/>
-    <p:sldId id="268" r:id="rId21"/>
-    <p:sldId id="269" r:id="rId22"/>
-    <p:sldId id="270" r:id="rId23"/>
-    <p:sldId id="271" r:id="rId24"/>
-    <p:sldId id="272" r:id="rId25"/>
-    <p:sldId id="273" r:id="rId26"/>
-    <p:sldId id="274" r:id="rId27"/>
-    <p:sldId id="275" r:id="rId28"/>
-    <p:sldId id="276" r:id="rId29"/>
-    <p:sldId id="277" r:id="rId30"/>
-    <p:sldId id="278" r:id="rId31"/>
-    <p:sldId id="279" r:id="rId32"/>
-    <p:sldId id="280" r:id="rId33"/>
+    <p:sldId id="264" r:id="rId9"/>
+    <p:sldId id="282" r:id="rId10"/>
+    <p:sldId id="283" r:id="rId11"/>
+    <p:sldId id="284" r:id="rId12"/>
+    <p:sldId id="285" r:id="rId13"/>
+    <p:sldId id="281" r:id="rId14"/>
+    <p:sldId id="265" r:id="rId15"/>
+    <p:sldId id="266" r:id="rId16"/>
+    <p:sldId id="267" r:id="rId17"/>
+    <p:sldId id="268" r:id="rId18"/>
+    <p:sldId id="269" r:id="rId19"/>
+    <p:sldId id="270" r:id="rId20"/>
+    <p:sldId id="271" r:id="rId21"/>
+    <p:sldId id="272" r:id="rId22"/>
+    <p:sldId id="273" r:id="rId23"/>
+    <p:sldId id="274" r:id="rId24"/>
+    <p:sldId id="275" r:id="rId25"/>
+    <p:sldId id="276" r:id="rId26"/>
+    <p:sldId id="277" r:id="rId27"/>
+    <p:sldId id="278" r:id="rId28"/>
+    <p:sldId id="279" r:id="rId29"/>
+    <p:sldId id="280" r:id="rId30"/>
   </p:sldIdLst>
   <p:sldSz cx="12192000" cy="6858000"/>
   <p:notesSz cx="6858000" cy="9144000"/>
@@ -30410,7 +30407,7 @@
           <a:p>
             <a:fld id="{F0B6A847-B2BB-5A4F-AA22-ADD924C5DC37}" type="datetimeFigureOut">
               <a:rPr lang="es-ES" smtClean="0"/>
-              <a:t>10/11/2018</a:t>
+              <a:t>11/11/2018</a:t>
             </a:fld>
             <a:endParaRPr lang="es-ES"/>
           </a:p>
@@ -30488,7 +30485,7 @@
           <a:p>
             <a:fld id="{22EC5F80-6C64-1B4D-B2B7-2AED68CAF85F}" type="slidenum">
               <a:rPr lang="es-ES" smtClean="0"/>
-              <a:t>‹Nº›</a:t>
+              <a:t>‹#›</a:t>
             </a:fld>
             <a:endParaRPr lang="es-ES"/>
           </a:p>
@@ -30588,7 +30585,7 @@
           <a:p>
             <a:fld id="{AC2706AB-1D76-3248-9524-C7A1782978BE}" type="datetimeFigureOut">
               <a:rPr lang="es-ES" smtClean="0"/>
-              <a:t>10/11/2018</a:t>
+              <a:t>11/11/2018</a:t>
             </a:fld>
             <a:endParaRPr lang="es-ES"/>
           </a:p>
@@ -30721,7 +30718,7 @@
           <a:p>
             <a:fld id="{14E37864-CDD0-ED46-84C3-11742EF3F25F}" type="slidenum">
               <a:rPr lang="es-ES" smtClean="0"/>
-              <a:t>‹Nº›</a:t>
+              <a:t>‹#›</a:t>
             </a:fld>
             <a:endParaRPr lang="es-ES"/>
           </a:p>
@@ -31001,7 +30998,7 @@
           <a:p>
             <a:fld id="{1EA90592-9020-A645-B1E3-1659A30A8875}" type="datetime1">
               <a:rPr lang="es-ES" smtClean="0"/>
-              <a:t>10/11/2018</a:t>
+              <a:t>11/11/2018</a:t>
             </a:fld>
             <a:endParaRPr lang="es-ES"/>
           </a:p>
@@ -31053,7 +31050,7 @@
           <a:p>
             <a:fld id="{D6010774-2920-F049-BD0B-9A28F2A984C5}" type="slidenum">
               <a:rPr lang="es-ES" smtClean="0"/>
-              <a:t>‹Nº›</a:t>
+              <a:t>‹#›</a:t>
             </a:fld>
             <a:endParaRPr lang="es-ES"/>
           </a:p>
@@ -31273,7 +31270,7 @@
           <a:p>
             <a:fld id="{613D219D-2D98-E248-8707-E7EAF3980DD0}" type="datetime1">
               <a:rPr lang="es-ES" smtClean="0"/>
-              <a:t>10/11/2018</a:t>
+              <a:t>11/11/2018</a:t>
             </a:fld>
             <a:endParaRPr lang="es-ES"/>
           </a:p>
@@ -31315,7 +31312,7 @@
           <a:p>
             <a:fld id="{D6010774-2920-F049-BD0B-9A28F2A984C5}" type="slidenum">
               <a:rPr lang="es-ES" smtClean="0"/>
-              <a:t>‹Nº›</a:t>
+              <a:t>‹#›</a:t>
             </a:fld>
             <a:endParaRPr lang="es-ES"/>
           </a:p>
@@ -31509,7 +31506,7 @@
           <a:p>
             <a:fld id="{FB6FCCDC-D1A1-9347-AA5F-7C677522F3F1}" type="datetime1">
               <a:rPr lang="es-ES" smtClean="0"/>
-              <a:t>10/11/2018</a:t>
+              <a:t>11/11/2018</a:t>
             </a:fld>
             <a:endParaRPr lang="es-ES"/>
           </a:p>
@@ -31561,7 +31558,7 @@
           <a:p>
             <a:fld id="{D6010774-2920-F049-BD0B-9A28F2A984C5}" type="slidenum">
               <a:rPr lang="es-ES" smtClean="0"/>
-              <a:t>‹Nº›</a:t>
+              <a:t>‹#›</a:t>
             </a:fld>
             <a:endParaRPr lang="es-ES"/>
           </a:p>
@@ -31829,7 +31826,7 @@
           <a:p>
             <a:fld id="{50469BB3-059C-0B4F-8EDC-8BD5CB477ED5}" type="datetime1">
               <a:rPr lang="es-ES" smtClean="0"/>
-              <a:t>10/11/2018</a:t>
+              <a:t>11/11/2018</a:t>
             </a:fld>
             <a:endParaRPr lang="es-ES"/>
           </a:p>
@@ -31881,7 +31878,7 @@
           <a:p>
             <a:fld id="{D6010774-2920-F049-BD0B-9A28F2A984C5}" type="slidenum">
               <a:rPr lang="es-ES" smtClean="0"/>
-              <a:t>‹Nº›</a:t>
+              <a:t>‹#›</a:t>
             </a:fld>
             <a:endParaRPr lang="es-ES"/>
           </a:p>
@@ -32307,7 +32304,7 @@
           <a:p>
             <a:fld id="{ED9D244F-A222-D441-8EB4-2A3716ECD98A}" type="datetime1">
               <a:rPr lang="es-ES" smtClean="0"/>
-              <a:t>10/11/2018</a:t>
+              <a:t>11/11/2018</a:t>
             </a:fld>
             <a:endParaRPr lang="es-ES"/>
           </a:p>
@@ -32359,7 +32356,7 @@
           <a:p>
             <a:fld id="{D6010774-2920-F049-BD0B-9A28F2A984C5}" type="slidenum">
               <a:rPr lang="es-ES" smtClean="0"/>
-              <a:t>‹Nº›</a:t>
+              <a:t>‹#›</a:t>
             </a:fld>
             <a:endParaRPr lang="es-ES"/>
           </a:p>
@@ -32884,7 +32881,7 @@
           <a:p>
             <a:fld id="{737B62C5-AF84-1840-9354-90B68465E0ED}" type="datetime1">
               <a:rPr lang="es-ES" smtClean="0"/>
-              <a:t>10/11/2018</a:t>
+              <a:t>11/11/2018</a:t>
             </a:fld>
             <a:endParaRPr lang="es-ES"/>
           </a:p>
@@ -32926,7 +32923,7 @@
           <a:p>
             <a:fld id="{D6010774-2920-F049-BD0B-9A28F2A984C5}" type="slidenum">
               <a:rPr lang="es-ES" smtClean="0"/>
-              <a:t>‹Nº›</a:t>
+              <a:t>‹#›</a:t>
             </a:fld>
             <a:endParaRPr lang="es-ES"/>
           </a:p>
@@ -33688,7 +33685,7 @@
           <a:p>
             <a:fld id="{E66F7D86-D60E-0848-A9D8-D33F912E440A}" type="datetime1">
               <a:rPr lang="es-ES" smtClean="0"/>
-              <a:t>10/11/2018</a:t>
+              <a:t>11/11/2018</a:t>
             </a:fld>
             <a:endParaRPr lang="es-ES"/>
           </a:p>
@@ -33730,7 +33727,7 @@
           <a:p>
             <a:fld id="{D6010774-2920-F049-BD0B-9A28F2A984C5}" type="slidenum">
               <a:rPr lang="es-ES" smtClean="0"/>
-              <a:t>‹Nº›</a:t>
+              <a:t>‹#›</a:t>
             </a:fld>
             <a:endParaRPr lang="es-ES"/>
           </a:p>
@@ -33839,7 +33836,7 @@
           <a:p>
             <a:fld id="{E7FCDF48-1420-0A49-AACF-3597D66B632B}" type="datetime1">
               <a:rPr lang="es-ES" smtClean="0"/>
-              <a:t>10/11/2018</a:t>
+              <a:t>11/11/2018</a:t>
             </a:fld>
             <a:endParaRPr lang="es-ES"/>
           </a:p>
@@ -33881,7 +33878,7 @@
           <a:p>
             <a:fld id="{D6010774-2920-F049-BD0B-9A28F2A984C5}" type="slidenum">
               <a:rPr lang="es-ES" smtClean="0"/>
-              <a:t>‹Nº›</a:t>
+              <a:t>‹#›</a:t>
             </a:fld>
             <a:endParaRPr lang="es-ES"/>
           </a:p>
@@ -34038,7 +34035,7 @@
           <a:p>
             <a:fld id="{8069C09A-E815-8242-B7BB-D3586B7198C9}" type="datetime1">
               <a:rPr lang="es-ES" smtClean="0"/>
-              <a:t>10/11/2018</a:t>
+              <a:t>11/11/2018</a:t>
             </a:fld>
             <a:endParaRPr lang="es-ES"/>
           </a:p>
@@ -34090,7 +34087,7 @@
           <a:p>
             <a:fld id="{D6010774-2920-F049-BD0B-9A28F2A984C5}" type="slidenum">
               <a:rPr lang="es-ES" smtClean="0"/>
-              <a:t>‹Nº›</a:t>
+              <a:t>‹#›</a:t>
             </a:fld>
             <a:endParaRPr lang="es-ES"/>
           </a:p>
@@ -34194,7 +34191,7 @@
           <a:p>
             <a:fld id="{016B6B6A-D9D6-A843-AA23-C738C571AAD3}" type="datetime1">
               <a:rPr lang="es-ES" smtClean="0"/>
-              <a:t>10/11/2018</a:t>
+              <a:t>11/11/2018</a:t>
             </a:fld>
             <a:endParaRPr lang="es-ES"/>
           </a:p>
@@ -34236,7 +34233,7 @@
           <a:p>
             <a:fld id="{D6010774-2920-F049-BD0B-9A28F2A984C5}" type="slidenum">
               <a:rPr lang="es-ES" smtClean="0"/>
-              <a:t>‹Nº›</a:t>
+              <a:t>‹#›</a:t>
             </a:fld>
             <a:endParaRPr lang="es-ES"/>
           </a:p>
@@ -34488,7 +34485,7 @@
           <a:p>
             <a:fld id="{FEA75E87-68D0-CF45-8936-E6D3FECC73C2}" type="datetime1">
               <a:rPr lang="es-ES" smtClean="0"/>
-              <a:t>10/11/2018</a:t>
+              <a:t>11/11/2018</a:t>
             </a:fld>
             <a:endParaRPr lang="es-ES"/>
           </a:p>
@@ -34540,7 +34537,7 @@
           <a:p>
             <a:fld id="{D6010774-2920-F049-BD0B-9A28F2A984C5}" type="slidenum">
               <a:rPr lang="es-ES" smtClean="0"/>
-              <a:t>‹Nº›</a:t>
+              <a:t>‹#›</a:t>
             </a:fld>
             <a:endParaRPr lang="es-ES"/>
           </a:p>
@@ -34682,7 +34679,7 @@
           <a:p>
             <a:fld id="{E0C1FEFE-AC21-FD48-A9B9-9820F488CCA3}" type="datetime1">
               <a:rPr lang="es-ES" smtClean="0"/>
-              <a:t>10/11/2018</a:t>
+              <a:t>11/11/2018</a:t>
             </a:fld>
             <a:endParaRPr lang="es-ES"/>
           </a:p>
@@ -34724,7 +34721,7 @@
           <a:p>
             <a:fld id="{D6010774-2920-F049-BD0B-9A28F2A984C5}" type="slidenum">
               <a:rPr lang="es-ES" smtClean="0"/>
-              <a:t>‹Nº›</a:t>
+              <a:t>‹#›</a:t>
             </a:fld>
             <a:endParaRPr lang="es-ES"/>
           </a:p>
@@ -35023,7 +35020,7 @@
           <a:p>
             <a:fld id="{3153471C-242F-3E48-8139-ED8A63D700F3}" type="datetime1">
               <a:rPr lang="es-ES" smtClean="0"/>
-              <a:t>10/11/2018</a:t>
+              <a:t>11/11/2018</a:t>
             </a:fld>
             <a:endParaRPr lang="es-ES"/>
           </a:p>
@@ -35065,7 +35062,7 @@
           <a:p>
             <a:fld id="{D6010774-2920-F049-BD0B-9A28F2A984C5}" type="slidenum">
               <a:rPr lang="es-ES" smtClean="0"/>
-              <a:t>‹Nº›</a:t>
+              <a:t>‹#›</a:t>
             </a:fld>
             <a:endParaRPr lang="es-ES"/>
           </a:p>
@@ -35141,7 +35138,7 @@
           <a:p>
             <a:fld id="{E1E65879-9502-5B40-A002-7885F4381523}" type="datetime1">
               <a:rPr lang="es-ES" smtClean="0"/>
-              <a:t>10/11/2018</a:t>
+              <a:t>11/11/2018</a:t>
             </a:fld>
             <a:endParaRPr lang="es-ES"/>
           </a:p>
@@ -35183,7 +35180,7 @@
           <a:p>
             <a:fld id="{D6010774-2920-F049-BD0B-9A28F2A984C5}" type="slidenum">
               <a:rPr lang="es-ES" smtClean="0"/>
-              <a:t>‹Nº›</a:t>
+              <a:t>‹#›</a:t>
             </a:fld>
             <a:endParaRPr lang="es-ES"/>
           </a:p>
@@ -35236,7 +35233,7 @@
           <a:p>
             <a:fld id="{CA2315CF-7174-F54E-B345-53D8CC32ECD1}" type="datetime1">
               <a:rPr lang="es-ES" smtClean="0"/>
-              <a:t>10/11/2018</a:t>
+              <a:t>11/11/2018</a:t>
             </a:fld>
             <a:endParaRPr lang="es-ES"/>
           </a:p>
@@ -35278,7 +35275,7 @@
           <a:p>
             <a:fld id="{D6010774-2920-F049-BD0B-9A28F2A984C5}" type="slidenum">
               <a:rPr lang="es-ES" smtClean="0"/>
-              <a:t>‹Nº›</a:t>
+              <a:t>‹#›</a:t>
             </a:fld>
             <a:endParaRPr lang="es-ES"/>
           </a:p>
@@ -35466,7 +35463,7 @@
           <a:p>
             <a:fld id="{AF7A59E4-1E6E-914A-A8F3-0F63ED340867}" type="datetime1">
               <a:rPr lang="es-ES" smtClean="0"/>
-              <a:t>10/11/2018</a:t>
+              <a:t>11/11/2018</a:t>
             </a:fld>
             <a:endParaRPr lang="es-ES"/>
           </a:p>
@@ -35508,7 +35505,7 @@
           <a:p>
             <a:fld id="{D6010774-2920-F049-BD0B-9A28F2A984C5}" type="slidenum">
               <a:rPr lang="es-ES" smtClean="0"/>
-              <a:t>‹Nº›</a:t>
+              <a:t>‹#›</a:t>
             </a:fld>
             <a:endParaRPr lang="es-ES"/>
           </a:p>
@@ -35728,7 +35725,7 @@
           <a:p>
             <a:fld id="{41F39C40-A6A4-D747-888C-37760959CA15}" type="datetime1">
               <a:rPr lang="es-ES" smtClean="0"/>
-              <a:t>10/11/2018</a:t>
+              <a:t>11/11/2018</a:t>
             </a:fld>
             <a:endParaRPr lang="es-ES"/>
           </a:p>
@@ -35770,7 +35767,7 @@
           <a:p>
             <a:fld id="{D6010774-2920-F049-BD0B-9A28F2A984C5}" type="slidenum">
               <a:rPr lang="es-ES" smtClean="0"/>
-              <a:t>‹Nº›</a:t>
+              <a:t>‹#›</a:t>
             </a:fld>
             <a:endParaRPr lang="es-ES"/>
           </a:p>
@@ -35947,7 +35944,7 @@
           <a:p>
             <a:fld id="{5F6CEF87-77F7-1146-81FA-89BCC079B1E8}" type="datetime1">
               <a:rPr lang="es-ES" smtClean="0"/>
-              <a:t>10/11/2018</a:t>
+              <a:t>11/11/2018</a:t>
             </a:fld>
             <a:endParaRPr lang="es-ES"/>
           </a:p>
@@ -36025,7 +36022,7 @@
           <a:p>
             <a:fld id="{D6010774-2920-F049-BD0B-9A28F2A984C5}" type="slidenum">
               <a:rPr lang="es-ES" smtClean="0"/>
-              <a:t>‹Nº›</a:t>
+              <a:t>‹#›</a:t>
             </a:fld>
             <a:endParaRPr lang="es-ES"/>
           </a:p>
@@ -36502,1550 +36499,6 @@
           <a:chExt cx="0" cy="0"/>
         </a:xfrm>
       </p:grpSpPr>
-      <p:pic>
-        <p:nvPicPr>
-          <p:cNvPr id="5" name="Imagen 4">
-            <a:extLst>
-              <a:ext uri="{FF2B5EF4-FFF2-40B4-BE49-F238E27FC236}">
-                <a16:creationId xmlns:a16="http://schemas.microsoft.com/office/drawing/2014/main" id="{9B58E3A9-9CF7-2B43-BD67-E92B3F5FEFF0}"/>
-              </a:ext>
-            </a:extLst>
-          </p:cNvPr>
-          <p:cNvPicPr>
-            <a:picLocks noChangeAspect="1"/>
-          </p:cNvPicPr>
-          <p:nvPr/>
-        </p:nvPicPr>
-        <p:blipFill>
-          <a:blip r:embed="rId2"/>
-          <a:stretch>
-            <a:fillRect/>
-          </a:stretch>
-        </p:blipFill>
-        <p:spPr>
-          <a:xfrm>
-            <a:off x="0" y="5785445"/>
-            <a:ext cx="2502561" cy="1072555"/>
-          </a:xfrm>
-          <a:prstGeom prst="rect">
-            <a:avLst/>
-          </a:prstGeom>
-        </p:spPr>
-      </p:pic>
-      <p:sp>
-        <p:nvSpPr>
-          <p:cNvPr id="2" name="Título 1">
-            <a:extLst>
-              <a:ext uri="{FF2B5EF4-FFF2-40B4-BE49-F238E27FC236}">
-                <a16:creationId xmlns:a16="http://schemas.microsoft.com/office/drawing/2014/main" id="{6A4647F8-360F-2143-89F0-F00E40E0B51F}"/>
-              </a:ext>
-            </a:extLst>
-          </p:cNvPr>
-          <p:cNvSpPr>
-            <a:spLocks noGrp="1"/>
-          </p:cNvSpPr>
-          <p:nvPr>
-            <p:ph type="title"/>
-          </p:nvPr>
-        </p:nvSpPr>
-        <p:spPr>
-          <a:xfrm>
-            <a:off x="2391508" y="567095"/>
-            <a:ext cx="9272505" cy="1293028"/>
-          </a:xfrm>
-        </p:spPr>
-        <p:txBody>
-          <a:bodyPr/>
-          <a:lstStyle/>
-          <a:p>
-            <a:r>
-              <a:rPr lang="es-ES" dirty="0"/>
-              <a:t>SECUENCIACIÓN DE LAS ACTIVIDADES</a:t>
-            </a:r>
-          </a:p>
-        </p:txBody>
-      </p:sp>
-      <p:sp>
-        <p:nvSpPr>
-          <p:cNvPr id="3" name="Marcador de número de diapositiva 2">
-            <a:extLst>
-              <a:ext uri="{FF2B5EF4-FFF2-40B4-BE49-F238E27FC236}">
-                <a16:creationId xmlns:a16="http://schemas.microsoft.com/office/drawing/2014/main" id="{6C452FBA-1AA2-A94C-B664-CE1D9010AEAA}"/>
-              </a:ext>
-            </a:extLst>
-          </p:cNvPr>
-          <p:cNvSpPr>
-            <a:spLocks noGrp="1"/>
-          </p:cNvSpPr>
-          <p:nvPr>
-            <p:ph type="sldNum" sz="quarter" idx="12"/>
-          </p:nvPr>
-        </p:nvSpPr>
-        <p:spPr/>
-        <p:txBody>
-          <a:bodyPr/>
-          <a:lstStyle/>
-          <a:p>
-            <a:fld id="{D6010774-2920-F049-BD0B-9A28F2A984C5}" type="slidenum">
-              <a:rPr lang="es-ES" smtClean="0"/>
-              <a:t>10</a:t>
-            </a:fld>
-            <a:endParaRPr lang="es-ES" dirty="0"/>
-          </a:p>
-        </p:txBody>
-      </p:sp>
-      <p:graphicFrame>
-        <p:nvGraphicFramePr>
-          <p:cNvPr id="4" name="Tabla 3">
-            <a:extLst>
-              <a:ext uri="{FF2B5EF4-FFF2-40B4-BE49-F238E27FC236}">
-                <a16:creationId xmlns:a16="http://schemas.microsoft.com/office/drawing/2014/main" id="{FA3DB48F-EE45-45E0-A0EF-0648D668981F}"/>
-              </a:ext>
-            </a:extLst>
-          </p:cNvPr>
-          <p:cNvGraphicFramePr>
-            <a:graphicFrameLocks noGrp="1"/>
-          </p:cNvGraphicFramePr>
-          <p:nvPr>
-            <p:extLst>
-              <p:ext uri="{D42A27DB-BD31-4B8C-83A1-F6EECF244321}">
-                <p14:modId xmlns:p14="http://schemas.microsoft.com/office/powerpoint/2010/main" val="2301059492"/>
-              </p:ext>
-            </p:extLst>
-          </p:nvPr>
-        </p:nvGraphicFramePr>
-        <p:xfrm>
-          <a:off x="2938193" y="1822218"/>
-          <a:ext cx="6315613" cy="3337560"/>
-        </p:xfrm>
-        <a:graphic>
-          <a:graphicData uri="http://schemas.openxmlformats.org/drawingml/2006/table">
-            <a:tbl>
-              <a:tblPr firstRow="1" bandRow="1">
-                <a:tableStyleId>{5C22544A-7EE6-4342-B048-85BDC9FD1C3A}</a:tableStyleId>
-              </a:tblPr>
-              <a:tblGrid>
-                <a:gridCol w="953110">
-                  <a:extLst>
-                    <a:ext uri="{9D8B030D-6E8A-4147-A177-3AD203B41FA5}">
-                      <a16:colId xmlns:a16="http://schemas.microsoft.com/office/drawing/2014/main" val="560331260"/>
-                    </a:ext>
-                  </a:extLst>
-                </a:gridCol>
-                <a:gridCol w="5362503">
-                  <a:extLst>
-                    <a:ext uri="{9D8B030D-6E8A-4147-A177-3AD203B41FA5}">
-                      <a16:colId xmlns:a16="http://schemas.microsoft.com/office/drawing/2014/main" val="441372681"/>
-                    </a:ext>
-                  </a:extLst>
-                </a:gridCol>
-              </a:tblGrid>
-              <a:tr h="370840">
-                <a:tc>
-                  <a:txBody>
-                    <a:bodyPr/>
-                    <a:lstStyle/>
-                    <a:p>
-                      <a:r>
-                        <a:rPr lang="es-ES" dirty="0"/>
-                        <a:t>ID</a:t>
-                      </a:r>
-                    </a:p>
-                  </a:txBody>
-                  <a:tcPr/>
-                </a:tc>
-                <a:tc>
-                  <a:txBody>
-                    <a:bodyPr/>
-                    <a:lstStyle/>
-                    <a:p>
-                      <a:r>
-                        <a:rPr lang="es-ES"/>
-                        <a:t>TAREA</a:t>
-                      </a:r>
-                      <a:endParaRPr lang="es-ES" dirty="0"/>
-                    </a:p>
-                  </a:txBody>
-                  <a:tcPr/>
-                </a:tc>
-                <a:extLst>
-                  <a:ext uri="{0D108BD9-81ED-4DB2-BD59-A6C34878D82A}">
-                    <a16:rowId xmlns:a16="http://schemas.microsoft.com/office/drawing/2014/main" val="3913968372"/>
-                  </a:ext>
-                </a:extLst>
-              </a:tr>
-              <a:tr h="370840">
-                <a:tc>
-                  <a:txBody>
-                    <a:bodyPr/>
-                    <a:lstStyle/>
-                    <a:p>
-                      <a:r>
-                        <a:rPr lang="es-ES" b="1" dirty="0"/>
-                        <a:t>3.2</a:t>
-                      </a:r>
-                    </a:p>
-                  </a:txBody>
-                  <a:tcPr/>
-                </a:tc>
-                <a:tc>
-                  <a:txBody>
-                    <a:bodyPr/>
-                    <a:lstStyle/>
-                    <a:p>
-                      <a:r>
-                        <a:rPr lang="es-ES_tradnl" sz="1800" b="1" kern="1200" dirty="0">
-                          <a:solidFill>
-                            <a:schemeClr val="dk1"/>
-                          </a:solidFill>
-                          <a:effectLst/>
-                          <a:latin typeface="+mn-lt"/>
-                          <a:ea typeface="+mn-ea"/>
-                          <a:cs typeface="+mn-cs"/>
-                        </a:rPr>
-                        <a:t>Cronograma</a:t>
-                      </a:r>
-                      <a:endParaRPr lang="es-ES" b="1" dirty="0"/>
-                    </a:p>
-                  </a:txBody>
-                  <a:tcPr/>
-                </a:tc>
-                <a:extLst>
-                  <a:ext uri="{0D108BD9-81ED-4DB2-BD59-A6C34878D82A}">
-                    <a16:rowId xmlns:a16="http://schemas.microsoft.com/office/drawing/2014/main" val="1095583253"/>
-                  </a:ext>
-                </a:extLst>
-              </a:tr>
-              <a:tr h="370840">
-                <a:tc>
-                  <a:txBody>
-                    <a:bodyPr/>
-                    <a:lstStyle/>
-                    <a:p>
-                      <a:r>
-                        <a:rPr lang="es-ES" b="0" dirty="0"/>
-                        <a:t>3.2.1</a:t>
-                      </a:r>
-                    </a:p>
-                  </a:txBody>
-                  <a:tcPr/>
-                </a:tc>
-                <a:tc>
-                  <a:txBody>
-                    <a:bodyPr/>
-                    <a:lstStyle/>
-                    <a:p>
-                      <a:pPr marL="0" marR="0" lvl="0" indent="0" algn="l" defTabSz="914400" rtl="0" eaLnBrk="1" fontAlgn="auto" latinLnBrk="0" hangingPunct="1">
-                        <a:lnSpc>
-                          <a:spcPct val="100000"/>
-                        </a:lnSpc>
-                        <a:spcBef>
-                          <a:spcPts val="0"/>
-                        </a:spcBef>
-                        <a:spcAft>
-                          <a:spcPts val="0"/>
-                        </a:spcAft>
-                        <a:buClrTx/>
-                        <a:buSzTx/>
-                        <a:buFontTx/>
-                        <a:buNone/>
-                        <a:tabLst/>
-                        <a:defRPr/>
-                      </a:pPr>
-                      <a:r>
-                        <a:rPr lang="es-ES_tradnl" sz="1800" kern="1200" dirty="0">
-                          <a:solidFill>
-                            <a:schemeClr val="dk1"/>
-                          </a:solidFill>
-                          <a:effectLst/>
-                          <a:latin typeface="+mn-lt"/>
-                          <a:ea typeface="+mn-ea"/>
-                          <a:cs typeface="+mn-cs"/>
-                        </a:rPr>
-                        <a:t>Planificación de la gestión del cronograma</a:t>
-                      </a:r>
-                      <a:endParaRPr lang="es-ES" sz="1800" kern="1200" dirty="0">
-                        <a:solidFill>
-                          <a:schemeClr val="dk1"/>
-                        </a:solidFill>
-                        <a:effectLst/>
-                        <a:latin typeface="+mn-lt"/>
-                        <a:ea typeface="+mn-ea"/>
-                        <a:cs typeface="+mn-cs"/>
-                      </a:endParaRPr>
-                    </a:p>
-                  </a:txBody>
-                  <a:tcPr/>
-                </a:tc>
-                <a:extLst>
-                  <a:ext uri="{0D108BD9-81ED-4DB2-BD59-A6C34878D82A}">
-                    <a16:rowId xmlns:a16="http://schemas.microsoft.com/office/drawing/2014/main" val="1321591464"/>
-                  </a:ext>
-                </a:extLst>
-              </a:tr>
-              <a:tr h="370840">
-                <a:tc>
-                  <a:txBody>
-                    <a:bodyPr/>
-                    <a:lstStyle/>
-                    <a:p>
-                      <a:pPr marL="0" marR="0" lvl="0" indent="0" algn="l" defTabSz="914400" rtl="0" eaLnBrk="1" fontAlgn="auto" latinLnBrk="0" hangingPunct="1">
-                        <a:lnSpc>
-                          <a:spcPct val="100000"/>
-                        </a:lnSpc>
-                        <a:spcBef>
-                          <a:spcPts val="0"/>
-                        </a:spcBef>
-                        <a:spcAft>
-                          <a:spcPts val="0"/>
-                        </a:spcAft>
-                        <a:buClrTx/>
-                        <a:buSzTx/>
-                        <a:buFontTx/>
-                        <a:buNone/>
-                        <a:tabLst/>
-                        <a:defRPr/>
-                      </a:pPr>
-                      <a:r>
-                        <a:rPr lang="es-ES" b="0" dirty="0"/>
-                        <a:t>3.2.2</a:t>
-                      </a:r>
-                    </a:p>
-                  </a:txBody>
-                  <a:tcPr/>
-                </a:tc>
-                <a:tc>
-                  <a:txBody>
-                    <a:bodyPr/>
-                    <a:lstStyle/>
-                    <a:p>
-                      <a:pPr marL="0" marR="0" lvl="0" indent="0" algn="l" defTabSz="914400" rtl="0" eaLnBrk="1" fontAlgn="auto" latinLnBrk="0" hangingPunct="1">
-                        <a:lnSpc>
-                          <a:spcPct val="100000"/>
-                        </a:lnSpc>
-                        <a:spcBef>
-                          <a:spcPts val="0"/>
-                        </a:spcBef>
-                        <a:spcAft>
-                          <a:spcPts val="0"/>
-                        </a:spcAft>
-                        <a:buClrTx/>
-                        <a:buSzTx/>
-                        <a:buFontTx/>
-                        <a:buNone/>
-                        <a:tabLst/>
-                        <a:defRPr/>
-                      </a:pPr>
-                      <a:r>
-                        <a:rPr lang="es-ES_tradnl" sz="1800" kern="1200" dirty="0">
-                          <a:solidFill>
-                            <a:schemeClr val="dk1"/>
-                          </a:solidFill>
-                          <a:effectLst/>
-                          <a:latin typeface="+mn-lt"/>
-                          <a:ea typeface="+mn-ea"/>
-                          <a:cs typeface="+mn-cs"/>
-                        </a:rPr>
-                        <a:t>Definición y secuenciación de Actividades</a:t>
-                      </a:r>
-                      <a:endParaRPr lang="es-ES" sz="1800" kern="1200" dirty="0">
-                        <a:solidFill>
-                          <a:schemeClr val="dk1"/>
-                        </a:solidFill>
-                        <a:effectLst/>
-                        <a:latin typeface="+mn-lt"/>
-                        <a:ea typeface="+mn-ea"/>
-                        <a:cs typeface="+mn-cs"/>
-                      </a:endParaRPr>
-                    </a:p>
-                  </a:txBody>
-                  <a:tcPr/>
-                </a:tc>
-                <a:extLst>
-                  <a:ext uri="{0D108BD9-81ED-4DB2-BD59-A6C34878D82A}">
-                    <a16:rowId xmlns:a16="http://schemas.microsoft.com/office/drawing/2014/main" val="3162623735"/>
-                  </a:ext>
-                </a:extLst>
-              </a:tr>
-              <a:tr h="370840">
-                <a:tc>
-                  <a:txBody>
-                    <a:bodyPr/>
-                    <a:lstStyle/>
-                    <a:p>
-                      <a:pPr marL="0" marR="0" lvl="0" indent="0" algn="l" defTabSz="914400" rtl="0" eaLnBrk="1" fontAlgn="auto" latinLnBrk="0" hangingPunct="1">
-                        <a:lnSpc>
-                          <a:spcPct val="100000"/>
-                        </a:lnSpc>
-                        <a:spcBef>
-                          <a:spcPts val="0"/>
-                        </a:spcBef>
-                        <a:spcAft>
-                          <a:spcPts val="0"/>
-                        </a:spcAft>
-                        <a:buClrTx/>
-                        <a:buSzTx/>
-                        <a:buFontTx/>
-                        <a:buNone/>
-                        <a:tabLst/>
-                        <a:defRPr/>
-                      </a:pPr>
-                      <a:r>
-                        <a:rPr lang="es-ES" b="0" dirty="0"/>
-                        <a:t>3.2.3</a:t>
-                      </a:r>
-                    </a:p>
-                  </a:txBody>
-                  <a:tcPr/>
-                </a:tc>
-                <a:tc>
-                  <a:txBody>
-                    <a:bodyPr/>
-                    <a:lstStyle/>
-                    <a:p>
-                      <a:pPr marL="0" marR="0" lvl="0" indent="0" algn="l" defTabSz="914400" rtl="0" eaLnBrk="1" fontAlgn="auto" latinLnBrk="0" hangingPunct="1">
-                        <a:lnSpc>
-                          <a:spcPct val="100000"/>
-                        </a:lnSpc>
-                        <a:spcBef>
-                          <a:spcPts val="0"/>
-                        </a:spcBef>
-                        <a:spcAft>
-                          <a:spcPts val="0"/>
-                        </a:spcAft>
-                        <a:buClrTx/>
-                        <a:buSzTx/>
-                        <a:buFontTx/>
-                        <a:buNone/>
-                        <a:tabLst/>
-                        <a:defRPr/>
-                      </a:pPr>
-                      <a:r>
-                        <a:rPr lang="es-ES_tradnl" sz="1800" kern="1200" dirty="0">
-                          <a:solidFill>
-                            <a:schemeClr val="dk1"/>
-                          </a:solidFill>
-                          <a:effectLst/>
-                          <a:latin typeface="+mn-lt"/>
-                          <a:ea typeface="+mn-ea"/>
-                          <a:cs typeface="+mn-cs"/>
-                        </a:rPr>
-                        <a:t>Estimación duración Actividades</a:t>
-                      </a:r>
-                      <a:endParaRPr lang="es-ES" sz="1800" b="1" kern="1200" dirty="0">
-                        <a:solidFill>
-                          <a:schemeClr val="dk1"/>
-                        </a:solidFill>
-                        <a:effectLst/>
-                        <a:latin typeface="+mn-lt"/>
-                        <a:ea typeface="+mn-ea"/>
-                        <a:cs typeface="+mn-cs"/>
-                      </a:endParaRPr>
-                    </a:p>
-                  </a:txBody>
-                  <a:tcPr/>
-                </a:tc>
-                <a:extLst>
-                  <a:ext uri="{0D108BD9-81ED-4DB2-BD59-A6C34878D82A}">
-                    <a16:rowId xmlns:a16="http://schemas.microsoft.com/office/drawing/2014/main" val="3048751394"/>
-                  </a:ext>
-                </a:extLst>
-              </a:tr>
-              <a:tr h="370840">
-                <a:tc>
-                  <a:txBody>
-                    <a:bodyPr/>
-                    <a:lstStyle/>
-                    <a:p>
-                      <a:pPr marL="0" marR="0" lvl="0" indent="0" algn="l" defTabSz="914400" rtl="0" eaLnBrk="1" fontAlgn="auto" latinLnBrk="0" hangingPunct="1">
-                        <a:lnSpc>
-                          <a:spcPct val="100000"/>
-                        </a:lnSpc>
-                        <a:spcBef>
-                          <a:spcPts val="0"/>
-                        </a:spcBef>
-                        <a:spcAft>
-                          <a:spcPts val="0"/>
-                        </a:spcAft>
-                        <a:buClrTx/>
-                        <a:buSzTx/>
-                        <a:buFontTx/>
-                        <a:buNone/>
-                        <a:tabLst/>
-                        <a:defRPr/>
-                      </a:pPr>
-                      <a:r>
-                        <a:rPr lang="es-ES" b="0" dirty="0"/>
-                        <a:t>3.2.4</a:t>
-                      </a:r>
-                    </a:p>
-                  </a:txBody>
-                  <a:tcPr/>
-                </a:tc>
-                <a:tc>
-                  <a:txBody>
-                    <a:bodyPr/>
-                    <a:lstStyle/>
-                    <a:p>
-                      <a:r>
-                        <a:rPr lang="es-ES_tradnl" sz="1800" kern="1200" dirty="0">
-                          <a:solidFill>
-                            <a:schemeClr val="dk1"/>
-                          </a:solidFill>
-                          <a:effectLst/>
-                          <a:latin typeface="+mn-lt"/>
-                          <a:ea typeface="+mn-ea"/>
-                          <a:cs typeface="+mn-cs"/>
-                        </a:rPr>
-                        <a:t>Elaboración del cronograma</a:t>
-                      </a:r>
-                      <a:endParaRPr lang="es-ES" dirty="0"/>
-                    </a:p>
-                  </a:txBody>
-                  <a:tcPr/>
-                </a:tc>
-                <a:extLst>
-                  <a:ext uri="{0D108BD9-81ED-4DB2-BD59-A6C34878D82A}">
-                    <a16:rowId xmlns:a16="http://schemas.microsoft.com/office/drawing/2014/main" val="2018730372"/>
-                  </a:ext>
-                </a:extLst>
-              </a:tr>
-              <a:tr h="370840">
-                <a:tc>
-                  <a:txBody>
-                    <a:bodyPr/>
-                    <a:lstStyle/>
-                    <a:p>
-                      <a:endParaRPr lang="es-ES" b="1" dirty="0"/>
-                    </a:p>
-                  </a:txBody>
-                  <a:tcPr/>
-                </a:tc>
-                <a:tc>
-                  <a:txBody>
-                    <a:bodyPr/>
-                    <a:lstStyle/>
-                    <a:p>
-                      <a:endParaRPr lang="es-ES" b="1" dirty="0"/>
-                    </a:p>
-                  </a:txBody>
-                  <a:tcPr/>
-                </a:tc>
-                <a:extLst>
-                  <a:ext uri="{0D108BD9-81ED-4DB2-BD59-A6C34878D82A}">
-                    <a16:rowId xmlns:a16="http://schemas.microsoft.com/office/drawing/2014/main" val="3304761878"/>
-                  </a:ext>
-                </a:extLst>
-              </a:tr>
-              <a:tr h="370840">
-                <a:tc>
-                  <a:txBody>
-                    <a:bodyPr/>
-                    <a:lstStyle/>
-                    <a:p>
-                      <a:endParaRPr lang="es-ES" dirty="0"/>
-                    </a:p>
-                  </a:txBody>
-                  <a:tcPr/>
-                </a:tc>
-                <a:tc>
-                  <a:txBody>
-                    <a:bodyPr/>
-                    <a:lstStyle/>
-                    <a:p>
-                      <a:pPr marL="0" marR="0" lvl="0" indent="0" algn="l" defTabSz="914400" rtl="0" eaLnBrk="1" fontAlgn="auto" latinLnBrk="0" hangingPunct="1">
-                        <a:lnSpc>
-                          <a:spcPct val="100000"/>
-                        </a:lnSpc>
-                        <a:spcBef>
-                          <a:spcPts val="0"/>
-                        </a:spcBef>
-                        <a:spcAft>
-                          <a:spcPts val="0"/>
-                        </a:spcAft>
-                        <a:buClrTx/>
-                        <a:buSzTx/>
-                        <a:buFontTx/>
-                        <a:buNone/>
-                        <a:tabLst/>
-                        <a:defRPr/>
-                      </a:pPr>
-                      <a:endParaRPr lang="es-ES" sz="1800" kern="1200" dirty="0">
-                        <a:solidFill>
-                          <a:schemeClr val="dk1"/>
-                        </a:solidFill>
-                        <a:effectLst/>
-                        <a:latin typeface="+mn-lt"/>
-                        <a:ea typeface="+mn-ea"/>
-                        <a:cs typeface="+mn-cs"/>
-                      </a:endParaRPr>
-                    </a:p>
-                  </a:txBody>
-                  <a:tcPr/>
-                </a:tc>
-                <a:extLst>
-                  <a:ext uri="{0D108BD9-81ED-4DB2-BD59-A6C34878D82A}">
-                    <a16:rowId xmlns:a16="http://schemas.microsoft.com/office/drawing/2014/main" val="1602849220"/>
-                  </a:ext>
-                </a:extLst>
-              </a:tr>
-              <a:tr h="370840">
-                <a:tc>
-                  <a:txBody>
-                    <a:bodyPr/>
-                    <a:lstStyle/>
-                    <a:p>
-                      <a:endParaRPr lang="es-ES" dirty="0"/>
-                    </a:p>
-                  </a:txBody>
-                  <a:tcPr/>
-                </a:tc>
-                <a:tc>
-                  <a:txBody>
-                    <a:bodyPr/>
-                    <a:lstStyle/>
-                    <a:p>
-                      <a:pPr marL="0" marR="0" lvl="0" indent="0" algn="l" defTabSz="914400" rtl="0" eaLnBrk="1" fontAlgn="auto" latinLnBrk="0" hangingPunct="1">
-                        <a:lnSpc>
-                          <a:spcPct val="100000"/>
-                        </a:lnSpc>
-                        <a:spcBef>
-                          <a:spcPts val="0"/>
-                        </a:spcBef>
-                        <a:spcAft>
-                          <a:spcPts val="0"/>
-                        </a:spcAft>
-                        <a:buClrTx/>
-                        <a:buSzTx/>
-                        <a:buFontTx/>
-                        <a:buNone/>
-                        <a:tabLst/>
-                        <a:defRPr/>
-                      </a:pPr>
-                      <a:endParaRPr lang="es-ES" sz="1800" kern="1200" dirty="0">
-                        <a:solidFill>
-                          <a:schemeClr val="dk1"/>
-                        </a:solidFill>
-                        <a:effectLst/>
-                        <a:latin typeface="+mn-lt"/>
-                        <a:ea typeface="+mn-ea"/>
-                        <a:cs typeface="+mn-cs"/>
-                      </a:endParaRPr>
-                    </a:p>
-                  </a:txBody>
-                  <a:tcPr/>
-                </a:tc>
-                <a:extLst>
-                  <a:ext uri="{0D108BD9-81ED-4DB2-BD59-A6C34878D82A}">
-                    <a16:rowId xmlns:a16="http://schemas.microsoft.com/office/drawing/2014/main" val="3406681799"/>
-                  </a:ext>
-                </a:extLst>
-              </a:tr>
-            </a:tbl>
-          </a:graphicData>
-        </a:graphic>
-      </p:graphicFrame>
-    </p:spTree>
-    <p:extLst>
-      <p:ext uri="{BB962C8B-B14F-4D97-AF65-F5344CB8AC3E}">
-        <p14:creationId xmlns:p14="http://schemas.microsoft.com/office/powerpoint/2010/main" val="1919618541"/>
-      </p:ext>
-    </p:extLst>
-  </p:cSld>
-  <p:clrMapOvr>
-    <a:masterClrMapping/>
-  </p:clrMapOvr>
-</p:sld>
-</file>
-
-<file path=ppt/slides/slide11.xml><?xml version="1.0" encoding="utf-8"?>
-<p:sld xmlns:a="http://schemas.openxmlformats.org/drawingml/2006/main" xmlns:r="http://schemas.openxmlformats.org/officeDocument/2006/relationships" xmlns:p="http://schemas.openxmlformats.org/presentationml/2006/main">
-  <p:cSld>
-    <p:spTree>
-      <p:nvGrpSpPr>
-        <p:cNvPr id="1" name=""/>
-        <p:cNvGrpSpPr/>
-        <p:nvPr/>
-      </p:nvGrpSpPr>
-      <p:grpSpPr>
-        <a:xfrm>
-          <a:off x="0" y="0"/>
-          <a:ext cx="0" cy="0"/>
-          <a:chOff x="0" y="0"/>
-          <a:chExt cx="0" cy="0"/>
-        </a:xfrm>
-      </p:grpSpPr>
-      <p:sp>
-        <p:nvSpPr>
-          <p:cNvPr id="2" name="Título 1">
-            <a:extLst>
-              <a:ext uri="{FF2B5EF4-FFF2-40B4-BE49-F238E27FC236}">
-                <a16:creationId xmlns:a16="http://schemas.microsoft.com/office/drawing/2014/main" id="{6A4647F8-360F-2143-89F0-F00E40E0B51F}"/>
-              </a:ext>
-            </a:extLst>
-          </p:cNvPr>
-          <p:cNvSpPr>
-            <a:spLocks noGrp="1"/>
-          </p:cNvSpPr>
-          <p:nvPr>
-            <p:ph type="title"/>
-          </p:nvPr>
-        </p:nvSpPr>
-        <p:spPr>
-          <a:xfrm>
-            <a:off x="3053413" y="374594"/>
-            <a:ext cx="8610600" cy="1293028"/>
-          </a:xfrm>
-        </p:spPr>
-        <p:txBody>
-          <a:bodyPr/>
-          <a:lstStyle/>
-          <a:p>
-            <a:r>
-              <a:rPr lang="es-ES" dirty="0"/>
-              <a:t>ESTIMACIÓN DE LOS RECURSOS</a:t>
-            </a:r>
-          </a:p>
-        </p:txBody>
-      </p:sp>
-      <p:sp>
-        <p:nvSpPr>
-          <p:cNvPr id="3" name="Marcador de número de diapositiva 2">
-            <a:extLst>
-              <a:ext uri="{FF2B5EF4-FFF2-40B4-BE49-F238E27FC236}">
-                <a16:creationId xmlns:a16="http://schemas.microsoft.com/office/drawing/2014/main" id="{6C452FBA-1AA2-A94C-B664-CE1D9010AEAA}"/>
-              </a:ext>
-            </a:extLst>
-          </p:cNvPr>
-          <p:cNvSpPr>
-            <a:spLocks noGrp="1"/>
-          </p:cNvSpPr>
-          <p:nvPr>
-            <p:ph type="sldNum" sz="quarter" idx="12"/>
-          </p:nvPr>
-        </p:nvSpPr>
-        <p:spPr/>
-        <p:txBody>
-          <a:bodyPr/>
-          <a:lstStyle/>
-          <a:p>
-            <a:fld id="{D6010774-2920-F049-BD0B-9A28F2A984C5}" type="slidenum">
-              <a:rPr lang="es-ES" smtClean="0"/>
-              <a:t>11</a:t>
-            </a:fld>
-            <a:endParaRPr lang="es-ES" dirty="0"/>
-          </a:p>
-        </p:txBody>
-      </p:sp>
-      <p:graphicFrame>
-        <p:nvGraphicFramePr>
-          <p:cNvPr id="6" name="Diagrama 5">
-            <a:extLst>
-              <a:ext uri="{FF2B5EF4-FFF2-40B4-BE49-F238E27FC236}">
-                <a16:creationId xmlns:a16="http://schemas.microsoft.com/office/drawing/2014/main" id="{F798FA29-1558-42C7-85E6-C17C10672B6C}"/>
-              </a:ext>
-            </a:extLst>
-          </p:cNvPr>
-          <p:cNvGraphicFramePr/>
-          <p:nvPr>
-            <p:extLst>
-              <p:ext uri="{D42A27DB-BD31-4B8C-83A1-F6EECF244321}">
-                <p14:modId xmlns:p14="http://schemas.microsoft.com/office/powerpoint/2010/main" val="1932296340"/>
-              </p:ext>
-            </p:extLst>
-          </p:nvPr>
-        </p:nvGraphicFramePr>
-        <p:xfrm>
-          <a:off x="1933658" y="1278810"/>
-          <a:ext cx="8128000" cy="5418667"/>
-        </p:xfrm>
-        <a:graphic>
-          <a:graphicData uri="http://schemas.openxmlformats.org/drawingml/2006/diagram">
-            <dgm:relIds xmlns:dgm="http://schemas.openxmlformats.org/drawingml/2006/diagram" xmlns:r="http://schemas.openxmlformats.org/officeDocument/2006/relationships" r:dm="rId2" r:lo="rId3" r:qs="rId4" r:cs="rId5"/>
-          </a:graphicData>
-        </a:graphic>
-      </p:graphicFrame>
-      <p:pic>
-        <p:nvPicPr>
-          <p:cNvPr id="8" name="Imagen 7">
-            <a:extLst>
-              <a:ext uri="{FF2B5EF4-FFF2-40B4-BE49-F238E27FC236}">
-                <a16:creationId xmlns:a16="http://schemas.microsoft.com/office/drawing/2014/main" id="{C9827DFA-2A41-49F5-94D4-106EA543EE01}"/>
-              </a:ext>
-            </a:extLst>
-          </p:cNvPr>
-          <p:cNvPicPr>
-            <a:picLocks noChangeAspect="1"/>
-          </p:cNvPicPr>
-          <p:nvPr/>
-        </p:nvPicPr>
-        <p:blipFill>
-          <a:blip r:embed="rId7"/>
-          <a:stretch>
-            <a:fillRect/>
-          </a:stretch>
-        </p:blipFill>
-        <p:spPr>
-          <a:xfrm>
-            <a:off x="0" y="5785445"/>
-            <a:ext cx="2502561" cy="1072555"/>
-          </a:xfrm>
-          <a:prstGeom prst="rect">
-            <a:avLst/>
-          </a:prstGeom>
-        </p:spPr>
-      </p:pic>
-    </p:spTree>
-    <p:extLst>
-      <p:ext uri="{BB962C8B-B14F-4D97-AF65-F5344CB8AC3E}">
-        <p14:creationId xmlns:p14="http://schemas.microsoft.com/office/powerpoint/2010/main" val="3600410613"/>
-      </p:ext>
-    </p:extLst>
-  </p:cSld>
-  <p:clrMapOvr>
-    <a:masterClrMapping/>
-  </p:clrMapOvr>
-  <p:timing>
-    <p:tnLst>
-      <p:par>
-        <p:cTn id="1" dur="indefinite" restart="never" nodeType="tmRoot">
-          <p:childTnLst>
-            <p:seq concurrent="1" nextAc="seek">
-              <p:cTn id="2" dur="indefinite" nodeType="mainSeq">
-                <p:childTnLst>
-                  <p:par>
-                    <p:cTn id="3" fill="hold">
-                      <p:stCondLst>
-                        <p:cond delay="indefinite"/>
-                        <p:cond evt="onBegin" delay="0">
-                          <p:tn val="2"/>
-                        </p:cond>
-                      </p:stCondLst>
-                      <p:childTnLst>
-                        <p:par>
-                          <p:cTn id="4" fill="hold">
-                            <p:stCondLst>
-                              <p:cond delay="0"/>
-                            </p:stCondLst>
-                            <p:childTnLst>
-                              <p:par>
-                                <p:cTn id="5" presetID="10" presetClass="entr" presetSubtype="0" fill="hold" grpId="0" nodeType="withEffect">
-                                  <p:stCondLst>
-                                    <p:cond delay="0"/>
-                                  </p:stCondLst>
-                                  <p:childTnLst>
-                                    <p:set>
-                                      <p:cBhvr>
-                                        <p:cTn id="6" dur="1" fill="hold">
-                                          <p:stCondLst>
-                                            <p:cond delay="0"/>
-                                          </p:stCondLst>
-                                        </p:cTn>
-                                        <p:tgtEl>
-                                          <p:spTgt spid="6">
-                                            <p:graphicEl>
-                                              <a:dgm id="{1B4294FD-D352-4BDF-A2BB-C3BB43F0C6F4}"/>
-                                            </p:graphicEl>
-                                          </p:spTgt>
-                                        </p:tgtEl>
-                                        <p:attrNameLst>
-                                          <p:attrName>style.visibility</p:attrName>
-                                        </p:attrNameLst>
-                                      </p:cBhvr>
-                                      <p:to>
-                                        <p:strVal val="visible"/>
-                                      </p:to>
-                                    </p:set>
-                                    <p:animEffect transition="in" filter="fade">
-                                      <p:cBhvr>
-                                        <p:cTn id="7" dur="500"/>
-                                        <p:tgtEl>
-                                          <p:spTgt spid="6">
-                                            <p:graphicEl>
-                                              <a:dgm id="{1B4294FD-D352-4BDF-A2BB-C3BB43F0C6F4}"/>
-                                            </p:graphicEl>
-                                          </p:spTgt>
-                                        </p:tgtEl>
-                                      </p:cBhvr>
-                                    </p:animEffect>
-                                  </p:childTnLst>
-                                </p:cTn>
-                              </p:par>
-                            </p:childTnLst>
-                          </p:cTn>
-                        </p:par>
-                      </p:childTnLst>
-                    </p:cTn>
-                  </p:par>
-                  <p:par>
-                    <p:cTn id="8" fill="hold">
-                      <p:stCondLst>
-                        <p:cond delay="indefinite"/>
-                      </p:stCondLst>
-                      <p:childTnLst>
-                        <p:par>
-                          <p:cTn id="9" fill="hold">
-                            <p:stCondLst>
-                              <p:cond delay="0"/>
-                            </p:stCondLst>
-                            <p:childTnLst>
-                              <p:par>
-                                <p:cTn id="10" presetID="10" presetClass="entr" presetSubtype="0" fill="hold" grpId="0" nodeType="clickEffect">
-                                  <p:stCondLst>
-                                    <p:cond delay="0"/>
-                                  </p:stCondLst>
-                                  <p:childTnLst>
-                                    <p:set>
-                                      <p:cBhvr>
-                                        <p:cTn id="11" dur="1" fill="hold">
-                                          <p:stCondLst>
-                                            <p:cond delay="0"/>
-                                          </p:stCondLst>
-                                        </p:cTn>
-                                        <p:tgtEl>
-                                          <p:spTgt spid="6">
-                                            <p:graphicEl>
-                                              <a:dgm id="{63EF5EB6-F4CF-45CE-AAD7-0134F872C692}"/>
-                                            </p:graphicEl>
-                                          </p:spTgt>
-                                        </p:tgtEl>
-                                        <p:attrNameLst>
-                                          <p:attrName>style.visibility</p:attrName>
-                                        </p:attrNameLst>
-                                      </p:cBhvr>
-                                      <p:to>
-                                        <p:strVal val="visible"/>
-                                      </p:to>
-                                    </p:set>
-                                    <p:animEffect transition="in" filter="fade">
-                                      <p:cBhvr>
-                                        <p:cTn id="12" dur="500"/>
-                                        <p:tgtEl>
-                                          <p:spTgt spid="6">
-                                            <p:graphicEl>
-                                              <a:dgm id="{63EF5EB6-F4CF-45CE-AAD7-0134F872C692}"/>
-                                            </p:graphicEl>
-                                          </p:spTgt>
-                                        </p:tgtEl>
-                                      </p:cBhvr>
-                                    </p:animEffect>
-                                  </p:childTnLst>
-                                </p:cTn>
-                              </p:par>
-                              <p:par>
-                                <p:cTn id="13" presetID="10" presetClass="entr" presetSubtype="0" fill="hold" grpId="0" nodeType="withEffect">
-                                  <p:stCondLst>
-                                    <p:cond delay="0"/>
-                                  </p:stCondLst>
-                                  <p:childTnLst>
-                                    <p:set>
-                                      <p:cBhvr>
-                                        <p:cTn id="14" dur="1" fill="hold">
-                                          <p:stCondLst>
-                                            <p:cond delay="0"/>
-                                          </p:stCondLst>
-                                        </p:cTn>
-                                        <p:tgtEl>
-                                          <p:spTgt spid="6">
-                                            <p:graphicEl>
-                                              <a:dgm id="{AE93CF8B-4C19-4F3F-8C77-28AE1615EFFA}"/>
-                                            </p:graphicEl>
-                                          </p:spTgt>
-                                        </p:tgtEl>
-                                        <p:attrNameLst>
-                                          <p:attrName>style.visibility</p:attrName>
-                                        </p:attrNameLst>
-                                      </p:cBhvr>
-                                      <p:to>
-                                        <p:strVal val="visible"/>
-                                      </p:to>
-                                    </p:set>
-                                    <p:animEffect transition="in" filter="fade">
-                                      <p:cBhvr>
-                                        <p:cTn id="15" dur="500"/>
-                                        <p:tgtEl>
-                                          <p:spTgt spid="6">
-                                            <p:graphicEl>
-                                              <a:dgm id="{AE93CF8B-4C19-4F3F-8C77-28AE1615EFFA}"/>
-                                            </p:graphicEl>
-                                          </p:spTgt>
-                                        </p:tgtEl>
-                                      </p:cBhvr>
-                                    </p:animEffect>
-                                  </p:childTnLst>
-                                </p:cTn>
-                              </p:par>
-                              <p:par>
-                                <p:cTn id="16" presetID="10" presetClass="entr" presetSubtype="0" fill="hold" grpId="0" nodeType="withEffect">
-                                  <p:stCondLst>
-                                    <p:cond delay="0"/>
-                                  </p:stCondLst>
-                                  <p:childTnLst>
-                                    <p:set>
-                                      <p:cBhvr>
-                                        <p:cTn id="17" dur="1" fill="hold">
-                                          <p:stCondLst>
-                                            <p:cond delay="0"/>
-                                          </p:stCondLst>
-                                        </p:cTn>
-                                        <p:tgtEl>
-                                          <p:spTgt spid="6">
-                                            <p:graphicEl>
-                                              <a:dgm id="{1782769F-A5D2-4CB1-83A5-4E44C95F8CB2}"/>
-                                            </p:graphicEl>
-                                          </p:spTgt>
-                                        </p:tgtEl>
-                                        <p:attrNameLst>
-                                          <p:attrName>style.visibility</p:attrName>
-                                        </p:attrNameLst>
-                                      </p:cBhvr>
-                                      <p:to>
-                                        <p:strVal val="visible"/>
-                                      </p:to>
-                                    </p:set>
-                                    <p:animEffect transition="in" filter="fade">
-                                      <p:cBhvr>
-                                        <p:cTn id="18" dur="500"/>
-                                        <p:tgtEl>
-                                          <p:spTgt spid="6">
-                                            <p:graphicEl>
-                                              <a:dgm id="{1782769F-A5D2-4CB1-83A5-4E44C95F8CB2}"/>
-                                            </p:graphicEl>
-                                          </p:spTgt>
-                                        </p:tgtEl>
-                                      </p:cBhvr>
-                                    </p:animEffect>
-                                  </p:childTnLst>
-                                </p:cTn>
-                              </p:par>
-                              <p:par>
-                                <p:cTn id="19" presetID="10" presetClass="entr" presetSubtype="0" fill="hold" grpId="0" nodeType="withEffect">
-                                  <p:stCondLst>
-                                    <p:cond delay="0"/>
-                                  </p:stCondLst>
-                                  <p:childTnLst>
-                                    <p:set>
-                                      <p:cBhvr>
-                                        <p:cTn id="20" dur="1" fill="hold">
-                                          <p:stCondLst>
-                                            <p:cond delay="0"/>
-                                          </p:stCondLst>
-                                        </p:cTn>
-                                        <p:tgtEl>
-                                          <p:spTgt spid="6">
-                                            <p:graphicEl>
-                                              <a:dgm id="{EBC94979-D2DD-4645-9794-C7652D0E6C19}"/>
-                                            </p:graphicEl>
-                                          </p:spTgt>
-                                        </p:tgtEl>
-                                        <p:attrNameLst>
-                                          <p:attrName>style.visibility</p:attrName>
-                                        </p:attrNameLst>
-                                      </p:cBhvr>
-                                      <p:to>
-                                        <p:strVal val="visible"/>
-                                      </p:to>
-                                    </p:set>
-                                    <p:animEffect transition="in" filter="fade">
-                                      <p:cBhvr>
-                                        <p:cTn id="21" dur="500"/>
-                                        <p:tgtEl>
-                                          <p:spTgt spid="6">
-                                            <p:graphicEl>
-                                              <a:dgm id="{EBC94979-D2DD-4645-9794-C7652D0E6C19}"/>
-                                            </p:graphicEl>
-                                          </p:spTgt>
-                                        </p:tgtEl>
-                                      </p:cBhvr>
-                                    </p:animEffect>
-                                  </p:childTnLst>
-                                </p:cTn>
-                              </p:par>
-                              <p:par>
-                                <p:cTn id="22" presetID="10" presetClass="entr" presetSubtype="0" fill="hold" grpId="0" nodeType="withEffect">
-                                  <p:stCondLst>
-                                    <p:cond delay="0"/>
-                                  </p:stCondLst>
-                                  <p:childTnLst>
-                                    <p:set>
-                                      <p:cBhvr>
-                                        <p:cTn id="23" dur="1" fill="hold">
-                                          <p:stCondLst>
-                                            <p:cond delay="0"/>
-                                          </p:stCondLst>
-                                        </p:cTn>
-                                        <p:tgtEl>
-                                          <p:spTgt spid="6">
-                                            <p:graphicEl>
-                                              <a:dgm id="{8B7257F5-DCB6-4349-8F5A-F60517DB013E}"/>
-                                            </p:graphicEl>
-                                          </p:spTgt>
-                                        </p:tgtEl>
-                                        <p:attrNameLst>
-                                          <p:attrName>style.visibility</p:attrName>
-                                        </p:attrNameLst>
-                                      </p:cBhvr>
-                                      <p:to>
-                                        <p:strVal val="visible"/>
-                                      </p:to>
-                                    </p:set>
-                                    <p:animEffect transition="in" filter="fade">
-                                      <p:cBhvr>
-                                        <p:cTn id="24" dur="500"/>
-                                        <p:tgtEl>
-                                          <p:spTgt spid="6">
-                                            <p:graphicEl>
-                                              <a:dgm id="{8B7257F5-DCB6-4349-8F5A-F60517DB013E}"/>
-                                            </p:graphicEl>
-                                          </p:spTgt>
-                                        </p:tgtEl>
-                                      </p:cBhvr>
-                                    </p:animEffect>
-                                  </p:childTnLst>
-                                </p:cTn>
-                              </p:par>
-                              <p:par>
-                                <p:cTn id="25" presetID="10" presetClass="entr" presetSubtype="0" fill="hold" grpId="0" nodeType="withEffect">
-                                  <p:stCondLst>
-                                    <p:cond delay="0"/>
-                                  </p:stCondLst>
-                                  <p:childTnLst>
-                                    <p:set>
-                                      <p:cBhvr>
-                                        <p:cTn id="26" dur="1" fill="hold">
-                                          <p:stCondLst>
-                                            <p:cond delay="0"/>
-                                          </p:stCondLst>
-                                        </p:cTn>
-                                        <p:tgtEl>
-                                          <p:spTgt spid="6">
-                                            <p:graphicEl>
-                                              <a:dgm id="{C3F0AF6D-67B2-48DE-8756-565FC93F23E5}"/>
-                                            </p:graphicEl>
-                                          </p:spTgt>
-                                        </p:tgtEl>
-                                        <p:attrNameLst>
-                                          <p:attrName>style.visibility</p:attrName>
-                                        </p:attrNameLst>
-                                      </p:cBhvr>
-                                      <p:to>
-                                        <p:strVal val="visible"/>
-                                      </p:to>
-                                    </p:set>
-                                    <p:animEffect transition="in" filter="fade">
-                                      <p:cBhvr>
-                                        <p:cTn id="27" dur="500"/>
-                                        <p:tgtEl>
-                                          <p:spTgt spid="6">
-                                            <p:graphicEl>
-                                              <a:dgm id="{C3F0AF6D-67B2-48DE-8756-565FC93F23E5}"/>
-                                            </p:graphicEl>
-                                          </p:spTgt>
-                                        </p:tgtEl>
-                                      </p:cBhvr>
-                                    </p:animEffect>
-                                  </p:childTnLst>
-                                </p:cTn>
-                              </p:par>
-                              <p:par>
-                                <p:cTn id="28" presetID="10" presetClass="entr" presetSubtype="0" fill="hold" grpId="0" nodeType="withEffect">
-                                  <p:stCondLst>
-                                    <p:cond delay="0"/>
-                                  </p:stCondLst>
-                                  <p:childTnLst>
-                                    <p:set>
-                                      <p:cBhvr>
-                                        <p:cTn id="29" dur="1" fill="hold">
-                                          <p:stCondLst>
-                                            <p:cond delay="0"/>
-                                          </p:stCondLst>
-                                        </p:cTn>
-                                        <p:tgtEl>
-                                          <p:spTgt spid="6">
-                                            <p:graphicEl>
-                                              <a:dgm id="{89C2AE90-72E3-42C2-8108-3C4E5E4E6C6D}"/>
-                                            </p:graphicEl>
-                                          </p:spTgt>
-                                        </p:tgtEl>
-                                        <p:attrNameLst>
-                                          <p:attrName>style.visibility</p:attrName>
-                                        </p:attrNameLst>
-                                      </p:cBhvr>
-                                      <p:to>
-                                        <p:strVal val="visible"/>
-                                      </p:to>
-                                    </p:set>
-                                    <p:animEffect transition="in" filter="fade">
-                                      <p:cBhvr>
-                                        <p:cTn id="30" dur="500"/>
-                                        <p:tgtEl>
-                                          <p:spTgt spid="6">
-                                            <p:graphicEl>
-                                              <a:dgm id="{89C2AE90-72E3-42C2-8108-3C4E5E4E6C6D}"/>
-                                            </p:graphicEl>
-                                          </p:spTgt>
-                                        </p:tgtEl>
-                                      </p:cBhvr>
-                                    </p:animEffect>
-                                  </p:childTnLst>
-                                </p:cTn>
-                              </p:par>
-                              <p:par>
-                                <p:cTn id="31" presetID="10" presetClass="entr" presetSubtype="0" fill="hold" grpId="0" nodeType="withEffect">
-                                  <p:stCondLst>
-                                    <p:cond delay="0"/>
-                                  </p:stCondLst>
-                                  <p:childTnLst>
-                                    <p:set>
-                                      <p:cBhvr>
-                                        <p:cTn id="32" dur="1" fill="hold">
-                                          <p:stCondLst>
-                                            <p:cond delay="0"/>
-                                          </p:stCondLst>
-                                        </p:cTn>
-                                        <p:tgtEl>
-                                          <p:spTgt spid="6">
-                                            <p:graphicEl>
-                                              <a:dgm id="{8DDE099A-BF3B-4937-8192-05A439C184DC}"/>
-                                            </p:graphicEl>
-                                          </p:spTgt>
-                                        </p:tgtEl>
-                                        <p:attrNameLst>
-                                          <p:attrName>style.visibility</p:attrName>
-                                        </p:attrNameLst>
-                                      </p:cBhvr>
-                                      <p:to>
-                                        <p:strVal val="visible"/>
-                                      </p:to>
-                                    </p:set>
-                                    <p:animEffect transition="in" filter="fade">
-                                      <p:cBhvr>
-                                        <p:cTn id="33" dur="500"/>
-                                        <p:tgtEl>
-                                          <p:spTgt spid="6">
-                                            <p:graphicEl>
-                                              <a:dgm id="{8DDE099A-BF3B-4937-8192-05A439C184DC}"/>
-                                            </p:graphicEl>
-                                          </p:spTgt>
-                                        </p:tgtEl>
-                                      </p:cBhvr>
-                                    </p:animEffect>
-                                  </p:childTnLst>
-                                </p:cTn>
-                              </p:par>
-                              <p:par>
-                                <p:cTn id="34" presetID="10" presetClass="entr" presetSubtype="0" fill="hold" grpId="0" nodeType="withEffect">
-                                  <p:stCondLst>
-                                    <p:cond delay="0"/>
-                                  </p:stCondLst>
-                                  <p:childTnLst>
-                                    <p:set>
-                                      <p:cBhvr>
-                                        <p:cTn id="35" dur="1" fill="hold">
-                                          <p:stCondLst>
-                                            <p:cond delay="0"/>
-                                          </p:stCondLst>
-                                        </p:cTn>
-                                        <p:tgtEl>
-                                          <p:spTgt spid="6">
-                                            <p:graphicEl>
-                                              <a:dgm id="{207BEEAD-C15F-4AC6-BB70-5A868ECF3F8D}"/>
-                                            </p:graphicEl>
-                                          </p:spTgt>
-                                        </p:tgtEl>
-                                        <p:attrNameLst>
-                                          <p:attrName>style.visibility</p:attrName>
-                                        </p:attrNameLst>
-                                      </p:cBhvr>
-                                      <p:to>
-                                        <p:strVal val="visible"/>
-                                      </p:to>
-                                    </p:set>
-                                    <p:animEffect transition="in" filter="fade">
-                                      <p:cBhvr>
-                                        <p:cTn id="36" dur="500"/>
-                                        <p:tgtEl>
-                                          <p:spTgt spid="6">
-                                            <p:graphicEl>
-                                              <a:dgm id="{207BEEAD-C15F-4AC6-BB70-5A868ECF3F8D}"/>
-                                            </p:graphicEl>
-                                          </p:spTgt>
-                                        </p:tgtEl>
-                                      </p:cBhvr>
-                                    </p:animEffect>
-                                  </p:childTnLst>
-                                </p:cTn>
-                              </p:par>
-                              <p:par>
-                                <p:cTn id="37" presetID="10" presetClass="entr" presetSubtype="0" fill="hold" grpId="0" nodeType="withEffect">
-                                  <p:stCondLst>
-                                    <p:cond delay="0"/>
-                                  </p:stCondLst>
-                                  <p:childTnLst>
-                                    <p:set>
-                                      <p:cBhvr>
-                                        <p:cTn id="38" dur="1" fill="hold">
-                                          <p:stCondLst>
-                                            <p:cond delay="0"/>
-                                          </p:stCondLst>
-                                        </p:cTn>
-                                        <p:tgtEl>
-                                          <p:spTgt spid="6">
-                                            <p:graphicEl>
-                                              <a:dgm id="{D7F31C14-D255-4C71-B9F1-5B036C39BEBC}"/>
-                                            </p:graphicEl>
-                                          </p:spTgt>
-                                        </p:tgtEl>
-                                        <p:attrNameLst>
-                                          <p:attrName>style.visibility</p:attrName>
-                                        </p:attrNameLst>
-                                      </p:cBhvr>
-                                      <p:to>
-                                        <p:strVal val="visible"/>
-                                      </p:to>
-                                    </p:set>
-                                    <p:animEffect transition="in" filter="fade">
-                                      <p:cBhvr>
-                                        <p:cTn id="39" dur="500"/>
-                                        <p:tgtEl>
-                                          <p:spTgt spid="6">
-                                            <p:graphicEl>
-                                              <a:dgm id="{D7F31C14-D255-4C71-B9F1-5B036C39BEBC}"/>
-                                            </p:graphicEl>
-                                          </p:spTgt>
-                                        </p:tgtEl>
-                                      </p:cBhvr>
-                                    </p:animEffect>
-                                  </p:childTnLst>
-                                </p:cTn>
-                              </p:par>
-                              <p:par>
-                                <p:cTn id="40" presetID="10" presetClass="entr" presetSubtype="0" fill="hold" grpId="0" nodeType="withEffect">
-                                  <p:stCondLst>
-                                    <p:cond delay="0"/>
-                                  </p:stCondLst>
-                                  <p:childTnLst>
-                                    <p:set>
-                                      <p:cBhvr>
-                                        <p:cTn id="41" dur="1" fill="hold">
-                                          <p:stCondLst>
-                                            <p:cond delay="0"/>
-                                          </p:stCondLst>
-                                        </p:cTn>
-                                        <p:tgtEl>
-                                          <p:spTgt spid="6">
-                                            <p:graphicEl>
-                                              <a:dgm id="{6A072CA9-59FB-4419-BF27-BB2B05A58589}"/>
-                                            </p:graphicEl>
-                                          </p:spTgt>
-                                        </p:tgtEl>
-                                        <p:attrNameLst>
-                                          <p:attrName>style.visibility</p:attrName>
-                                        </p:attrNameLst>
-                                      </p:cBhvr>
-                                      <p:to>
-                                        <p:strVal val="visible"/>
-                                      </p:to>
-                                    </p:set>
-                                    <p:animEffect transition="in" filter="fade">
-                                      <p:cBhvr>
-                                        <p:cTn id="42" dur="500"/>
-                                        <p:tgtEl>
-                                          <p:spTgt spid="6">
-                                            <p:graphicEl>
-                                              <a:dgm id="{6A072CA9-59FB-4419-BF27-BB2B05A58589}"/>
-                                            </p:graphicEl>
-                                          </p:spTgt>
-                                        </p:tgtEl>
-                                      </p:cBhvr>
-                                    </p:animEffect>
-                                  </p:childTnLst>
-                                </p:cTn>
-                              </p:par>
-                              <p:par>
-                                <p:cTn id="43" presetID="10" presetClass="entr" presetSubtype="0" fill="hold" grpId="0" nodeType="withEffect">
-                                  <p:stCondLst>
-                                    <p:cond delay="0"/>
-                                  </p:stCondLst>
-                                  <p:childTnLst>
-                                    <p:set>
-                                      <p:cBhvr>
-                                        <p:cTn id="44" dur="1" fill="hold">
-                                          <p:stCondLst>
-                                            <p:cond delay="0"/>
-                                          </p:stCondLst>
-                                        </p:cTn>
-                                        <p:tgtEl>
-                                          <p:spTgt spid="6">
-                                            <p:graphicEl>
-                                              <a:dgm id="{840146BC-F56D-4696-8EB2-038CBD81FB50}"/>
-                                            </p:graphicEl>
-                                          </p:spTgt>
-                                        </p:tgtEl>
-                                        <p:attrNameLst>
-                                          <p:attrName>style.visibility</p:attrName>
-                                        </p:attrNameLst>
-                                      </p:cBhvr>
-                                      <p:to>
-                                        <p:strVal val="visible"/>
-                                      </p:to>
-                                    </p:set>
-                                    <p:animEffect transition="in" filter="fade">
-                                      <p:cBhvr>
-                                        <p:cTn id="45" dur="500"/>
-                                        <p:tgtEl>
-                                          <p:spTgt spid="6">
-                                            <p:graphicEl>
-                                              <a:dgm id="{840146BC-F56D-4696-8EB2-038CBD81FB50}"/>
-                                            </p:graphicEl>
-                                          </p:spTgt>
-                                        </p:tgtEl>
-                                      </p:cBhvr>
-                                    </p:animEffect>
-                                  </p:childTnLst>
-                                </p:cTn>
-                              </p:par>
-                              <p:par>
-                                <p:cTn id="46" presetID="10" presetClass="entr" presetSubtype="0" fill="hold" grpId="0" nodeType="withEffect">
-                                  <p:stCondLst>
-                                    <p:cond delay="0"/>
-                                  </p:stCondLst>
-                                  <p:childTnLst>
-                                    <p:set>
-                                      <p:cBhvr>
-                                        <p:cTn id="47" dur="1" fill="hold">
-                                          <p:stCondLst>
-                                            <p:cond delay="0"/>
-                                          </p:stCondLst>
-                                        </p:cTn>
-                                        <p:tgtEl>
-                                          <p:spTgt spid="6">
-                                            <p:graphicEl>
-                                              <a:dgm id="{996FCFF4-6702-4D82-A0B2-C801E1EBB798}"/>
-                                            </p:graphicEl>
-                                          </p:spTgt>
-                                        </p:tgtEl>
-                                        <p:attrNameLst>
-                                          <p:attrName>style.visibility</p:attrName>
-                                        </p:attrNameLst>
-                                      </p:cBhvr>
-                                      <p:to>
-                                        <p:strVal val="visible"/>
-                                      </p:to>
-                                    </p:set>
-                                    <p:animEffect transition="in" filter="fade">
-                                      <p:cBhvr>
-                                        <p:cTn id="48" dur="500"/>
-                                        <p:tgtEl>
-                                          <p:spTgt spid="6">
-                                            <p:graphicEl>
-                                              <a:dgm id="{996FCFF4-6702-4D82-A0B2-C801E1EBB798}"/>
-                                            </p:graphicEl>
-                                          </p:spTgt>
-                                        </p:tgtEl>
-                                      </p:cBhvr>
-                                    </p:animEffect>
-                                  </p:childTnLst>
-                                </p:cTn>
-                              </p:par>
-                              <p:par>
-                                <p:cTn id="49" presetID="10" presetClass="entr" presetSubtype="0" fill="hold" grpId="0" nodeType="withEffect">
-                                  <p:stCondLst>
-                                    <p:cond delay="0"/>
-                                  </p:stCondLst>
-                                  <p:childTnLst>
-                                    <p:set>
-                                      <p:cBhvr>
-                                        <p:cTn id="50" dur="1" fill="hold">
-                                          <p:stCondLst>
-                                            <p:cond delay="0"/>
-                                          </p:stCondLst>
-                                        </p:cTn>
-                                        <p:tgtEl>
-                                          <p:spTgt spid="6">
-                                            <p:graphicEl>
-                                              <a:dgm id="{D6025D74-37CA-4AF2-AF75-DA6499BD9EE0}"/>
-                                            </p:graphicEl>
-                                          </p:spTgt>
-                                        </p:tgtEl>
-                                        <p:attrNameLst>
-                                          <p:attrName>style.visibility</p:attrName>
-                                        </p:attrNameLst>
-                                      </p:cBhvr>
-                                      <p:to>
-                                        <p:strVal val="visible"/>
-                                      </p:to>
-                                    </p:set>
-                                    <p:animEffect transition="in" filter="fade">
-                                      <p:cBhvr>
-                                        <p:cTn id="51" dur="500"/>
-                                        <p:tgtEl>
-                                          <p:spTgt spid="6">
-                                            <p:graphicEl>
-                                              <a:dgm id="{D6025D74-37CA-4AF2-AF75-DA6499BD9EE0}"/>
-                                            </p:graphicEl>
-                                          </p:spTgt>
-                                        </p:tgtEl>
-                                      </p:cBhvr>
-                                    </p:animEffect>
-                                  </p:childTnLst>
-                                </p:cTn>
-                              </p:par>
-                            </p:childTnLst>
-                          </p:cTn>
-                        </p:par>
-                      </p:childTnLst>
-                    </p:cTn>
-                  </p:par>
-                </p:childTnLst>
-              </p:cTn>
-              <p:prevCondLst>
-                <p:cond evt="onPrev" delay="0">
-                  <p:tgtEl>
-                    <p:sldTgt/>
-                  </p:tgtEl>
-                </p:cond>
-              </p:prevCondLst>
-              <p:nextCondLst>
-                <p:cond evt="onNext" delay="0">
-                  <p:tgtEl>
-                    <p:sldTgt/>
-                  </p:tgtEl>
-                </p:cond>
-              </p:nextCondLst>
-            </p:seq>
-          </p:childTnLst>
-        </p:cTn>
-      </p:par>
-    </p:tnLst>
-    <p:bldLst>
-      <p:bldGraphic spid="6" grpId="0" uiExpand="1">
-        <p:bldSub>
-          <a:bldDgm bld="lvlAtOnce"/>
-        </p:bldSub>
-      </p:bldGraphic>
-    </p:bldLst>
-  </p:timing>
-</p:sld>
-</file>
-
-<file path=ppt/slides/slide12.xml><?xml version="1.0" encoding="utf-8"?>
-<p:sld xmlns:a="http://schemas.openxmlformats.org/drawingml/2006/main" xmlns:r="http://schemas.openxmlformats.org/officeDocument/2006/relationships" xmlns:p="http://schemas.openxmlformats.org/presentationml/2006/main">
-  <p:cSld>
-    <p:spTree>
-      <p:nvGrpSpPr>
-        <p:cNvPr id="1" name=""/>
-        <p:cNvGrpSpPr/>
-        <p:nvPr/>
-      </p:nvGrpSpPr>
-      <p:grpSpPr>
-        <a:xfrm>
-          <a:off x="0" y="0"/>
-          <a:ext cx="0" cy="0"/>
-          <a:chOff x="0" y="0"/>
-          <a:chExt cx="0" cy="0"/>
-        </a:xfrm>
-      </p:grpSpPr>
       <p:sp>
         <p:nvSpPr>
           <p:cNvPr id="2" name="Título 1">
@@ -38102,786 +36555,7 @@
           <a:p>
             <a:fld id="{D6010774-2920-F049-BD0B-9A28F2A984C5}" type="slidenum">
               <a:rPr lang="es-ES" smtClean="0"/>
-              <a:t>12</a:t>
-            </a:fld>
-            <a:endParaRPr lang="es-ES" dirty="0"/>
-          </a:p>
-        </p:txBody>
-      </p:sp>
-      <p:pic>
-        <p:nvPicPr>
-          <p:cNvPr id="8" name="Imagen 7">
-            <a:extLst>
-              <a:ext uri="{FF2B5EF4-FFF2-40B4-BE49-F238E27FC236}">
-                <a16:creationId xmlns:a16="http://schemas.microsoft.com/office/drawing/2014/main" id="{C9827DFA-2A41-49F5-94D4-106EA543EE01}"/>
-              </a:ext>
-            </a:extLst>
-          </p:cNvPr>
-          <p:cNvPicPr>
-            <a:picLocks noChangeAspect="1"/>
-          </p:cNvPicPr>
-          <p:nvPr/>
-        </p:nvPicPr>
-        <p:blipFill>
-          <a:blip r:embed="rId2"/>
-          <a:stretch>
-            <a:fillRect/>
-          </a:stretch>
-        </p:blipFill>
-        <p:spPr>
-          <a:xfrm>
-            <a:off x="0" y="5785445"/>
-            <a:ext cx="2502561" cy="1072555"/>
-          </a:xfrm>
-          <a:prstGeom prst="rect">
-            <a:avLst/>
-          </a:prstGeom>
-        </p:spPr>
-      </p:pic>
-      <p:graphicFrame>
-        <p:nvGraphicFramePr>
-          <p:cNvPr id="7" name="Tabla 6">
-            <a:extLst>
-              <a:ext uri="{FF2B5EF4-FFF2-40B4-BE49-F238E27FC236}">
-                <a16:creationId xmlns:a16="http://schemas.microsoft.com/office/drawing/2014/main" id="{A17A4AC2-2340-4E94-A562-97BD1C59AAB0}"/>
-              </a:ext>
-            </a:extLst>
-          </p:cNvPr>
-          <p:cNvGraphicFramePr>
-            <a:graphicFrameLocks noGrp="1"/>
-          </p:cNvGraphicFramePr>
-          <p:nvPr>
-            <p:extLst>
-              <p:ext uri="{D42A27DB-BD31-4B8C-83A1-F6EECF244321}">
-                <p14:modId xmlns:p14="http://schemas.microsoft.com/office/powerpoint/2010/main" val="1202671577"/>
-              </p:ext>
-            </p:extLst>
-          </p:nvPr>
-        </p:nvGraphicFramePr>
-        <p:xfrm>
-          <a:off x="1629191" y="1519282"/>
-          <a:ext cx="9877009" cy="4601659"/>
-        </p:xfrm>
-        <a:graphic>
-          <a:graphicData uri="http://schemas.openxmlformats.org/drawingml/2006/table">
-            <a:tbl>
-              <a:tblPr firstRow="1" firstCol="1" bandRow="1">
-                <a:tableStyleId>{5C22544A-7EE6-4342-B048-85BDC9FD1C3A}</a:tableStyleId>
-              </a:tblPr>
-              <a:tblGrid>
-                <a:gridCol w="2435201">
-                  <a:extLst>
-                    <a:ext uri="{9D8B030D-6E8A-4147-A177-3AD203B41FA5}">
-                      <a16:colId xmlns:a16="http://schemas.microsoft.com/office/drawing/2014/main" val="657297924"/>
-                    </a:ext>
-                  </a:extLst>
-                </a:gridCol>
-                <a:gridCol w="2926080">
-                  <a:extLst>
-                    <a:ext uri="{9D8B030D-6E8A-4147-A177-3AD203B41FA5}">
-                      <a16:colId xmlns:a16="http://schemas.microsoft.com/office/drawing/2014/main" val="124372688"/>
-                    </a:ext>
-                  </a:extLst>
-                </a:gridCol>
-                <a:gridCol w="4515728">
-                  <a:extLst>
-                    <a:ext uri="{9D8B030D-6E8A-4147-A177-3AD203B41FA5}">
-                      <a16:colId xmlns:a16="http://schemas.microsoft.com/office/drawing/2014/main" val="1193000224"/>
-                    </a:ext>
-                  </a:extLst>
-                </a:gridCol>
-              </a:tblGrid>
-              <a:tr h="395029">
-                <a:tc>
-                  <a:txBody>
-                    <a:bodyPr/>
-                    <a:lstStyle/>
-                    <a:p>
-                      <a:pPr marL="457200" algn="ctr">
-                        <a:lnSpc>
-                          <a:spcPct val="107000"/>
-                        </a:lnSpc>
-                        <a:spcAft>
-                          <a:spcPts val="0"/>
-                        </a:spcAft>
-                      </a:pPr>
-                      <a:r>
-                        <a:rPr lang="es-ES_tradnl" sz="1600" dirty="0">
-                          <a:effectLst/>
-                        </a:rPr>
-                        <a:t>Apellidos, Nombre</a:t>
-                      </a:r>
-                      <a:endParaRPr lang="es-ES" sz="1600" dirty="0">
-                        <a:effectLst/>
-                        <a:latin typeface="Calibri" panose="020F0502020204030204" pitchFamily="34" charset="0"/>
-                        <a:ea typeface="Calibri" panose="020F0502020204030204" pitchFamily="34" charset="0"/>
-                        <a:cs typeface="Times New Roman" panose="02020603050405020304" pitchFamily="18" charset="0"/>
-                      </a:endParaRPr>
-                    </a:p>
-                  </a:txBody>
-                  <a:tcPr marL="36299" marR="36299" marT="0" marB="0" anchor="ctr"/>
-                </a:tc>
-                <a:tc>
-                  <a:txBody>
-                    <a:bodyPr/>
-                    <a:lstStyle/>
-                    <a:p>
-                      <a:pPr marL="457200" algn="ctr">
-                        <a:lnSpc>
-                          <a:spcPct val="107000"/>
-                        </a:lnSpc>
-                        <a:spcAft>
-                          <a:spcPts val="0"/>
-                        </a:spcAft>
-                      </a:pPr>
-                      <a:r>
-                        <a:rPr lang="es-ES_tradnl" sz="1600" dirty="0">
-                          <a:effectLst/>
-                        </a:rPr>
-                        <a:t>Cargo</a:t>
-                      </a:r>
-                      <a:endParaRPr lang="es-ES" sz="1600" dirty="0">
-                        <a:effectLst/>
-                        <a:latin typeface="Calibri" panose="020F0502020204030204" pitchFamily="34" charset="0"/>
-                        <a:ea typeface="Calibri" panose="020F0502020204030204" pitchFamily="34" charset="0"/>
-                        <a:cs typeface="Times New Roman" panose="02020603050405020304" pitchFamily="18" charset="0"/>
-                      </a:endParaRPr>
-                    </a:p>
-                  </a:txBody>
-                  <a:tcPr marL="36299" marR="36299" marT="0" marB="0" anchor="ctr"/>
-                </a:tc>
-                <a:tc>
-                  <a:txBody>
-                    <a:bodyPr/>
-                    <a:lstStyle/>
-                    <a:p>
-                      <a:pPr marL="457200" algn="ctr">
-                        <a:lnSpc>
-                          <a:spcPct val="107000"/>
-                        </a:lnSpc>
-                        <a:spcAft>
-                          <a:spcPts val="0"/>
-                        </a:spcAft>
-                      </a:pPr>
-                      <a:r>
-                        <a:rPr lang="es-ES_tradnl" sz="1600" dirty="0">
-                          <a:effectLst/>
-                        </a:rPr>
-                        <a:t>Email de contacto</a:t>
-                      </a:r>
-                      <a:endParaRPr lang="es-ES" sz="1600" dirty="0">
-                        <a:effectLst/>
-                        <a:latin typeface="Calibri" panose="020F0502020204030204" pitchFamily="34" charset="0"/>
-                        <a:ea typeface="Calibri" panose="020F0502020204030204" pitchFamily="34" charset="0"/>
-                        <a:cs typeface="Times New Roman" panose="02020603050405020304" pitchFamily="18" charset="0"/>
-                      </a:endParaRPr>
-                    </a:p>
-                  </a:txBody>
-                  <a:tcPr marL="36299" marR="36299" marT="0" marB="0" anchor="ctr"/>
-                </a:tc>
-                <a:extLst>
-                  <a:ext uri="{0D108BD9-81ED-4DB2-BD59-A6C34878D82A}">
-                    <a16:rowId xmlns:a16="http://schemas.microsoft.com/office/drawing/2014/main" val="3014679692"/>
-                  </a:ext>
-                </a:extLst>
-              </a:tr>
-              <a:tr h="800767">
-                <a:tc>
-                  <a:txBody>
-                    <a:bodyPr/>
-                    <a:lstStyle/>
-                    <a:p>
-                      <a:pPr marL="457200" algn="ctr">
-                        <a:lnSpc>
-                          <a:spcPct val="107000"/>
-                        </a:lnSpc>
-                        <a:spcAft>
-                          <a:spcPts val="0"/>
-                        </a:spcAft>
-                      </a:pPr>
-                      <a:r>
-                        <a:rPr lang="es-ES_tradnl" sz="1600" dirty="0" err="1">
-                          <a:effectLst/>
-                        </a:rPr>
-                        <a:t>Nicusor</a:t>
-                      </a:r>
-                      <a:r>
-                        <a:rPr lang="es-ES_tradnl" sz="1600" dirty="0">
-                          <a:effectLst/>
-                        </a:rPr>
-                        <a:t> </a:t>
-                      </a:r>
-                      <a:r>
-                        <a:rPr lang="es-ES_tradnl" sz="1600" dirty="0" err="1">
-                          <a:effectLst/>
-                        </a:rPr>
-                        <a:t>Constantin</a:t>
-                      </a:r>
-                      <a:r>
-                        <a:rPr lang="es-ES_tradnl" sz="1600" dirty="0">
-                          <a:effectLst/>
-                        </a:rPr>
-                        <a:t>, </a:t>
-                      </a:r>
-                      <a:r>
-                        <a:rPr lang="es-ES_tradnl" sz="1600" dirty="0" err="1">
-                          <a:effectLst/>
-                        </a:rPr>
-                        <a:t>Boby</a:t>
-                      </a:r>
-                      <a:endParaRPr lang="es-ES" sz="1600" dirty="0">
-                        <a:effectLst/>
-                        <a:latin typeface="Calibri" panose="020F0502020204030204" pitchFamily="34" charset="0"/>
-                        <a:ea typeface="Calibri" panose="020F0502020204030204" pitchFamily="34" charset="0"/>
-                        <a:cs typeface="Times New Roman" panose="02020603050405020304" pitchFamily="18" charset="0"/>
-                      </a:endParaRPr>
-                    </a:p>
-                  </a:txBody>
-                  <a:tcPr marL="36299" marR="36299" marT="0" marB="0" anchor="ctr"/>
-                </a:tc>
-                <a:tc>
-                  <a:txBody>
-                    <a:bodyPr/>
-                    <a:lstStyle/>
-                    <a:p>
-                      <a:pPr marL="457200" algn="ctr">
-                        <a:lnSpc>
-                          <a:spcPct val="107000"/>
-                        </a:lnSpc>
-                        <a:spcAft>
-                          <a:spcPts val="0"/>
-                        </a:spcAft>
-                      </a:pPr>
-                      <a:r>
-                        <a:rPr lang="es-ES_tradnl" sz="1600" dirty="0">
-                          <a:effectLst/>
-                        </a:rPr>
-                        <a:t>Director de proyecto</a:t>
-                      </a:r>
-                      <a:endParaRPr lang="es-ES" sz="1600" dirty="0">
-                        <a:effectLst/>
-                        <a:latin typeface="Calibri" panose="020F0502020204030204" pitchFamily="34" charset="0"/>
-                        <a:ea typeface="Calibri" panose="020F0502020204030204" pitchFamily="34" charset="0"/>
-                        <a:cs typeface="Times New Roman" panose="02020603050405020304" pitchFamily="18" charset="0"/>
-                      </a:endParaRPr>
-                    </a:p>
-                  </a:txBody>
-                  <a:tcPr marL="36299" marR="36299" marT="0" marB="0" anchor="ctr"/>
-                </a:tc>
-                <a:tc>
-                  <a:txBody>
-                    <a:bodyPr/>
-                    <a:lstStyle/>
-                    <a:p>
-                      <a:pPr marL="457200" algn="ctr">
-                        <a:lnSpc>
-                          <a:spcPct val="107000"/>
-                        </a:lnSpc>
-                        <a:spcAft>
-                          <a:spcPts val="0"/>
-                        </a:spcAft>
-                      </a:pPr>
-                      <a:r>
-                        <a:rPr lang="es-ES_tradnl" sz="1600" dirty="0">
-                          <a:effectLst/>
-                        </a:rPr>
-                        <a:t>Boby.Nicusor@sambasolutions.com</a:t>
-                      </a:r>
-                      <a:endParaRPr lang="es-ES" sz="1600" dirty="0">
-                        <a:effectLst/>
-                        <a:latin typeface="Calibri" panose="020F0502020204030204" pitchFamily="34" charset="0"/>
-                        <a:ea typeface="Calibri" panose="020F0502020204030204" pitchFamily="34" charset="0"/>
-                        <a:cs typeface="Times New Roman" panose="02020603050405020304" pitchFamily="18" charset="0"/>
-                      </a:endParaRPr>
-                    </a:p>
-                  </a:txBody>
-                  <a:tcPr marL="36299" marR="36299" marT="0" marB="0" anchor="ctr"/>
-                </a:tc>
-                <a:extLst>
-                  <a:ext uri="{0D108BD9-81ED-4DB2-BD59-A6C34878D82A}">
-                    <a16:rowId xmlns:a16="http://schemas.microsoft.com/office/drawing/2014/main" val="1892648321"/>
-                  </a:ext>
-                </a:extLst>
-              </a:tr>
-              <a:tr h="1003562">
-                <a:tc>
-                  <a:txBody>
-                    <a:bodyPr/>
-                    <a:lstStyle/>
-                    <a:p>
-                      <a:pPr marL="457200" algn="ctr">
-                        <a:lnSpc>
-                          <a:spcPct val="107000"/>
-                        </a:lnSpc>
-                        <a:spcAft>
-                          <a:spcPts val="0"/>
-                        </a:spcAft>
-                      </a:pPr>
-                      <a:r>
-                        <a:rPr lang="es-ES_tradnl" sz="1600" dirty="0">
-                          <a:effectLst/>
-                        </a:rPr>
-                        <a:t>Benito Ortiz, Mari Cortes</a:t>
-                      </a:r>
-                      <a:endParaRPr lang="es-ES" sz="1600" dirty="0">
-                        <a:effectLst/>
-                        <a:latin typeface="Calibri" panose="020F0502020204030204" pitchFamily="34" charset="0"/>
-                        <a:ea typeface="Calibri" panose="020F0502020204030204" pitchFamily="34" charset="0"/>
-                        <a:cs typeface="Times New Roman" panose="02020603050405020304" pitchFamily="18" charset="0"/>
-                      </a:endParaRPr>
-                    </a:p>
-                  </a:txBody>
-                  <a:tcPr marL="36299" marR="36299" marT="0" marB="0" anchor="ctr"/>
-                </a:tc>
-                <a:tc>
-                  <a:txBody>
-                    <a:bodyPr/>
-                    <a:lstStyle/>
-                    <a:p>
-                      <a:pPr marL="457200" algn="ctr">
-                        <a:lnSpc>
-                          <a:spcPct val="107000"/>
-                        </a:lnSpc>
-                        <a:spcAft>
-                          <a:spcPts val="0"/>
-                        </a:spcAft>
-                      </a:pPr>
-                      <a:r>
-                        <a:rPr lang="es-ES_tradnl" sz="1600" dirty="0">
-                          <a:effectLst/>
-                        </a:rPr>
-                        <a:t>Gestor funcional de </a:t>
-                      </a:r>
-                      <a:r>
-                        <a:rPr lang="es-ES_tradnl" sz="1600" dirty="0" err="1">
-                          <a:effectLst/>
-                        </a:rPr>
-                        <a:t>Márketing</a:t>
-                      </a:r>
-                      <a:r>
-                        <a:rPr lang="es-ES_tradnl" sz="1600" dirty="0">
-                          <a:effectLst/>
-                        </a:rPr>
-                        <a:t> y Ventas</a:t>
-                      </a:r>
-                      <a:endParaRPr lang="es-ES" sz="1600" dirty="0">
-                        <a:effectLst/>
-                        <a:latin typeface="Calibri" panose="020F0502020204030204" pitchFamily="34" charset="0"/>
-                        <a:ea typeface="Calibri" panose="020F0502020204030204" pitchFamily="34" charset="0"/>
-                        <a:cs typeface="Times New Roman" panose="02020603050405020304" pitchFamily="18" charset="0"/>
-                      </a:endParaRPr>
-                    </a:p>
-                  </a:txBody>
-                  <a:tcPr marL="36299" marR="36299" marT="0" marB="0" anchor="ctr"/>
-                </a:tc>
-                <a:tc>
-                  <a:txBody>
-                    <a:bodyPr/>
-                    <a:lstStyle/>
-                    <a:p>
-                      <a:pPr marL="457200" algn="ctr">
-                        <a:lnSpc>
-                          <a:spcPct val="107000"/>
-                        </a:lnSpc>
-                        <a:spcAft>
-                          <a:spcPts val="0"/>
-                        </a:spcAft>
-                      </a:pPr>
-                      <a:r>
-                        <a:rPr lang="es-ES_tradnl" sz="1600" dirty="0">
-                          <a:effectLst/>
-                        </a:rPr>
-                        <a:t>MariC.Benito@sambasolutions.com</a:t>
-                      </a:r>
-                      <a:endParaRPr lang="es-ES" sz="1600" dirty="0">
-                        <a:effectLst/>
-                        <a:latin typeface="Calibri" panose="020F0502020204030204" pitchFamily="34" charset="0"/>
-                        <a:ea typeface="Calibri" panose="020F0502020204030204" pitchFamily="34" charset="0"/>
-                        <a:cs typeface="Times New Roman" panose="02020603050405020304" pitchFamily="18" charset="0"/>
-                      </a:endParaRPr>
-                    </a:p>
-                  </a:txBody>
-                  <a:tcPr marL="36299" marR="36299" marT="0" marB="0" anchor="ctr"/>
-                </a:tc>
-                <a:extLst>
-                  <a:ext uri="{0D108BD9-81ED-4DB2-BD59-A6C34878D82A}">
-                    <a16:rowId xmlns:a16="http://schemas.microsoft.com/office/drawing/2014/main" val="2127157367"/>
-                  </a:ext>
-                </a:extLst>
-              </a:tr>
-              <a:tr h="800767">
-                <a:tc>
-                  <a:txBody>
-                    <a:bodyPr/>
-                    <a:lstStyle/>
-                    <a:p>
-                      <a:pPr marL="457200" algn="ctr">
-                        <a:lnSpc>
-                          <a:spcPct val="107000"/>
-                        </a:lnSpc>
-                        <a:spcAft>
-                          <a:spcPts val="0"/>
-                        </a:spcAft>
-                      </a:pPr>
-                      <a:r>
-                        <a:rPr lang="es-ES_tradnl" sz="1600">
-                          <a:effectLst/>
-                        </a:rPr>
-                        <a:t>Gallego Sánchez, Adrián</a:t>
-                      </a:r>
-                      <a:endParaRPr lang="es-ES" sz="1600">
-                        <a:effectLst/>
-                        <a:latin typeface="Calibri" panose="020F0502020204030204" pitchFamily="34" charset="0"/>
-                        <a:ea typeface="Calibri" panose="020F0502020204030204" pitchFamily="34" charset="0"/>
-                        <a:cs typeface="Times New Roman" panose="02020603050405020304" pitchFamily="18" charset="0"/>
-                      </a:endParaRPr>
-                    </a:p>
-                  </a:txBody>
-                  <a:tcPr marL="36299" marR="36299" marT="0" marB="0" anchor="ctr"/>
-                </a:tc>
-                <a:tc>
-                  <a:txBody>
-                    <a:bodyPr/>
-                    <a:lstStyle/>
-                    <a:p>
-                      <a:pPr marL="457200" algn="ctr">
-                        <a:lnSpc>
-                          <a:spcPct val="107000"/>
-                        </a:lnSpc>
-                        <a:spcAft>
-                          <a:spcPts val="0"/>
-                        </a:spcAft>
-                      </a:pPr>
-                      <a:r>
-                        <a:rPr lang="es-ES_tradnl" sz="1600" dirty="0">
-                          <a:effectLst/>
-                        </a:rPr>
-                        <a:t>Gestor funcional de Control y Calidad</a:t>
-                      </a:r>
-                      <a:endParaRPr lang="es-ES" sz="1600" dirty="0">
-                        <a:effectLst/>
-                        <a:latin typeface="Calibri" panose="020F0502020204030204" pitchFamily="34" charset="0"/>
-                        <a:ea typeface="Calibri" panose="020F0502020204030204" pitchFamily="34" charset="0"/>
-                        <a:cs typeface="Times New Roman" panose="02020603050405020304" pitchFamily="18" charset="0"/>
-                      </a:endParaRPr>
-                    </a:p>
-                  </a:txBody>
-                  <a:tcPr marL="36299" marR="36299" marT="0" marB="0" anchor="ctr"/>
-                </a:tc>
-                <a:tc>
-                  <a:txBody>
-                    <a:bodyPr/>
-                    <a:lstStyle/>
-                    <a:p>
-                      <a:pPr marL="457200" algn="ctr">
-                        <a:lnSpc>
-                          <a:spcPct val="107000"/>
-                        </a:lnSpc>
-                        <a:spcAft>
-                          <a:spcPts val="0"/>
-                        </a:spcAft>
-                      </a:pPr>
-                      <a:r>
-                        <a:rPr lang="es-ES_tradnl" sz="1600" dirty="0">
-                          <a:effectLst/>
-                        </a:rPr>
-                        <a:t>Adrian.Gallego@sambasolutions.com</a:t>
-                      </a:r>
-                      <a:endParaRPr lang="es-ES" sz="1600" dirty="0">
-                        <a:effectLst/>
-                        <a:latin typeface="Calibri" panose="020F0502020204030204" pitchFamily="34" charset="0"/>
-                        <a:ea typeface="Calibri" panose="020F0502020204030204" pitchFamily="34" charset="0"/>
-                        <a:cs typeface="Times New Roman" panose="02020603050405020304" pitchFamily="18" charset="0"/>
-                      </a:endParaRPr>
-                    </a:p>
-                  </a:txBody>
-                  <a:tcPr marL="36299" marR="36299" marT="0" marB="0" anchor="ctr"/>
-                </a:tc>
-                <a:extLst>
-                  <a:ext uri="{0D108BD9-81ED-4DB2-BD59-A6C34878D82A}">
-                    <a16:rowId xmlns:a16="http://schemas.microsoft.com/office/drawing/2014/main" val="3579089368"/>
-                  </a:ext>
-                </a:extLst>
-              </a:tr>
-              <a:tr h="800767">
-                <a:tc>
-                  <a:txBody>
-                    <a:bodyPr/>
-                    <a:lstStyle/>
-                    <a:p>
-                      <a:pPr marL="457200" algn="ctr">
-                        <a:lnSpc>
-                          <a:spcPct val="107000"/>
-                        </a:lnSpc>
-                        <a:spcAft>
-                          <a:spcPts val="0"/>
-                        </a:spcAft>
-                      </a:pPr>
-                      <a:r>
-                        <a:rPr lang="es-ES_tradnl" sz="1600">
-                          <a:effectLst/>
-                        </a:rPr>
-                        <a:t>Lluva Plaza, Sergio</a:t>
-                      </a:r>
-                      <a:endParaRPr lang="es-ES" sz="1600">
-                        <a:effectLst/>
-                        <a:latin typeface="Calibri" panose="020F0502020204030204" pitchFamily="34" charset="0"/>
-                        <a:ea typeface="Calibri" panose="020F0502020204030204" pitchFamily="34" charset="0"/>
-                        <a:cs typeface="Times New Roman" panose="02020603050405020304" pitchFamily="18" charset="0"/>
-                      </a:endParaRPr>
-                    </a:p>
-                  </a:txBody>
-                  <a:tcPr marL="36299" marR="36299" marT="0" marB="0" anchor="ctr"/>
-                </a:tc>
-                <a:tc>
-                  <a:txBody>
-                    <a:bodyPr/>
-                    <a:lstStyle/>
-                    <a:p>
-                      <a:pPr marL="457200" algn="ctr">
-                        <a:lnSpc>
-                          <a:spcPct val="107000"/>
-                        </a:lnSpc>
-                        <a:spcAft>
-                          <a:spcPts val="0"/>
-                        </a:spcAft>
-                      </a:pPr>
-                      <a:r>
-                        <a:rPr lang="es-ES_tradnl" sz="1600" dirty="0">
-                          <a:effectLst/>
-                        </a:rPr>
-                        <a:t>Gestor funcional de Recursos Humanos</a:t>
-                      </a:r>
-                      <a:endParaRPr lang="es-ES" sz="1600" dirty="0">
-                        <a:effectLst/>
-                        <a:latin typeface="Calibri" panose="020F0502020204030204" pitchFamily="34" charset="0"/>
-                        <a:ea typeface="Calibri" panose="020F0502020204030204" pitchFamily="34" charset="0"/>
-                        <a:cs typeface="Times New Roman" panose="02020603050405020304" pitchFamily="18" charset="0"/>
-                      </a:endParaRPr>
-                    </a:p>
-                  </a:txBody>
-                  <a:tcPr marL="36299" marR="36299" marT="0" marB="0" anchor="ctr"/>
-                </a:tc>
-                <a:tc>
-                  <a:txBody>
-                    <a:bodyPr/>
-                    <a:lstStyle/>
-                    <a:p>
-                      <a:pPr marL="457200" algn="ctr">
-                        <a:lnSpc>
-                          <a:spcPct val="107000"/>
-                        </a:lnSpc>
-                        <a:spcAft>
-                          <a:spcPts val="0"/>
-                        </a:spcAft>
-                      </a:pPr>
-                      <a:r>
-                        <a:rPr lang="es-ES_tradnl" sz="1600" dirty="0">
-                          <a:effectLst/>
-                        </a:rPr>
-                        <a:t>Sergio.Lluva@sambasolutions.com</a:t>
-                      </a:r>
-                      <a:endParaRPr lang="es-ES" sz="1600" dirty="0">
-                        <a:effectLst/>
-                        <a:latin typeface="Calibri" panose="020F0502020204030204" pitchFamily="34" charset="0"/>
-                        <a:ea typeface="Calibri" panose="020F0502020204030204" pitchFamily="34" charset="0"/>
-                        <a:cs typeface="Times New Roman" panose="02020603050405020304" pitchFamily="18" charset="0"/>
-                      </a:endParaRPr>
-                    </a:p>
-                  </a:txBody>
-                  <a:tcPr marL="36299" marR="36299" marT="0" marB="0" anchor="ctr"/>
-                </a:tc>
-                <a:extLst>
-                  <a:ext uri="{0D108BD9-81ED-4DB2-BD59-A6C34878D82A}">
-                    <a16:rowId xmlns:a16="http://schemas.microsoft.com/office/drawing/2014/main" val="1579538947"/>
-                  </a:ext>
-                </a:extLst>
-              </a:tr>
-              <a:tr h="800767">
-                <a:tc>
-                  <a:txBody>
-                    <a:bodyPr/>
-                    <a:lstStyle/>
-                    <a:p>
-                      <a:pPr marL="457200" algn="ctr">
-                        <a:lnSpc>
-                          <a:spcPct val="107000"/>
-                        </a:lnSpc>
-                        <a:spcAft>
-                          <a:spcPts val="0"/>
-                        </a:spcAft>
-                      </a:pPr>
-                      <a:r>
-                        <a:rPr lang="es-ES_tradnl" sz="1600">
-                          <a:effectLst/>
-                        </a:rPr>
-                        <a:t>Paniagua Tineo, Alejandro</a:t>
-                      </a:r>
-                      <a:endParaRPr lang="es-ES" sz="1600">
-                        <a:effectLst/>
-                        <a:latin typeface="Calibri" panose="020F0502020204030204" pitchFamily="34" charset="0"/>
-                        <a:ea typeface="Calibri" panose="020F0502020204030204" pitchFamily="34" charset="0"/>
-                        <a:cs typeface="Times New Roman" panose="02020603050405020304" pitchFamily="18" charset="0"/>
-                      </a:endParaRPr>
-                    </a:p>
-                  </a:txBody>
-                  <a:tcPr marL="36299" marR="36299" marT="0" marB="0" anchor="ctr"/>
-                </a:tc>
-                <a:tc>
-                  <a:txBody>
-                    <a:bodyPr/>
-                    <a:lstStyle/>
-                    <a:p>
-                      <a:pPr marL="457200" algn="ctr">
-                        <a:lnSpc>
-                          <a:spcPct val="107000"/>
-                        </a:lnSpc>
-                        <a:spcAft>
-                          <a:spcPts val="0"/>
-                        </a:spcAft>
-                      </a:pPr>
-                      <a:r>
-                        <a:rPr lang="es-ES_tradnl" sz="1600">
-                          <a:effectLst/>
-                        </a:rPr>
-                        <a:t>Gestor funcional de Finanzas</a:t>
-                      </a:r>
-                      <a:endParaRPr lang="es-ES" sz="1600">
-                        <a:effectLst/>
-                        <a:latin typeface="Calibri" panose="020F0502020204030204" pitchFamily="34" charset="0"/>
-                        <a:ea typeface="Calibri" panose="020F0502020204030204" pitchFamily="34" charset="0"/>
-                        <a:cs typeface="Times New Roman" panose="02020603050405020304" pitchFamily="18" charset="0"/>
-                      </a:endParaRPr>
-                    </a:p>
-                  </a:txBody>
-                  <a:tcPr marL="36299" marR="36299" marT="0" marB="0" anchor="ctr"/>
-                </a:tc>
-                <a:tc>
-                  <a:txBody>
-                    <a:bodyPr/>
-                    <a:lstStyle/>
-                    <a:p>
-                      <a:pPr marL="457200" algn="ctr">
-                        <a:lnSpc>
-                          <a:spcPct val="107000"/>
-                        </a:lnSpc>
-                        <a:spcAft>
-                          <a:spcPts val="0"/>
-                        </a:spcAft>
-                      </a:pPr>
-                      <a:r>
-                        <a:rPr lang="es-ES_tradnl" sz="1500" dirty="0">
-                          <a:effectLst/>
-                        </a:rPr>
-                        <a:t>Alejandro.Paniagua@sambasolutions.com</a:t>
-                      </a:r>
-                      <a:endParaRPr lang="es-ES" sz="1500" dirty="0">
-                        <a:effectLst/>
-                        <a:latin typeface="Calibri" panose="020F0502020204030204" pitchFamily="34" charset="0"/>
-                        <a:ea typeface="Calibri" panose="020F0502020204030204" pitchFamily="34" charset="0"/>
-                        <a:cs typeface="Times New Roman" panose="02020603050405020304" pitchFamily="18" charset="0"/>
-                      </a:endParaRPr>
-                    </a:p>
-                  </a:txBody>
-                  <a:tcPr marL="36299" marR="36299" marT="0" marB="0" anchor="ctr"/>
-                </a:tc>
-                <a:extLst>
-                  <a:ext uri="{0D108BD9-81ED-4DB2-BD59-A6C34878D82A}">
-                    <a16:rowId xmlns:a16="http://schemas.microsoft.com/office/drawing/2014/main" val="632391593"/>
-                  </a:ext>
-                </a:extLst>
-              </a:tr>
-            </a:tbl>
-          </a:graphicData>
-        </a:graphic>
-      </p:graphicFrame>
-    </p:spTree>
-    <p:extLst>
-      <p:ext uri="{BB962C8B-B14F-4D97-AF65-F5344CB8AC3E}">
-        <p14:creationId xmlns:p14="http://schemas.microsoft.com/office/powerpoint/2010/main" val="270513373"/>
-      </p:ext>
-    </p:extLst>
-  </p:cSld>
-  <p:clrMapOvr>
-    <a:masterClrMapping/>
-  </p:clrMapOvr>
-</p:sld>
-</file>
-
-<file path=ppt/slides/slide13.xml><?xml version="1.0" encoding="utf-8"?>
-<p:sld xmlns:a="http://schemas.openxmlformats.org/drawingml/2006/main" xmlns:r="http://schemas.openxmlformats.org/officeDocument/2006/relationships" xmlns:p="http://schemas.openxmlformats.org/presentationml/2006/main">
-  <p:cSld>
-    <p:spTree>
-      <p:nvGrpSpPr>
-        <p:cNvPr id="1" name=""/>
-        <p:cNvGrpSpPr/>
-        <p:nvPr/>
-      </p:nvGrpSpPr>
-      <p:grpSpPr>
-        <a:xfrm>
-          <a:off x="0" y="0"/>
-          <a:ext cx="0" cy="0"/>
-          <a:chOff x="0" y="0"/>
-          <a:chExt cx="0" cy="0"/>
-        </a:xfrm>
-      </p:grpSpPr>
-      <p:sp>
-        <p:nvSpPr>
-          <p:cNvPr id="2" name="Título 1">
-            <a:extLst>
-              <a:ext uri="{FF2B5EF4-FFF2-40B4-BE49-F238E27FC236}">
-                <a16:creationId xmlns:a16="http://schemas.microsoft.com/office/drawing/2014/main" id="{6A4647F8-360F-2143-89F0-F00E40E0B51F}"/>
-              </a:ext>
-            </a:extLst>
-          </p:cNvPr>
-          <p:cNvSpPr>
-            <a:spLocks noGrp="1"/>
-          </p:cNvSpPr>
-          <p:nvPr>
-            <p:ph type="title"/>
-          </p:nvPr>
-        </p:nvSpPr>
-        <p:spPr>
-          <a:xfrm>
-            <a:off x="3053413" y="374594"/>
-            <a:ext cx="8610600" cy="1293028"/>
-          </a:xfrm>
-        </p:spPr>
-        <p:txBody>
-          <a:bodyPr/>
-          <a:lstStyle/>
-          <a:p>
-            <a:r>
-              <a:rPr lang="es-ES" dirty="0"/>
-              <a:t>RECURSOS HUMANOS</a:t>
-            </a:r>
-          </a:p>
-        </p:txBody>
-      </p:sp>
-      <p:sp>
-        <p:nvSpPr>
-          <p:cNvPr id="3" name="Marcador de número de diapositiva 2">
-            <a:extLst>
-              <a:ext uri="{FF2B5EF4-FFF2-40B4-BE49-F238E27FC236}">
-                <a16:creationId xmlns:a16="http://schemas.microsoft.com/office/drawing/2014/main" id="{6C452FBA-1AA2-A94C-B664-CE1D9010AEAA}"/>
-              </a:ext>
-            </a:extLst>
-          </p:cNvPr>
-          <p:cNvSpPr>
-            <a:spLocks noGrp="1"/>
-          </p:cNvSpPr>
-          <p:nvPr>
-            <p:ph type="sldNum" sz="quarter" idx="12"/>
-          </p:nvPr>
-        </p:nvSpPr>
-        <p:spPr/>
-        <p:txBody>
-          <a:bodyPr/>
-          <a:lstStyle/>
-          <a:p>
-            <a:fld id="{D6010774-2920-F049-BD0B-9A28F2A984C5}" type="slidenum">
-              <a:rPr lang="es-ES" smtClean="0"/>
-              <a:t>13</a:t>
+              <a:t>10</a:t>
             </a:fld>
             <a:endParaRPr lang="es-ES" dirty="0"/>
           </a:p>
@@ -38958,7 +36632,7 @@
 </p:sld>
 </file>
 
-<file path=ppt/slides/slide14.xml><?xml version="1.0" encoding="utf-8"?>
+<file path=ppt/slides/slide11.xml><?xml version="1.0" encoding="utf-8"?>
 <p:sld xmlns:a="http://schemas.openxmlformats.org/drawingml/2006/main" xmlns:r="http://schemas.openxmlformats.org/officeDocument/2006/relationships" xmlns:p="http://schemas.openxmlformats.org/presentationml/2006/main">
   <p:cSld>
     <p:spTree>
@@ -39031,7 +36705,7 @@
           <a:p>
             <a:fld id="{D6010774-2920-F049-BD0B-9A28F2A984C5}" type="slidenum">
               <a:rPr lang="es-ES" smtClean="0"/>
-              <a:t>14</a:t>
+              <a:t>11</a:t>
             </a:fld>
             <a:endParaRPr lang="es-ES" dirty="0"/>
           </a:p>
@@ -39230,7 +36904,7 @@
 </p:sld>
 </file>
 
-<file path=ppt/slides/slide15.xml><?xml version="1.0" encoding="utf-8"?>
+<file path=ppt/slides/slide12.xml><?xml version="1.0" encoding="utf-8"?>
 <p:sld xmlns:a="http://schemas.openxmlformats.org/drawingml/2006/main" xmlns:r="http://schemas.openxmlformats.org/officeDocument/2006/relationships" xmlns:p="http://schemas.openxmlformats.org/presentationml/2006/main">
   <p:cSld>
     <p:spTree>
@@ -39303,7 +36977,7 @@
           <a:p>
             <a:fld id="{D6010774-2920-F049-BD0B-9A28F2A984C5}" type="slidenum">
               <a:rPr lang="es-ES" smtClean="0"/>
-              <a:t>15</a:t>
+              <a:t>12</a:t>
             </a:fld>
             <a:endParaRPr lang="es-ES" dirty="0"/>
           </a:p>
@@ -39354,7 +37028,7 @@
         <p:spPr>
           <a:xfrm>
             <a:off x="914400" y="2030288"/>
-            <a:ext cx="10591800" cy="2185214"/>
+            <a:ext cx="10591800" cy="3416320"/>
           </a:xfrm>
           <a:prstGeom prst="rect">
             <a:avLst/>
@@ -39415,6 +37089,45 @@
               <a:rPr lang="es-ES" sz="2000" dirty="0"/>
               <a:t>Entregables</a:t>
             </a:r>
+          </a:p>
+          <a:p>
+            <a:pPr marL="742950" lvl="1" indent="-285750">
+              <a:buFont typeface="Arial" panose="020B0604020202020204" pitchFamily="34" charset="0"/>
+              <a:buChar char="•"/>
+            </a:pPr>
+            <a:r>
+              <a:rPr lang="es-ES" sz="2000" dirty="0"/>
+              <a:t>Manuales de usuario</a:t>
+            </a:r>
+          </a:p>
+          <a:p>
+            <a:pPr marL="742950" lvl="1" indent="-285750">
+              <a:buFont typeface="Arial" panose="020B0604020202020204" pitchFamily="34" charset="0"/>
+              <a:buChar char="•"/>
+            </a:pPr>
+            <a:r>
+              <a:rPr lang="es-ES" sz="2000" dirty="0"/>
+              <a:t>Dispositivos </a:t>
+            </a:r>
+            <a:r>
+              <a:rPr lang="es-ES" sz="2000" dirty="0" err="1"/>
+              <a:t>MeCuida</a:t>
+            </a:r>
+            <a:endParaRPr lang="es-ES" sz="2000" dirty="0"/>
+          </a:p>
+          <a:p>
+            <a:pPr marL="742950" lvl="1" indent="-285750">
+              <a:buFont typeface="Arial" panose="020B0604020202020204" pitchFamily="34" charset="0"/>
+              <a:buChar char="•"/>
+            </a:pPr>
+            <a:endParaRPr lang="es-ES" sz="2000" dirty="0"/>
+          </a:p>
+          <a:p>
+            <a:pPr marL="742950" lvl="1" indent="-285750">
+              <a:buFont typeface="Arial" panose="020B0604020202020204" pitchFamily="34" charset="0"/>
+              <a:buChar char="•"/>
+            </a:pPr>
+            <a:endParaRPr lang="es-ES" sz="2000" dirty="0"/>
           </a:p>
           <a:p>
             <a:pPr marL="285750" indent="-285750">
@@ -39492,7 +37205,7 @@
 </p:sld>
 </file>
 
-<file path=ppt/slides/slide16.xml><?xml version="1.0" encoding="utf-8"?>
+<file path=ppt/slides/slide13.xml><?xml version="1.0" encoding="utf-8"?>
 <p:sld xmlns:a="http://schemas.openxmlformats.org/drawingml/2006/main" xmlns:r="http://schemas.openxmlformats.org/officeDocument/2006/relationships" xmlns:p="http://schemas.openxmlformats.org/presentationml/2006/main">
   <p:cSld>
     <p:spTree>
@@ -39601,7 +37314,7 @@
           <a:p>
             <a:fld id="{D6010774-2920-F049-BD0B-9A28F2A984C5}" type="slidenum">
               <a:rPr lang="es-ES" smtClean="0"/>
-              <a:t>16</a:t>
+              <a:t>13</a:t>
             </a:fld>
             <a:endParaRPr lang="es-ES" dirty="0"/>
           </a:p>
@@ -39990,7 +37703,7 @@
 </p:sld>
 </file>
 
-<file path=ppt/slides/slide17.xml><?xml version="1.0" encoding="utf-8"?>
+<file path=ppt/slides/slide14.xml><?xml version="1.0" encoding="utf-8"?>
 <p:sld xmlns:a="http://schemas.openxmlformats.org/drawingml/2006/main" xmlns:r="http://schemas.openxmlformats.org/officeDocument/2006/relationships" xmlns:p="http://schemas.openxmlformats.org/presentationml/2006/main">
   <p:cSld>
     <p:spTree>
@@ -40093,7 +37806,7 @@
           <a:p>
             <a:fld id="{D6010774-2920-F049-BD0B-9A28F2A984C5}" type="slidenum">
               <a:rPr lang="es-ES" smtClean="0"/>
-              <a:t>17</a:t>
+              <a:t>14</a:t>
             </a:fld>
             <a:endParaRPr lang="es-ES" dirty="0"/>
           </a:p>
@@ -40341,7 +38054,7 @@
 </p:sld>
 </file>
 
-<file path=ppt/slides/slide18.xml><?xml version="1.0" encoding="utf-8"?>
+<file path=ppt/slides/slide15.xml><?xml version="1.0" encoding="utf-8"?>
 <p:sld xmlns:a="http://schemas.openxmlformats.org/drawingml/2006/main" xmlns:r="http://schemas.openxmlformats.org/officeDocument/2006/relationships" xmlns:p="http://schemas.openxmlformats.org/presentationml/2006/main">
   <p:cSld>
     <p:spTree>
@@ -40479,7 +38192,7 @@
           <a:p>
             <a:fld id="{D6010774-2920-F049-BD0B-9A28F2A984C5}" type="slidenum">
               <a:rPr lang="es-ES" smtClean="0"/>
-              <a:t>18</a:t>
+              <a:t>15</a:t>
             </a:fld>
             <a:endParaRPr lang="es-ES" dirty="0"/>
           </a:p>
@@ -40526,7 +38239,7 @@
 </p:sld>
 </file>
 
-<file path=ppt/slides/slide19.xml><?xml version="1.0" encoding="utf-8"?>
+<file path=ppt/slides/slide16.xml><?xml version="1.0" encoding="utf-8"?>
 <p:sld xmlns:a="http://schemas.openxmlformats.org/drawingml/2006/main" xmlns:r="http://schemas.openxmlformats.org/officeDocument/2006/relationships" xmlns:p="http://schemas.openxmlformats.org/presentationml/2006/main">
   <p:cSld>
     <p:spTree>
@@ -40664,7 +38377,7 @@
           <a:p>
             <a:fld id="{D6010774-2920-F049-BD0B-9A28F2A984C5}" type="slidenum">
               <a:rPr lang="es-ES" smtClean="0"/>
-              <a:t>19</a:t>
+              <a:t>16</a:t>
             </a:fld>
             <a:endParaRPr lang="es-ES" dirty="0"/>
           </a:p>
@@ -40702,6 +38415,561 @@
     <p:extLst>
       <p:ext uri="{BB962C8B-B14F-4D97-AF65-F5344CB8AC3E}">
         <p14:creationId xmlns:p14="http://schemas.microsoft.com/office/powerpoint/2010/main" val="3195690226"/>
+      </p:ext>
+    </p:extLst>
+  </p:cSld>
+  <p:clrMapOvr>
+    <a:masterClrMapping/>
+  </p:clrMapOvr>
+</p:sld>
+</file>
+
+<file path=ppt/slides/slide17.xml><?xml version="1.0" encoding="utf-8"?>
+<p:sld xmlns:a="http://schemas.openxmlformats.org/drawingml/2006/main" xmlns:r="http://schemas.openxmlformats.org/officeDocument/2006/relationships" xmlns:p="http://schemas.openxmlformats.org/presentationml/2006/main">
+  <p:cSld>
+    <p:spTree>
+      <p:nvGrpSpPr>
+        <p:cNvPr id="1" name=""/>
+        <p:cNvGrpSpPr/>
+        <p:nvPr/>
+      </p:nvGrpSpPr>
+      <p:grpSpPr>
+        <a:xfrm>
+          <a:off x="0" y="0"/>
+          <a:ext cx="0" cy="0"/>
+          <a:chOff x="0" y="0"/>
+          <a:chExt cx="0" cy="0"/>
+        </a:xfrm>
+      </p:grpSpPr>
+      <p:pic>
+        <p:nvPicPr>
+          <p:cNvPr id="5" name="Imagen 4">
+            <a:extLst>
+              <a:ext uri="{FF2B5EF4-FFF2-40B4-BE49-F238E27FC236}">
+                <a16:creationId xmlns:a16="http://schemas.microsoft.com/office/drawing/2014/main" id="{9B58E3A9-9CF7-2B43-BD67-E92B3F5FEFF0}"/>
+              </a:ext>
+            </a:extLst>
+          </p:cNvPr>
+          <p:cNvPicPr>
+            <a:picLocks noChangeAspect="1"/>
+          </p:cNvPicPr>
+          <p:nvPr/>
+        </p:nvPicPr>
+        <p:blipFill>
+          <a:blip r:embed="rId2"/>
+          <a:stretch>
+            <a:fillRect/>
+          </a:stretch>
+        </p:blipFill>
+        <p:spPr>
+          <a:xfrm>
+            <a:off x="9251028" y="209847"/>
+            <a:ext cx="2502561" cy="1072555"/>
+          </a:xfrm>
+          <a:prstGeom prst="rect">
+            <a:avLst/>
+          </a:prstGeom>
+        </p:spPr>
+      </p:pic>
+      <p:sp>
+        <p:nvSpPr>
+          <p:cNvPr id="2" name="Título 1">
+            <a:extLst>
+              <a:ext uri="{FF2B5EF4-FFF2-40B4-BE49-F238E27FC236}">
+                <a16:creationId xmlns:a16="http://schemas.microsoft.com/office/drawing/2014/main" id="{6A4647F8-360F-2143-89F0-F00E40E0B51F}"/>
+              </a:ext>
+            </a:extLst>
+          </p:cNvPr>
+          <p:cNvSpPr>
+            <a:spLocks noGrp="1"/>
+          </p:cNvSpPr>
+          <p:nvPr>
+            <p:ph type="title"/>
+          </p:nvPr>
+        </p:nvSpPr>
+        <p:spPr>
+          <a:xfrm>
+            <a:off x="685800" y="502081"/>
+            <a:ext cx="10820400" cy="874852"/>
+          </a:xfrm>
+        </p:spPr>
+        <p:txBody>
+          <a:bodyPr/>
+          <a:lstStyle/>
+          <a:p>
+            <a:r>
+              <a:rPr lang="es-ES" dirty="0"/>
+              <a:t>DESARROLLO DEL CRONOGRAMA</a:t>
+            </a:r>
+          </a:p>
+        </p:txBody>
+      </p:sp>
+      <p:sp>
+        <p:nvSpPr>
+          <p:cNvPr id="6" name="Text Placeholder 5">
+            <a:extLst>
+              <a:ext uri="{FF2B5EF4-FFF2-40B4-BE49-F238E27FC236}">
+                <a16:creationId xmlns:a16="http://schemas.microsoft.com/office/drawing/2014/main" id="{9E407A61-C1CA-40AD-8E5D-DE1E6B39FE76}"/>
+              </a:ext>
+            </a:extLst>
+          </p:cNvPr>
+          <p:cNvSpPr>
+            <a:spLocks noGrp="1"/>
+          </p:cNvSpPr>
+          <p:nvPr>
+            <p:ph type="body" sz="half" idx="2"/>
+          </p:nvPr>
+        </p:nvSpPr>
+        <p:spPr>
+          <a:xfrm>
+            <a:off x="685800" y="1453555"/>
+            <a:ext cx="10130516" cy="999067"/>
+          </a:xfrm>
+        </p:spPr>
+        <p:txBody>
+          <a:bodyPr>
+            <a:normAutofit/>
+          </a:bodyPr>
+          <a:lstStyle/>
+          <a:p>
+            <a:r>
+              <a:rPr lang="es-ES" sz="2400" dirty="0"/>
+              <a:t>Análisis</a:t>
+            </a:r>
+          </a:p>
+        </p:txBody>
+      </p:sp>
+      <p:sp>
+        <p:nvSpPr>
+          <p:cNvPr id="3" name="Marcador de número de diapositiva 2">
+            <a:extLst>
+              <a:ext uri="{FF2B5EF4-FFF2-40B4-BE49-F238E27FC236}">
+                <a16:creationId xmlns:a16="http://schemas.microsoft.com/office/drawing/2014/main" id="{6C452FBA-1AA2-A94C-B664-CE1D9010AEAA}"/>
+              </a:ext>
+            </a:extLst>
+          </p:cNvPr>
+          <p:cNvSpPr>
+            <a:spLocks noGrp="1"/>
+          </p:cNvSpPr>
+          <p:nvPr>
+            <p:ph type="sldNum" sz="quarter" idx="12"/>
+          </p:nvPr>
+        </p:nvSpPr>
+        <p:spPr/>
+        <p:txBody>
+          <a:bodyPr/>
+          <a:lstStyle/>
+          <a:p>
+            <a:fld id="{D6010774-2920-F049-BD0B-9A28F2A984C5}" type="slidenum">
+              <a:rPr lang="es-ES" smtClean="0"/>
+              <a:t>17</a:t>
+            </a:fld>
+            <a:endParaRPr lang="es-ES" dirty="0"/>
+          </a:p>
+        </p:txBody>
+      </p:sp>
+      <p:pic>
+        <p:nvPicPr>
+          <p:cNvPr id="8" name="Imagen 3">
+            <a:extLst>
+              <a:ext uri="{FF2B5EF4-FFF2-40B4-BE49-F238E27FC236}">
+                <a16:creationId xmlns:a16="http://schemas.microsoft.com/office/drawing/2014/main" id="{6BD0C645-D8F9-40FB-9569-DAADF2D559C9}"/>
+              </a:ext>
+            </a:extLst>
+          </p:cNvPr>
+          <p:cNvPicPr/>
+          <p:nvPr/>
+        </p:nvPicPr>
+        <p:blipFill>
+          <a:blip r:embed="rId3"/>
+          <a:stretch>
+            <a:fillRect/>
+          </a:stretch>
+        </p:blipFill>
+        <p:spPr>
+          <a:xfrm>
+            <a:off x="2030642" y="1376933"/>
+            <a:ext cx="7927549" cy="3808842"/>
+          </a:xfrm>
+          <a:prstGeom prst="rect">
+            <a:avLst/>
+          </a:prstGeom>
+        </p:spPr>
+      </p:pic>
+    </p:spTree>
+    <p:extLst>
+      <p:ext uri="{BB962C8B-B14F-4D97-AF65-F5344CB8AC3E}">
+        <p14:creationId xmlns:p14="http://schemas.microsoft.com/office/powerpoint/2010/main" val="3394028771"/>
+      </p:ext>
+    </p:extLst>
+  </p:cSld>
+  <p:clrMapOvr>
+    <a:masterClrMapping/>
+  </p:clrMapOvr>
+</p:sld>
+</file>
+
+<file path=ppt/slides/slide18.xml><?xml version="1.0" encoding="utf-8"?>
+<p:sld xmlns:a="http://schemas.openxmlformats.org/drawingml/2006/main" xmlns:r="http://schemas.openxmlformats.org/officeDocument/2006/relationships" xmlns:p="http://schemas.openxmlformats.org/presentationml/2006/main">
+  <p:cSld>
+    <p:spTree>
+      <p:nvGrpSpPr>
+        <p:cNvPr id="1" name=""/>
+        <p:cNvGrpSpPr/>
+        <p:nvPr/>
+      </p:nvGrpSpPr>
+      <p:grpSpPr>
+        <a:xfrm>
+          <a:off x="0" y="0"/>
+          <a:ext cx="0" cy="0"/>
+          <a:chOff x="0" y="0"/>
+          <a:chExt cx="0" cy="0"/>
+        </a:xfrm>
+      </p:grpSpPr>
+      <p:pic>
+        <p:nvPicPr>
+          <p:cNvPr id="5" name="Imagen 4">
+            <a:extLst>
+              <a:ext uri="{FF2B5EF4-FFF2-40B4-BE49-F238E27FC236}">
+                <a16:creationId xmlns:a16="http://schemas.microsoft.com/office/drawing/2014/main" id="{9B58E3A9-9CF7-2B43-BD67-E92B3F5FEFF0}"/>
+              </a:ext>
+            </a:extLst>
+          </p:cNvPr>
+          <p:cNvPicPr>
+            <a:picLocks noChangeAspect="1"/>
+          </p:cNvPicPr>
+          <p:nvPr/>
+        </p:nvPicPr>
+        <p:blipFill>
+          <a:blip r:embed="rId2"/>
+          <a:stretch>
+            <a:fillRect/>
+          </a:stretch>
+        </p:blipFill>
+        <p:spPr>
+          <a:xfrm>
+            <a:off x="9251028" y="209847"/>
+            <a:ext cx="2502561" cy="1072555"/>
+          </a:xfrm>
+          <a:prstGeom prst="rect">
+            <a:avLst/>
+          </a:prstGeom>
+        </p:spPr>
+      </p:pic>
+      <p:sp>
+        <p:nvSpPr>
+          <p:cNvPr id="2" name="Título 1">
+            <a:extLst>
+              <a:ext uri="{FF2B5EF4-FFF2-40B4-BE49-F238E27FC236}">
+                <a16:creationId xmlns:a16="http://schemas.microsoft.com/office/drawing/2014/main" id="{6A4647F8-360F-2143-89F0-F00E40E0B51F}"/>
+              </a:ext>
+            </a:extLst>
+          </p:cNvPr>
+          <p:cNvSpPr>
+            <a:spLocks noGrp="1"/>
+          </p:cNvSpPr>
+          <p:nvPr>
+            <p:ph type="title"/>
+          </p:nvPr>
+        </p:nvSpPr>
+        <p:spPr>
+          <a:xfrm>
+            <a:off x="685800" y="502081"/>
+            <a:ext cx="10820400" cy="874852"/>
+          </a:xfrm>
+        </p:spPr>
+        <p:txBody>
+          <a:bodyPr/>
+          <a:lstStyle/>
+          <a:p>
+            <a:r>
+              <a:rPr lang="es-ES" dirty="0"/>
+              <a:t>DESARROLLO DEL CRONOGRAMA</a:t>
+            </a:r>
+          </a:p>
+        </p:txBody>
+      </p:sp>
+      <p:sp>
+        <p:nvSpPr>
+          <p:cNvPr id="6" name="Text Placeholder 5">
+            <a:extLst>
+              <a:ext uri="{FF2B5EF4-FFF2-40B4-BE49-F238E27FC236}">
+                <a16:creationId xmlns:a16="http://schemas.microsoft.com/office/drawing/2014/main" id="{9E407A61-C1CA-40AD-8E5D-DE1E6B39FE76}"/>
+              </a:ext>
+            </a:extLst>
+          </p:cNvPr>
+          <p:cNvSpPr>
+            <a:spLocks noGrp="1"/>
+          </p:cNvSpPr>
+          <p:nvPr>
+            <p:ph type="body" sz="half" idx="2"/>
+          </p:nvPr>
+        </p:nvSpPr>
+        <p:spPr>
+          <a:xfrm>
+            <a:off x="438411" y="1282402"/>
+            <a:ext cx="10130516" cy="659240"/>
+          </a:xfrm>
+        </p:spPr>
+        <p:txBody>
+          <a:bodyPr>
+            <a:normAutofit/>
+          </a:bodyPr>
+          <a:lstStyle/>
+          <a:p>
+            <a:r>
+              <a:rPr lang="es-ES" sz="2400" dirty="0"/>
+              <a:t>Planificación</a:t>
+            </a:r>
+          </a:p>
+        </p:txBody>
+      </p:sp>
+      <p:sp>
+        <p:nvSpPr>
+          <p:cNvPr id="3" name="Marcador de número de diapositiva 2">
+            <a:extLst>
+              <a:ext uri="{FF2B5EF4-FFF2-40B4-BE49-F238E27FC236}">
+                <a16:creationId xmlns:a16="http://schemas.microsoft.com/office/drawing/2014/main" id="{6C452FBA-1AA2-A94C-B664-CE1D9010AEAA}"/>
+              </a:ext>
+            </a:extLst>
+          </p:cNvPr>
+          <p:cNvSpPr>
+            <a:spLocks noGrp="1"/>
+          </p:cNvSpPr>
+          <p:nvPr>
+            <p:ph type="sldNum" sz="quarter" idx="12"/>
+          </p:nvPr>
+        </p:nvSpPr>
+        <p:spPr/>
+        <p:txBody>
+          <a:bodyPr/>
+          <a:lstStyle/>
+          <a:p>
+            <a:fld id="{D6010774-2920-F049-BD0B-9A28F2A984C5}" type="slidenum">
+              <a:rPr lang="es-ES" smtClean="0"/>
+              <a:t>18</a:t>
+            </a:fld>
+            <a:endParaRPr lang="es-ES" dirty="0"/>
+          </a:p>
+        </p:txBody>
+      </p:sp>
+      <p:pic>
+        <p:nvPicPr>
+          <p:cNvPr id="7" name="Imagen 4">
+            <a:extLst>
+              <a:ext uri="{FF2B5EF4-FFF2-40B4-BE49-F238E27FC236}">
+                <a16:creationId xmlns:a16="http://schemas.microsoft.com/office/drawing/2014/main" id="{931722F4-E18F-4509-ADB6-2A60F0170776}"/>
+              </a:ext>
+            </a:extLst>
+          </p:cNvPr>
+          <p:cNvPicPr/>
+          <p:nvPr/>
+        </p:nvPicPr>
+        <p:blipFill>
+          <a:blip r:embed="rId3"/>
+          <a:stretch>
+            <a:fillRect/>
+          </a:stretch>
+        </p:blipFill>
+        <p:spPr>
+          <a:xfrm>
+            <a:off x="2510947" y="1282401"/>
+            <a:ext cx="9118947" cy="4705040"/>
+          </a:xfrm>
+          <a:prstGeom prst="rect">
+            <a:avLst/>
+          </a:prstGeom>
+        </p:spPr>
+      </p:pic>
+    </p:spTree>
+    <p:extLst>
+      <p:ext uri="{BB962C8B-B14F-4D97-AF65-F5344CB8AC3E}">
+        <p14:creationId xmlns:p14="http://schemas.microsoft.com/office/powerpoint/2010/main" val="2523905126"/>
+      </p:ext>
+    </p:extLst>
+  </p:cSld>
+  <p:clrMapOvr>
+    <a:masterClrMapping/>
+  </p:clrMapOvr>
+</p:sld>
+</file>
+
+<file path=ppt/slides/slide19.xml><?xml version="1.0" encoding="utf-8"?>
+<p:sld xmlns:a="http://schemas.openxmlformats.org/drawingml/2006/main" xmlns:r="http://schemas.openxmlformats.org/officeDocument/2006/relationships" xmlns:p="http://schemas.openxmlformats.org/presentationml/2006/main">
+  <p:cSld>
+    <p:spTree>
+      <p:nvGrpSpPr>
+        <p:cNvPr id="1" name=""/>
+        <p:cNvGrpSpPr/>
+        <p:nvPr/>
+      </p:nvGrpSpPr>
+      <p:grpSpPr>
+        <a:xfrm>
+          <a:off x="0" y="0"/>
+          <a:ext cx="0" cy="0"/>
+          <a:chOff x="0" y="0"/>
+          <a:chExt cx="0" cy="0"/>
+        </a:xfrm>
+      </p:grpSpPr>
+      <p:pic>
+        <p:nvPicPr>
+          <p:cNvPr id="5" name="Imagen 4">
+            <a:extLst>
+              <a:ext uri="{FF2B5EF4-FFF2-40B4-BE49-F238E27FC236}">
+                <a16:creationId xmlns:a16="http://schemas.microsoft.com/office/drawing/2014/main" id="{9B58E3A9-9CF7-2B43-BD67-E92B3F5FEFF0}"/>
+              </a:ext>
+            </a:extLst>
+          </p:cNvPr>
+          <p:cNvPicPr>
+            <a:picLocks noChangeAspect="1"/>
+          </p:cNvPicPr>
+          <p:nvPr/>
+        </p:nvPicPr>
+        <p:blipFill>
+          <a:blip r:embed="rId2"/>
+          <a:stretch>
+            <a:fillRect/>
+          </a:stretch>
+        </p:blipFill>
+        <p:spPr>
+          <a:xfrm>
+            <a:off x="9251028" y="209847"/>
+            <a:ext cx="2502561" cy="1072555"/>
+          </a:xfrm>
+          <a:prstGeom prst="rect">
+            <a:avLst/>
+          </a:prstGeom>
+        </p:spPr>
+      </p:pic>
+      <p:sp>
+        <p:nvSpPr>
+          <p:cNvPr id="2" name="Título 1">
+            <a:extLst>
+              <a:ext uri="{FF2B5EF4-FFF2-40B4-BE49-F238E27FC236}">
+                <a16:creationId xmlns:a16="http://schemas.microsoft.com/office/drawing/2014/main" id="{6A4647F8-360F-2143-89F0-F00E40E0B51F}"/>
+              </a:ext>
+            </a:extLst>
+          </p:cNvPr>
+          <p:cNvSpPr>
+            <a:spLocks noGrp="1"/>
+          </p:cNvSpPr>
+          <p:nvPr>
+            <p:ph type="title"/>
+          </p:nvPr>
+        </p:nvSpPr>
+        <p:spPr>
+          <a:xfrm>
+            <a:off x="685800" y="502081"/>
+            <a:ext cx="10820400" cy="874852"/>
+          </a:xfrm>
+        </p:spPr>
+        <p:txBody>
+          <a:bodyPr/>
+          <a:lstStyle/>
+          <a:p>
+            <a:r>
+              <a:rPr lang="es-ES" dirty="0"/>
+              <a:t>DESARROLLO DEL CRONOGRAMA</a:t>
+            </a:r>
+          </a:p>
+        </p:txBody>
+      </p:sp>
+      <p:sp>
+        <p:nvSpPr>
+          <p:cNvPr id="6" name="Text Placeholder 5">
+            <a:extLst>
+              <a:ext uri="{FF2B5EF4-FFF2-40B4-BE49-F238E27FC236}">
+                <a16:creationId xmlns:a16="http://schemas.microsoft.com/office/drawing/2014/main" id="{9E407A61-C1CA-40AD-8E5D-DE1E6B39FE76}"/>
+              </a:ext>
+            </a:extLst>
+          </p:cNvPr>
+          <p:cNvSpPr>
+            <a:spLocks noGrp="1"/>
+          </p:cNvSpPr>
+          <p:nvPr>
+            <p:ph type="body" sz="half" idx="2"/>
+          </p:nvPr>
+        </p:nvSpPr>
+        <p:spPr>
+          <a:xfrm>
+            <a:off x="438411" y="1282402"/>
+            <a:ext cx="10130516" cy="659240"/>
+          </a:xfrm>
+        </p:spPr>
+        <p:txBody>
+          <a:bodyPr>
+            <a:normAutofit/>
+          </a:bodyPr>
+          <a:lstStyle/>
+          <a:p>
+            <a:r>
+              <a:rPr lang="es-ES" sz="2400" dirty="0"/>
+              <a:t>Planificación</a:t>
+            </a:r>
+          </a:p>
+        </p:txBody>
+      </p:sp>
+      <p:sp>
+        <p:nvSpPr>
+          <p:cNvPr id="3" name="Marcador de número de diapositiva 2">
+            <a:extLst>
+              <a:ext uri="{FF2B5EF4-FFF2-40B4-BE49-F238E27FC236}">
+                <a16:creationId xmlns:a16="http://schemas.microsoft.com/office/drawing/2014/main" id="{6C452FBA-1AA2-A94C-B664-CE1D9010AEAA}"/>
+              </a:ext>
+            </a:extLst>
+          </p:cNvPr>
+          <p:cNvSpPr>
+            <a:spLocks noGrp="1"/>
+          </p:cNvSpPr>
+          <p:nvPr>
+            <p:ph type="sldNum" sz="quarter" idx="12"/>
+          </p:nvPr>
+        </p:nvSpPr>
+        <p:spPr/>
+        <p:txBody>
+          <a:bodyPr/>
+          <a:lstStyle/>
+          <a:p>
+            <a:fld id="{D6010774-2920-F049-BD0B-9A28F2A984C5}" type="slidenum">
+              <a:rPr lang="es-ES" smtClean="0"/>
+              <a:t>19</a:t>
+            </a:fld>
+            <a:endParaRPr lang="es-ES" dirty="0"/>
+          </a:p>
+        </p:txBody>
+      </p:sp>
+      <p:pic>
+        <p:nvPicPr>
+          <p:cNvPr id="8" name="Imagen 5">
+            <a:extLst>
+              <a:ext uri="{FF2B5EF4-FFF2-40B4-BE49-F238E27FC236}">
+                <a16:creationId xmlns:a16="http://schemas.microsoft.com/office/drawing/2014/main" id="{985D020B-C17E-4FFF-9AEE-3FB104855D74}"/>
+              </a:ext>
+            </a:extLst>
+          </p:cNvPr>
+          <p:cNvPicPr/>
+          <p:nvPr/>
+        </p:nvPicPr>
+        <p:blipFill>
+          <a:blip r:embed="rId3"/>
+          <a:stretch>
+            <a:fillRect/>
+          </a:stretch>
+        </p:blipFill>
+        <p:spPr>
+          <a:xfrm>
+            <a:off x="2751812" y="1448958"/>
+            <a:ext cx="6880703" cy="3586505"/>
+          </a:xfrm>
+          <a:prstGeom prst="rect">
+            <a:avLst/>
+          </a:prstGeom>
+        </p:spPr>
+      </p:pic>
+    </p:spTree>
+    <p:extLst>
+      <p:ext uri="{BB962C8B-B14F-4D97-AF65-F5344CB8AC3E}">
+        <p14:creationId xmlns:p14="http://schemas.microsoft.com/office/powerpoint/2010/main" val="1507079178"/>
       </p:ext>
     </p:extLst>
   </p:cSld>
@@ -40964,8 +39232,8 @@
         </p:nvSpPr>
         <p:spPr>
           <a:xfrm>
-            <a:off x="685800" y="1453555"/>
-            <a:ext cx="10130516" cy="999067"/>
+            <a:off x="438411" y="1282402"/>
+            <a:ext cx="10130516" cy="659240"/>
           </a:xfrm>
         </p:spPr>
         <p:txBody>
@@ -40976,7 +39244,7 @@
           <a:p>
             <a:r>
               <a:rPr lang="es-ES" sz="2400" dirty="0"/>
-              <a:t>Análisis</a:t>
+              <a:t>Planificación</a:t>
             </a:r>
           </a:p>
         </p:txBody>
@@ -41012,10 +39280,10 @@
       </p:sp>
       <p:pic>
         <p:nvPicPr>
-          <p:cNvPr id="8" name="Imagen 3">
+          <p:cNvPr id="7" name="Imagen 6">
             <a:extLst>
               <a:ext uri="{FF2B5EF4-FFF2-40B4-BE49-F238E27FC236}">
-                <a16:creationId xmlns:a16="http://schemas.microsoft.com/office/drawing/2014/main" id="{6BD0C645-D8F9-40FB-9569-DAADF2D559C9}"/>
+                <a16:creationId xmlns:a16="http://schemas.microsoft.com/office/drawing/2014/main" id="{94788983-630F-464E-B570-8F806464C98C}"/>
               </a:ext>
             </a:extLst>
           </p:cNvPr>
@@ -41030,8 +39298,8 @@
         </p:blipFill>
         <p:spPr>
           <a:xfrm>
-            <a:off x="2030642" y="1376933"/>
-            <a:ext cx="7927549" cy="3808842"/>
+            <a:off x="2592562" y="1282401"/>
+            <a:ext cx="8913638" cy="5073518"/>
           </a:xfrm>
           <a:prstGeom prst="rect">
             <a:avLst/>
@@ -41041,7 +39309,7 @@
     </p:spTree>
     <p:extLst>
       <p:ext uri="{BB962C8B-B14F-4D97-AF65-F5344CB8AC3E}">
-        <p14:creationId xmlns:p14="http://schemas.microsoft.com/office/powerpoint/2010/main" val="3394028771"/>
+        <p14:creationId xmlns:p14="http://schemas.microsoft.com/office/powerpoint/2010/main" val="712617711"/>
       </p:ext>
     </p:extLst>
   </p:cSld>
@@ -41197,561 +39465,6 @@
       </p:sp>
       <p:pic>
         <p:nvPicPr>
-          <p:cNvPr id="7" name="Imagen 4">
-            <a:extLst>
-              <a:ext uri="{FF2B5EF4-FFF2-40B4-BE49-F238E27FC236}">
-                <a16:creationId xmlns:a16="http://schemas.microsoft.com/office/drawing/2014/main" id="{931722F4-E18F-4509-ADB6-2A60F0170776}"/>
-              </a:ext>
-            </a:extLst>
-          </p:cNvPr>
-          <p:cNvPicPr/>
-          <p:nvPr/>
-        </p:nvPicPr>
-        <p:blipFill>
-          <a:blip r:embed="rId3"/>
-          <a:stretch>
-            <a:fillRect/>
-          </a:stretch>
-        </p:blipFill>
-        <p:spPr>
-          <a:xfrm>
-            <a:off x="2510947" y="1282401"/>
-            <a:ext cx="9118947" cy="4705040"/>
-          </a:xfrm>
-          <a:prstGeom prst="rect">
-            <a:avLst/>
-          </a:prstGeom>
-        </p:spPr>
-      </p:pic>
-    </p:spTree>
-    <p:extLst>
-      <p:ext uri="{BB962C8B-B14F-4D97-AF65-F5344CB8AC3E}">
-        <p14:creationId xmlns:p14="http://schemas.microsoft.com/office/powerpoint/2010/main" val="2523905126"/>
-      </p:ext>
-    </p:extLst>
-  </p:cSld>
-  <p:clrMapOvr>
-    <a:masterClrMapping/>
-  </p:clrMapOvr>
-</p:sld>
-</file>
-
-<file path=ppt/slides/slide22.xml><?xml version="1.0" encoding="utf-8"?>
-<p:sld xmlns:a="http://schemas.openxmlformats.org/drawingml/2006/main" xmlns:r="http://schemas.openxmlformats.org/officeDocument/2006/relationships" xmlns:p="http://schemas.openxmlformats.org/presentationml/2006/main">
-  <p:cSld>
-    <p:spTree>
-      <p:nvGrpSpPr>
-        <p:cNvPr id="1" name=""/>
-        <p:cNvGrpSpPr/>
-        <p:nvPr/>
-      </p:nvGrpSpPr>
-      <p:grpSpPr>
-        <a:xfrm>
-          <a:off x="0" y="0"/>
-          <a:ext cx="0" cy="0"/>
-          <a:chOff x="0" y="0"/>
-          <a:chExt cx="0" cy="0"/>
-        </a:xfrm>
-      </p:grpSpPr>
-      <p:pic>
-        <p:nvPicPr>
-          <p:cNvPr id="5" name="Imagen 4">
-            <a:extLst>
-              <a:ext uri="{FF2B5EF4-FFF2-40B4-BE49-F238E27FC236}">
-                <a16:creationId xmlns:a16="http://schemas.microsoft.com/office/drawing/2014/main" id="{9B58E3A9-9CF7-2B43-BD67-E92B3F5FEFF0}"/>
-              </a:ext>
-            </a:extLst>
-          </p:cNvPr>
-          <p:cNvPicPr>
-            <a:picLocks noChangeAspect="1"/>
-          </p:cNvPicPr>
-          <p:nvPr/>
-        </p:nvPicPr>
-        <p:blipFill>
-          <a:blip r:embed="rId2"/>
-          <a:stretch>
-            <a:fillRect/>
-          </a:stretch>
-        </p:blipFill>
-        <p:spPr>
-          <a:xfrm>
-            <a:off x="9251028" y="209847"/>
-            <a:ext cx="2502561" cy="1072555"/>
-          </a:xfrm>
-          <a:prstGeom prst="rect">
-            <a:avLst/>
-          </a:prstGeom>
-        </p:spPr>
-      </p:pic>
-      <p:sp>
-        <p:nvSpPr>
-          <p:cNvPr id="2" name="Título 1">
-            <a:extLst>
-              <a:ext uri="{FF2B5EF4-FFF2-40B4-BE49-F238E27FC236}">
-                <a16:creationId xmlns:a16="http://schemas.microsoft.com/office/drawing/2014/main" id="{6A4647F8-360F-2143-89F0-F00E40E0B51F}"/>
-              </a:ext>
-            </a:extLst>
-          </p:cNvPr>
-          <p:cNvSpPr>
-            <a:spLocks noGrp="1"/>
-          </p:cNvSpPr>
-          <p:nvPr>
-            <p:ph type="title"/>
-          </p:nvPr>
-        </p:nvSpPr>
-        <p:spPr>
-          <a:xfrm>
-            <a:off x="685800" y="502081"/>
-            <a:ext cx="10820400" cy="874852"/>
-          </a:xfrm>
-        </p:spPr>
-        <p:txBody>
-          <a:bodyPr/>
-          <a:lstStyle/>
-          <a:p>
-            <a:r>
-              <a:rPr lang="es-ES" dirty="0"/>
-              <a:t>DESARROLLO DEL CRONOGRAMA</a:t>
-            </a:r>
-          </a:p>
-        </p:txBody>
-      </p:sp>
-      <p:sp>
-        <p:nvSpPr>
-          <p:cNvPr id="6" name="Text Placeholder 5">
-            <a:extLst>
-              <a:ext uri="{FF2B5EF4-FFF2-40B4-BE49-F238E27FC236}">
-                <a16:creationId xmlns:a16="http://schemas.microsoft.com/office/drawing/2014/main" id="{9E407A61-C1CA-40AD-8E5D-DE1E6B39FE76}"/>
-              </a:ext>
-            </a:extLst>
-          </p:cNvPr>
-          <p:cNvSpPr>
-            <a:spLocks noGrp="1"/>
-          </p:cNvSpPr>
-          <p:nvPr>
-            <p:ph type="body" sz="half" idx="2"/>
-          </p:nvPr>
-        </p:nvSpPr>
-        <p:spPr>
-          <a:xfrm>
-            <a:off x="438411" y="1282402"/>
-            <a:ext cx="10130516" cy="659240"/>
-          </a:xfrm>
-        </p:spPr>
-        <p:txBody>
-          <a:bodyPr>
-            <a:normAutofit/>
-          </a:bodyPr>
-          <a:lstStyle/>
-          <a:p>
-            <a:r>
-              <a:rPr lang="es-ES" sz="2400" dirty="0"/>
-              <a:t>Planificación</a:t>
-            </a:r>
-          </a:p>
-        </p:txBody>
-      </p:sp>
-      <p:sp>
-        <p:nvSpPr>
-          <p:cNvPr id="3" name="Marcador de número de diapositiva 2">
-            <a:extLst>
-              <a:ext uri="{FF2B5EF4-FFF2-40B4-BE49-F238E27FC236}">
-                <a16:creationId xmlns:a16="http://schemas.microsoft.com/office/drawing/2014/main" id="{6C452FBA-1AA2-A94C-B664-CE1D9010AEAA}"/>
-              </a:ext>
-            </a:extLst>
-          </p:cNvPr>
-          <p:cNvSpPr>
-            <a:spLocks noGrp="1"/>
-          </p:cNvSpPr>
-          <p:nvPr>
-            <p:ph type="sldNum" sz="quarter" idx="12"/>
-          </p:nvPr>
-        </p:nvSpPr>
-        <p:spPr/>
-        <p:txBody>
-          <a:bodyPr/>
-          <a:lstStyle/>
-          <a:p>
-            <a:fld id="{D6010774-2920-F049-BD0B-9A28F2A984C5}" type="slidenum">
-              <a:rPr lang="es-ES" smtClean="0"/>
-              <a:t>22</a:t>
-            </a:fld>
-            <a:endParaRPr lang="es-ES" dirty="0"/>
-          </a:p>
-        </p:txBody>
-      </p:sp>
-      <p:pic>
-        <p:nvPicPr>
-          <p:cNvPr id="8" name="Imagen 5">
-            <a:extLst>
-              <a:ext uri="{FF2B5EF4-FFF2-40B4-BE49-F238E27FC236}">
-                <a16:creationId xmlns:a16="http://schemas.microsoft.com/office/drawing/2014/main" id="{985D020B-C17E-4FFF-9AEE-3FB104855D74}"/>
-              </a:ext>
-            </a:extLst>
-          </p:cNvPr>
-          <p:cNvPicPr/>
-          <p:nvPr/>
-        </p:nvPicPr>
-        <p:blipFill>
-          <a:blip r:embed="rId3"/>
-          <a:stretch>
-            <a:fillRect/>
-          </a:stretch>
-        </p:blipFill>
-        <p:spPr>
-          <a:xfrm>
-            <a:off x="2751812" y="1448958"/>
-            <a:ext cx="6880703" cy="3586505"/>
-          </a:xfrm>
-          <a:prstGeom prst="rect">
-            <a:avLst/>
-          </a:prstGeom>
-        </p:spPr>
-      </p:pic>
-    </p:spTree>
-    <p:extLst>
-      <p:ext uri="{BB962C8B-B14F-4D97-AF65-F5344CB8AC3E}">
-        <p14:creationId xmlns:p14="http://schemas.microsoft.com/office/powerpoint/2010/main" val="1507079178"/>
-      </p:ext>
-    </p:extLst>
-  </p:cSld>
-  <p:clrMapOvr>
-    <a:masterClrMapping/>
-  </p:clrMapOvr>
-</p:sld>
-</file>
-
-<file path=ppt/slides/slide23.xml><?xml version="1.0" encoding="utf-8"?>
-<p:sld xmlns:a="http://schemas.openxmlformats.org/drawingml/2006/main" xmlns:r="http://schemas.openxmlformats.org/officeDocument/2006/relationships" xmlns:p="http://schemas.openxmlformats.org/presentationml/2006/main">
-  <p:cSld>
-    <p:spTree>
-      <p:nvGrpSpPr>
-        <p:cNvPr id="1" name=""/>
-        <p:cNvGrpSpPr/>
-        <p:nvPr/>
-      </p:nvGrpSpPr>
-      <p:grpSpPr>
-        <a:xfrm>
-          <a:off x="0" y="0"/>
-          <a:ext cx="0" cy="0"/>
-          <a:chOff x="0" y="0"/>
-          <a:chExt cx="0" cy="0"/>
-        </a:xfrm>
-      </p:grpSpPr>
-      <p:pic>
-        <p:nvPicPr>
-          <p:cNvPr id="5" name="Imagen 4">
-            <a:extLst>
-              <a:ext uri="{FF2B5EF4-FFF2-40B4-BE49-F238E27FC236}">
-                <a16:creationId xmlns:a16="http://schemas.microsoft.com/office/drawing/2014/main" id="{9B58E3A9-9CF7-2B43-BD67-E92B3F5FEFF0}"/>
-              </a:ext>
-            </a:extLst>
-          </p:cNvPr>
-          <p:cNvPicPr>
-            <a:picLocks noChangeAspect="1"/>
-          </p:cNvPicPr>
-          <p:nvPr/>
-        </p:nvPicPr>
-        <p:blipFill>
-          <a:blip r:embed="rId2"/>
-          <a:stretch>
-            <a:fillRect/>
-          </a:stretch>
-        </p:blipFill>
-        <p:spPr>
-          <a:xfrm>
-            <a:off x="9251028" y="209847"/>
-            <a:ext cx="2502561" cy="1072555"/>
-          </a:xfrm>
-          <a:prstGeom prst="rect">
-            <a:avLst/>
-          </a:prstGeom>
-        </p:spPr>
-      </p:pic>
-      <p:sp>
-        <p:nvSpPr>
-          <p:cNvPr id="2" name="Título 1">
-            <a:extLst>
-              <a:ext uri="{FF2B5EF4-FFF2-40B4-BE49-F238E27FC236}">
-                <a16:creationId xmlns:a16="http://schemas.microsoft.com/office/drawing/2014/main" id="{6A4647F8-360F-2143-89F0-F00E40E0B51F}"/>
-              </a:ext>
-            </a:extLst>
-          </p:cNvPr>
-          <p:cNvSpPr>
-            <a:spLocks noGrp="1"/>
-          </p:cNvSpPr>
-          <p:nvPr>
-            <p:ph type="title"/>
-          </p:nvPr>
-        </p:nvSpPr>
-        <p:spPr>
-          <a:xfrm>
-            <a:off x="685800" y="502081"/>
-            <a:ext cx="10820400" cy="874852"/>
-          </a:xfrm>
-        </p:spPr>
-        <p:txBody>
-          <a:bodyPr/>
-          <a:lstStyle/>
-          <a:p>
-            <a:r>
-              <a:rPr lang="es-ES" dirty="0"/>
-              <a:t>DESARROLLO DEL CRONOGRAMA</a:t>
-            </a:r>
-          </a:p>
-        </p:txBody>
-      </p:sp>
-      <p:sp>
-        <p:nvSpPr>
-          <p:cNvPr id="6" name="Text Placeholder 5">
-            <a:extLst>
-              <a:ext uri="{FF2B5EF4-FFF2-40B4-BE49-F238E27FC236}">
-                <a16:creationId xmlns:a16="http://schemas.microsoft.com/office/drawing/2014/main" id="{9E407A61-C1CA-40AD-8E5D-DE1E6B39FE76}"/>
-              </a:ext>
-            </a:extLst>
-          </p:cNvPr>
-          <p:cNvSpPr>
-            <a:spLocks noGrp="1"/>
-          </p:cNvSpPr>
-          <p:nvPr>
-            <p:ph type="body" sz="half" idx="2"/>
-          </p:nvPr>
-        </p:nvSpPr>
-        <p:spPr>
-          <a:xfrm>
-            <a:off x="438411" y="1282402"/>
-            <a:ext cx="10130516" cy="659240"/>
-          </a:xfrm>
-        </p:spPr>
-        <p:txBody>
-          <a:bodyPr>
-            <a:normAutofit/>
-          </a:bodyPr>
-          <a:lstStyle/>
-          <a:p>
-            <a:r>
-              <a:rPr lang="es-ES" sz="2400" dirty="0"/>
-              <a:t>Planificación</a:t>
-            </a:r>
-          </a:p>
-        </p:txBody>
-      </p:sp>
-      <p:sp>
-        <p:nvSpPr>
-          <p:cNvPr id="3" name="Marcador de número de diapositiva 2">
-            <a:extLst>
-              <a:ext uri="{FF2B5EF4-FFF2-40B4-BE49-F238E27FC236}">
-                <a16:creationId xmlns:a16="http://schemas.microsoft.com/office/drawing/2014/main" id="{6C452FBA-1AA2-A94C-B664-CE1D9010AEAA}"/>
-              </a:ext>
-            </a:extLst>
-          </p:cNvPr>
-          <p:cNvSpPr>
-            <a:spLocks noGrp="1"/>
-          </p:cNvSpPr>
-          <p:nvPr>
-            <p:ph type="sldNum" sz="quarter" idx="12"/>
-          </p:nvPr>
-        </p:nvSpPr>
-        <p:spPr/>
-        <p:txBody>
-          <a:bodyPr/>
-          <a:lstStyle/>
-          <a:p>
-            <a:fld id="{D6010774-2920-F049-BD0B-9A28F2A984C5}" type="slidenum">
-              <a:rPr lang="es-ES" smtClean="0"/>
-              <a:t>23</a:t>
-            </a:fld>
-            <a:endParaRPr lang="es-ES" dirty="0"/>
-          </a:p>
-        </p:txBody>
-      </p:sp>
-      <p:pic>
-        <p:nvPicPr>
-          <p:cNvPr id="7" name="Imagen 6">
-            <a:extLst>
-              <a:ext uri="{FF2B5EF4-FFF2-40B4-BE49-F238E27FC236}">
-                <a16:creationId xmlns:a16="http://schemas.microsoft.com/office/drawing/2014/main" id="{94788983-630F-464E-B570-8F806464C98C}"/>
-              </a:ext>
-            </a:extLst>
-          </p:cNvPr>
-          <p:cNvPicPr/>
-          <p:nvPr/>
-        </p:nvPicPr>
-        <p:blipFill>
-          <a:blip r:embed="rId3"/>
-          <a:stretch>
-            <a:fillRect/>
-          </a:stretch>
-        </p:blipFill>
-        <p:spPr>
-          <a:xfrm>
-            <a:off x="2592562" y="1282401"/>
-            <a:ext cx="8913638" cy="5073518"/>
-          </a:xfrm>
-          <a:prstGeom prst="rect">
-            <a:avLst/>
-          </a:prstGeom>
-        </p:spPr>
-      </p:pic>
-    </p:spTree>
-    <p:extLst>
-      <p:ext uri="{BB962C8B-B14F-4D97-AF65-F5344CB8AC3E}">
-        <p14:creationId xmlns:p14="http://schemas.microsoft.com/office/powerpoint/2010/main" val="712617711"/>
-      </p:ext>
-    </p:extLst>
-  </p:cSld>
-  <p:clrMapOvr>
-    <a:masterClrMapping/>
-  </p:clrMapOvr>
-</p:sld>
-</file>
-
-<file path=ppt/slides/slide24.xml><?xml version="1.0" encoding="utf-8"?>
-<p:sld xmlns:a="http://schemas.openxmlformats.org/drawingml/2006/main" xmlns:r="http://schemas.openxmlformats.org/officeDocument/2006/relationships" xmlns:p="http://schemas.openxmlformats.org/presentationml/2006/main">
-  <p:cSld>
-    <p:spTree>
-      <p:nvGrpSpPr>
-        <p:cNvPr id="1" name=""/>
-        <p:cNvGrpSpPr/>
-        <p:nvPr/>
-      </p:nvGrpSpPr>
-      <p:grpSpPr>
-        <a:xfrm>
-          <a:off x="0" y="0"/>
-          <a:ext cx="0" cy="0"/>
-          <a:chOff x="0" y="0"/>
-          <a:chExt cx="0" cy="0"/>
-        </a:xfrm>
-      </p:grpSpPr>
-      <p:pic>
-        <p:nvPicPr>
-          <p:cNvPr id="5" name="Imagen 4">
-            <a:extLst>
-              <a:ext uri="{FF2B5EF4-FFF2-40B4-BE49-F238E27FC236}">
-                <a16:creationId xmlns:a16="http://schemas.microsoft.com/office/drawing/2014/main" id="{9B58E3A9-9CF7-2B43-BD67-E92B3F5FEFF0}"/>
-              </a:ext>
-            </a:extLst>
-          </p:cNvPr>
-          <p:cNvPicPr>
-            <a:picLocks noChangeAspect="1"/>
-          </p:cNvPicPr>
-          <p:nvPr/>
-        </p:nvPicPr>
-        <p:blipFill>
-          <a:blip r:embed="rId2"/>
-          <a:stretch>
-            <a:fillRect/>
-          </a:stretch>
-        </p:blipFill>
-        <p:spPr>
-          <a:xfrm>
-            <a:off x="9251028" y="209847"/>
-            <a:ext cx="2502561" cy="1072555"/>
-          </a:xfrm>
-          <a:prstGeom prst="rect">
-            <a:avLst/>
-          </a:prstGeom>
-        </p:spPr>
-      </p:pic>
-      <p:sp>
-        <p:nvSpPr>
-          <p:cNvPr id="2" name="Título 1">
-            <a:extLst>
-              <a:ext uri="{FF2B5EF4-FFF2-40B4-BE49-F238E27FC236}">
-                <a16:creationId xmlns:a16="http://schemas.microsoft.com/office/drawing/2014/main" id="{6A4647F8-360F-2143-89F0-F00E40E0B51F}"/>
-              </a:ext>
-            </a:extLst>
-          </p:cNvPr>
-          <p:cNvSpPr>
-            <a:spLocks noGrp="1"/>
-          </p:cNvSpPr>
-          <p:nvPr>
-            <p:ph type="title"/>
-          </p:nvPr>
-        </p:nvSpPr>
-        <p:spPr>
-          <a:xfrm>
-            <a:off x="685800" y="502081"/>
-            <a:ext cx="10820400" cy="874852"/>
-          </a:xfrm>
-        </p:spPr>
-        <p:txBody>
-          <a:bodyPr/>
-          <a:lstStyle/>
-          <a:p>
-            <a:r>
-              <a:rPr lang="es-ES" dirty="0"/>
-              <a:t>DESARROLLO DEL CRONOGRAMA</a:t>
-            </a:r>
-          </a:p>
-        </p:txBody>
-      </p:sp>
-      <p:sp>
-        <p:nvSpPr>
-          <p:cNvPr id="6" name="Text Placeholder 5">
-            <a:extLst>
-              <a:ext uri="{FF2B5EF4-FFF2-40B4-BE49-F238E27FC236}">
-                <a16:creationId xmlns:a16="http://schemas.microsoft.com/office/drawing/2014/main" id="{9E407A61-C1CA-40AD-8E5D-DE1E6B39FE76}"/>
-              </a:ext>
-            </a:extLst>
-          </p:cNvPr>
-          <p:cNvSpPr>
-            <a:spLocks noGrp="1"/>
-          </p:cNvSpPr>
-          <p:nvPr>
-            <p:ph type="body" sz="half" idx="2"/>
-          </p:nvPr>
-        </p:nvSpPr>
-        <p:spPr>
-          <a:xfrm>
-            <a:off x="438411" y="1282402"/>
-            <a:ext cx="10130516" cy="659240"/>
-          </a:xfrm>
-        </p:spPr>
-        <p:txBody>
-          <a:bodyPr>
-            <a:normAutofit/>
-          </a:bodyPr>
-          <a:lstStyle/>
-          <a:p>
-            <a:r>
-              <a:rPr lang="es-ES" sz="2400" dirty="0"/>
-              <a:t>Planificación</a:t>
-            </a:r>
-          </a:p>
-        </p:txBody>
-      </p:sp>
-      <p:sp>
-        <p:nvSpPr>
-          <p:cNvPr id="3" name="Marcador de número de diapositiva 2">
-            <a:extLst>
-              <a:ext uri="{FF2B5EF4-FFF2-40B4-BE49-F238E27FC236}">
-                <a16:creationId xmlns:a16="http://schemas.microsoft.com/office/drawing/2014/main" id="{6C452FBA-1AA2-A94C-B664-CE1D9010AEAA}"/>
-              </a:ext>
-            </a:extLst>
-          </p:cNvPr>
-          <p:cNvSpPr>
-            <a:spLocks noGrp="1"/>
-          </p:cNvSpPr>
-          <p:nvPr>
-            <p:ph type="sldNum" sz="quarter" idx="12"/>
-          </p:nvPr>
-        </p:nvSpPr>
-        <p:spPr/>
-        <p:txBody>
-          <a:bodyPr/>
-          <a:lstStyle/>
-          <a:p>
-            <a:fld id="{D6010774-2920-F049-BD0B-9A28F2A984C5}" type="slidenum">
-              <a:rPr lang="es-ES" smtClean="0"/>
-              <a:t>24</a:t>
-            </a:fld>
-            <a:endParaRPr lang="es-ES" dirty="0"/>
-          </a:p>
-        </p:txBody>
-      </p:sp>
-      <p:pic>
-        <p:nvPicPr>
           <p:cNvPr id="8" name="Imagen 7">
             <a:extLst>
               <a:ext uri="{FF2B5EF4-FFF2-40B4-BE49-F238E27FC236}">
@@ -41791,7 +39504,7 @@
 </p:sld>
 </file>
 
-<file path=ppt/slides/slide25.xml><?xml version="1.0" encoding="utf-8"?>
+<file path=ppt/slides/slide22.xml><?xml version="1.0" encoding="utf-8"?>
 <p:sld xmlns:a="http://schemas.openxmlformats.org/drawingml/2006/main" xmlns:r="http://schemas.openxmlformats.org/officeDocument/2006/relationships" xmlns:p="http://schemas.openxmlformats.org/presentationml/2006/main">
   <p:cSld>
     <p:spTree>
@@ -41929,7 +39642,7 @@
           <a:p>
             <a:fld id="{D6010774-2920-F049-BD0B-9A28F2A984C5}" type="slidenum">
               <a:rPr lang="es-ES" smtClean="0"/>
-              <a:t>25</a:t>
+              <a:t>22</a:t>
             </a:fld>
             <a:endParaRPr lang="es-ES" dirty="0"/>
           </a:p>
@@ -41976,7 +39689,7 @@
 </p:sld>
 </file>
 
-<file path=ppt/slides/slide26.xml><?xml version="1.0" encoding="utf-8"?>
+<file path=ppt/slides/slide23.xml><?xml version="1.0" encoding="utf-8"?>
 <p:sld xmlns:a="http://schemas.openxmlformats.org/drawingml/2006/main" xmlns:r="http://schemas.openxmlformats.org/officeDocument/2006/relationships" xmlns:p="http://schemas.openxmlformats.org/presentationml/2006/main">
   <p:cSld>
     <p:spTree>
@@ -42114,7 +39827,7 @@
           <a:p>
             <a:fld id="{D6010774-2920-F049-BD0B-9A28F2A984C5}" type="slidenum">
               <a:rPr lang="es-ES" smtClean="0"/>
-              <a:t>26</a:t>
+              <a:t>23</a:t>
             </a:fld>
             <a:endParaRPr lang="es-ES" dirty="0"/>
           </a:p>
@@ -42161,7 +39874,7 @@
 </p:sld>
 </file>
 
-<file path=ppt/slides/slide27.xml><?xml version="1.0" encoding="utf-8"?>
+<file path=ppt/slides/slide24.xml><?xml version="1.0" encoding="utf-8"?>
 <p:sld xmlns:a="http://schemas.openxmlformats.org/drawingml/2006/main" xmlns:r="http://schemas.openxmlformats.org/officeDocument/2006/relationships" xmlns:p="http://schemas.openxmlformats.org/presentationml/2006/main">
   <p:cSld>
     <p:spTree>
@@ -42299,7 +40012,7 @@
           <a:p>
             <a:fld id="{D6010774-2920-F049-BD0B-9A28F2A984C5}" type="slidenum">
               <a:rPr lang="es-ES" smtClean="0"/>
-              <a:t>27</a:t>
+              <a:t>24</a:t>
             </a:fld>
             <a:endParaRPr lang="es-ES" dirty="0"/>
           </a:p>
@@ -42346,7 +40059,7 @@
 </p:sld>
 </file>
 
-<file path=ppt/slides/slide28.xml><?xml version="1.0" encoding="utf-8"?>
+<file path=ppt/slides/slide25.xml><?xml version="1.0" encoding="utf-8"?>
 <p:sld xmlns:a="http://schemas.openxmlformats.org/drawingml/2006/main" xmlns:r="http://schemas.openxmlformats.org/officeDocument/2006/relationships" xmlns:p="http://schemas.openxmlformats.org/presentationml/2006/main">
   <p:cSld>
     <p:spTree>
@@ -42484,7 +40197,7 @@
           <a:p>
             <a:fld id="{D6010774-2920-F049-BD0B-9A28F2A984C5}" type="slidenum">
               <a:rPr lang="es-ES" smtClean="0"/>
-              <a:t>28</a:t>
+              <a:t>25</a:t>
             </a:fld>
             <a:endParaRPr lang="es-ES" dirty="0"/>
           </a:p>
@@ -42531,7 +40244,7 @@
 </p:sld>
 </file>
 
-<file path=ppt/slides/slide29.xml><?xml version="1.0" encoding="utf-8"?>
+<file path=ppt/slides/slide26.xml><?xml version="1.0" encoding="utf-8"?>
 <p:sld xmlns:a="http://schemas.openxmlformats.org/drawingml/2006/main" xmlns:r="http://schemas.openxmlformats.org/officeDocument/2006/relationships" xmlns:p="http://schemas.openxmlformats.org/presentationml/2006/main">
   <p:cSld>
     <p:spTree>
@@ -42681,7 +40394,7 @@
           <a:p>
             <a:fld id="{D6010774-2920-F049-BD0B-9A28F2A984C5}" type="slidenum">
               <a:rPr lang="es-ES" smtClean="0"/>
-              <a:t>29</a:t>
+              <a:t>26</a:t>
             </a:fld>
             <a:endParaRPr lang="es-ES" dirty="0"/>
           </a:p>
@@ -42719,6 +40432,999 @@
     <p:extLst>
       <p:ext uri="{BB962C8B-B14F-4D97-AF65-F5344CB8AC3E}">
         <p14:creationId xmlns:p14="http://schemas.microsoft.com/office/powerpoint/2010/main" val="3275949051"/>
+      </p:ext>
+    </p:extLst>
+  </p:cSld>
+  <p:clrMapOvr>
+    <a:masterClrMapping/>
+  </p:clrMapOvr>
+</p:sld>
+</file>
+
+<file path=ppt/slides/slide27.xml><?xml version="1.0" encoding="utf-8"?>
+<p:sld xmlns:a="http://schemas.openxmlformats.org/drawingml/2006/main" xmlns:r="http://schemas.openxmlformats.org/officeDocument/2006/relationships" xmlns:p="http://schemas.openxmlformats.org/presentationml/2006/main">
+  <p:cSld>
+    <p:spTree>
+      <p:nvGrpSpPr>
+        <p:cNvPr id="1" name=""/>
+        <p:cNvGrpSpPr/>
+        <p:nvPr/>
+      </p:nvGrpSpPr>
+      <p:grpSpPr>
+        <a:xfrm>
+          <a:off x="0" y="0"/>
+          <a:ext cx="0" cy="0"/>
+          <a:chOff x="0" y="0"/>
+          <a:chExt cx="0" cy="0"/>
+        </a:xfrm>
+      </p:grpSpPr>
+      <p:pic>
+        <p:nvPicPr>
+          <p:cNvPr id="5" name="Imagen 4">
+            <a:extLst>
+              <a:ext uri="{FF2B5EF4-FFF2-40B4-BE49-F238E27FC236}">
+                <a16:creationId xmlns:a16="http://schemas.microsoft.com/office/drawing/2014/main" id="{9B58E3A9-9CF7-2B43-BD67-E92B3F5FEFF0}"/>
+              </a:ext>
+            </a:extLst>
+          </p:cNvPr>
+          <p:cNvPicPr>
+            <a:picLocks noChangeAspect="1"/>
+          </p:cNvPicPr>
+          <p:nvPr/>
+        </p:nvPicPr>
+        <p:blipFill>
+          <a:blip r:embed="rId2"/>
+          <a:stretch>
+            <a:fillRect/>
+          </a:stretch>
+        </p:blipFill>
+        <p:spPr>
+          <a:xfrm>
+            <a:off x="9251028" y="209847"/>
+            <a:ext cx="2502561" cy="1072555"/>
+          </a:xfrm>
+          <a:prstGeom prst="rect">
+            <a:avLst/>
+          </a:prstGeom>
+        </p:spPr>
+      </p:pic>
+      <p:sp>
+        <p:nvSpPr>
+          <p:cNvPr id="2" name="Título 1">
+            <a:extLst>
+              <a:ext uri="{FF2B5EF4-FFF2-40B4-BE49-F238E27FC236}">
+                <a16:creationId xmlns:a16="http://schemas.microsoft.com/office/drawing/2014/main" id="{6A4647F8-360F-2143-89F0-F00E40E0B51F}"/>
+              </a:ext>
+            </a:extLst>
+          </p:cNvPr>
+          <p:cNvSpPr>
+            <a:spLocks noGrp="1"/>
+          </p:cNvSpPr>
+          <p:nvPr>
+            <p:ph type="title"/>
+          </p:nvPr>
+        </p:nvSpPr>
+        <p:spPr>
+          <a:xfrm>
+            <a:off x="685800" y="502081"/>
+            <a:ext cx="10820400" cy="874852"/>
+          </a:xfrm>
+        </p:spPr>
+        <p:txBody>
+          <a:bodyPr/>
+          <a:lstStyle/>
+          <a:p>
+            <a:r>
+              <a:rPr lang="es-ES" dirty="0"/>
+              <a:t>DESARROLLO DEL CRONOGRAMA</a:t>
+            </a:r>
+          </a:p>
+        </p:txBody>
+      </p:sp>
+      <p:sp>
+        <p:nvSpPr>
+          <p:cNvPr id="6" name="Text Placeholder 5">
+            <a:extLst>
+              <a:ext uri="{FF2B5EF4-FFF2-40B4-BE49-F238E27FC236}">
+                <a16:creationId xmlns:a16="http://schemas.microsoft.com/office/drawing/2014/main" id="{9E407A61-C1CA-40AD-8E5D-DE1E6B39FE76}"/>
+              </a:ext>
+            </a:extLst>
+          </p:cNvPr>
+          <p:cNvSpPr>
+            <a:spLocks noGrp="1"/>
+          </p:cNvSpPr>
+          <p:nvPr>
+            <p:ph type="body" sz="half" idx="2"/>
+          </p:nvPr>
+        </p:nvSpPr>
+        <p:spPr>
+          <a:xfrm>
+            <a:off x="685800" y="1141686"/>
+            <a:ext cx="1490597" cy="874852"/>
+          </a:xfrm>
+        </p:spPr>
+        <p:txBody>
+          <a:bodyPr>
+            <a:normAutofit/>
+          </a:bodyPr>
+          <a:lstStyle/>
+          <a:p>
+            <a:r>
+              <a:rPr lang="es-ES" sz="2400" dirty="0"/>
+              <a:t>Cierre</a:t>
+            </a:r>
+          </a:p>
+        </p:txBody>
+      </p:sp>
+      <p:sp>
+        <p:nvSpPr>
+          <p:cNvPr id="3" name="Marcador de número de diapositiva 2">
+            <a:extLst>
+              <a:ext uri="{FF2B5EF4-FFF2-40B4-BE49-F238E27FC236}">
+                <a16:creationId xmlns:a16="http://schemas.microsoft.com/office/drawing/2014/main" id="{6C452FBA-1AA2-A94C-B664-CE1D9010AEAA}"/>
+              </a:ext>
+            </a:extLst>
+          </p:cNvPr>
+          <p:cNvSpPr>
+            <a:spLocks noGrp="1"/>
+          </p:cNvSpPr>
+          <p:nvPr>
+            <p:ph type="sldNum" sz="quarter" idx="12"/>
+          </p:nvPr>
+        </p:nvSpPr>
+        <p:spPr/>
+        <p:txBody>
+          <a:bodyPr/>
+          <a:lstStyle/>
+          <a:p>
+            <a:fld id="{D6010774-2920-F049-BD0B-9A28F2A984C5}" type="slidenum">
+              <a:rPr lang="es-ES" smtClean="0"/>
+              <a:t>27</a:t>
+            </a:fld>
+            <a:endParaRPr lang="es-ES" dirty="0"/>
+          </a:p>
+        </p:txBody>
+      </p:sp>
+      <p:pic>
+        <p:nvPicPr>
+          <p:cNvPr id="8" name="Imagen 14">
+            <a:extLst>
+              <a:ext uri="{FF2B5EF4-FFF2-40B4-BE49-F238E27FC236}">
+                <a16:creationId xmlns:a16="http://schemas.microsoft.com/office/drawing/2014/main" id="{31816F49-2C8E-4657-8DD4-8E55BCFFCB61}"/>
+              </a:ext>
+            </a:extLst>
+          </p:cNvPr>
+          <p:cNvPicPr/>
+          <p:nvPr/>
+        </p:nvPicPr>
+        <p:blipFill>
+          <a:blip r:embed="rId3"/>
+          <a:stretch>
+            <a:fillRect/>
+          </a:stretch>
+        </p:blipFill>
+        <p:spPr>
+          <a:xfrm>
+            <a:off x="1917908" y="1374139"/>
+            <a:ext cx="9588291" cy="3861739"/>
+          </a:xfrm>
+          <a:prstGeom prst="rect">
+            <a:avLst/>
+          </a:prstGeom>
+        </p:spPr>
+      </p:pic>
+    </p:spTree>
+    <p:extLst>
+      <p:ext uri="{BB962C8B-B14F-4D97-AF65-F5344CB8AC3E}">
+        <p14:creationId xmlns:p14="http://schemas.microsoft.com/office/powerpoint/2010/main" val="1324121721"/>
+      </p:ext>
+    </p:extLst>
+  </p:cSld>
+  <p:clrMapOvr>
+    <a:masterClrMapping/>
+  </p:clrMapOvr>
+</p:sld>
+</file>
+
+<file path=ppt/slides/slide28.xml><?xml version="1.0" encoding="utf-8"?>
+<p:sld xmlns:a="http://schemas.openxmlformats.org/drawingml/2006/main" xmlns:r="http://schemas.openxmlformats.org/officeDocument/2006/relationships" xmlns:p="http://schemas.openxmlformats.org/presentationml/2006/main">
+  <p:cSld>
+    <p:bg>
+      <p:bgPr>
+        <a:solidFill>
+          <a:schemeClr val="bg1"/>
+        </a:solidFill>
+        <a:effectLst/>
+      </p:bgPr>
+    </p:bg>
+    <p:spTree>
+      <p:nvGrpSpPr>
+        <p:cNvPr id="1" name=""/>
+        <p:cNvGrpSpPr/>
+        <p:nvPr/>
+      </p:nvGrpSpPr>
+      <p:grpSpPr>
+        <a:xfrm>
+          <a:off x="0" y="0"/>
+          <a:ext cx="0" cy="0"/>
+          <a:chOff x="0" y="0"/>
+          <a:chExt cx="0" cy="0"/>
+        </a:xfrm>
+      </p:grpSpPr>
+      <p:pic>
+        <p:nvPicPr>
+          <p:cNvPr id="11" name="Picture 10">
+            <a:extLst>
+              <a:ext uri="{FF2B5EF4-FFF2-40B4-BE49-F238E27FC236}">
+                <a16:creationId xmlns:a16="http://schemas.microsoft.com/office/drawing/2014/main" id="{93E2C8F5-B35B-4728-AFAB-5111275C6C0E}"/>
+              </a:ext>
+              <a:ext uri="{C183D7F6-B498-43B3-948B-1728B52AA6E4}">
+                <adec:decorative xmlns:adec="http://schemas.microsoft.com/office/drawing/2017/decorative" val="1"/>
+              </a:ext>
+            </a:extLst>
+          </p:cNvPr>
+          <p:cNvPicPr>
+            <a:picLocks noGrp="1" noRot="1" noChangeAspect="1" noMove="1" noResize="1" noEditPoints="1" noAdjustHandles="1" noChangeArrowheads="1" noChangeShapeType="1" noCrop="1"/>
+          </p:cNvPicPr>
+          <p:nvPr>
+            <p:extLst>
+              <p:ext uri="{386F3935-93C4-4BCD-93E2-E3B085C9AB24}">
+                <p16:designElem xmlns:p16="http://schemas.microsoft.com/office/powerpoint/2015/main" val="1"/>
+              </p:ext>
+            </p:extLst>
+          </p:nvPr>
+        </p:nvPicPr>
+        <p:blipFill>
+          <a:blip r:embed="rId2">
+            <a:extLst>
+              <a:ext uri="{28A0092B-C50C-407E-A947-70E740481C1C}">
+                <a14:useLocalDpi xmlns:a14="http://schemas.microsoft.com/office/drawing/2010/main" val="0"/>
+              </a:ext>
+            </a:extLst>
+          </a:blip>
+          <a:stretch>
+            <a:fillRect/>
+          </a:stretch>
+        </p:blipFill>
+        <p:spPr>
+          <a:xfrm>
+            <a:off x="0" y="0"/>
+            <a:ext cx="12192000" cy="1441450"/>
+          </a:xfrm>
+          <a:prstGeom prst="rect">
+            <a:avLst/>
+          </a:prstGeom>
+        </p:spPr>
+      </p:pic>
+      <p:pic>
+        <p:nvPicPr>
+          <p:cNvPr id="13" name="Picture 12">
+            <a:extLst>
+              <a:ext uri="{FF2B5EF4-FFF2-40B4-BE49-F238E27FC236}">
+                <a16:creationId xmlns:a16="http://schemas.microsoft.com/office/drawing/2014/main" id="{69EB4E46-374D-4E57-9304-5B8EDFB8E5B4}"/>
+              </a:ext>
+              <a:ext uri="{C183D7F6-B498-43B3-948B-1728B52AA6E4}">
+                <adec:decorative xmlns:adec="http://schemas.microsoft.com/office/drawing/2017/decorative" val="1"/>
+              </a:ext>
+            </a:extLst>
+          </p:cNvPr>
+          <p:cNvPicPr>
+            <a:picLocks noGrp="1" noRot="1" noChangeAspect="1" noMove="1" noResize="1" noEditPoints="1" noAdjustHandles="1" noChangeArrowheads="1" noChangeShapeType="1" noCrop="1"/>
+          </p:cNvPicPr>
+          <p:nvPr>
+            <p:extLst>
+              <p:ext uri="{386F3935-93C4-4BCD-93E2-E3B085C9AB24}">
+                <p16:designElem xmlns:p16="http://schemas.microsoft.com/office/powerpoint/2015/main" val="1"/>
+              </p:ext>
+            </p:extLst>
+          </p:nvPr>
+        </p:nvPicPr>
+        <p:blipFill>
+          <a:blip r:embed="rId3">
+            <a:extLst>
+              <a:ext uri="{28A0092B-C50C-407E-A947-70E740481C1C}">
+                <a14:useLocalDpi xmlns:a14="http://schemas.microsoft.com/office/drawing/2010/main" val="0"/>
+              </a:ext>
+            </a:extLst>
+          </a:blip>
+          <a:stretch>
+            <a:fillRect/>
+          </a:stretch>
+        </p:blipFill>
+        <p:spPr>
+          <a:xfrm>
+            <a:off x="0" y="4375150"/>
+            <a:ext cx="12192000" cy="2482850"/>
+          </a:xfrm>
+          <a:prstGeom prst="rect">
+            <a:avLst/>
+          </a:prstGeom>
+        </p:spPr>
+      </p:pic>
+      <p:sp>
+        <p:nvSpPr>
+          <p:cNvPr id="15" name="Rectangle 14">
+            <a:extLst>
+              <a:ext uri="{FF2B5EF4-FFF2-40B4-BE49-F238E27FC236}">
+                <a16:creationId xmlns:a16="http://schemas.microsoft.com/office/drawing/2014/main" id="{3C5F7A6E-E77E-4DA4-89CF-2DE226578C43}"/>
+              </a:ext>
+              <a:ext uri="{C183D7F6-B498-43B3-948B-1728B52AA6E4}">
+                <adec:decorative xmlns:adec="http://schemas.microsoft.com/office/drawing/2017/decorative" val="1"/>
+              </a:ext>
+            </a:extLst>
+          </p:cNvPr>
+          <p:cNvSpPr>
+            <a:spLocks noGrp="1" noRot="1" noChangeAspect="1" noMove="1" noResize="1" noEditPoints="1" noAdjustHandles="1" noChangeArrowheads="1" noChangeShapeType="1" noTextEdit="1"/>
+          </p:cNvSpPr>
+          <p:nvPr>
+            <p:extLst>
+              <p:ext uri="{386F3935-93C4-4BCD-93E2-E3B085C9AB24}">
+                <p16:designElem xmlns:p16="http://schemas.microsoft.com/office/powerpoint/2015/main" val="1"/>
+              </p:ext>
+            </p:extLst>
+          </p:nvPr>
+        </p:nvSpPr>
+        <p:spPr bwMode="white">
+          <a:xfrm>
+            <a:off x="-2312" y="4379286"/>
+            <a:ext cx="12192000" cy="2497873"/>
+          </a:xfrm>
+          <a:prstGeom prst="rect">
+            <a:avLst/>
+          </a:prstGeom>
+          <a:solidFill>
+            <a:schemeClr val="bg1"/>
+          </a:solidFill>
+          <a:ln>
+            <a:noFill/>
+          </a:ln>
+        </p:spPr>
+        <p:style>
+          <a:lnRef idx="2">
+            <a:schemeClr val="accent1">
+              <a:shade val="50000"/>
+            </a:schemeClr>
+          </a:lnRef>
+          <a:fillRef idx="1">
+            <a:schemeClr val="accent1"/>
+          </a:fillRef>
+          <a:effectRef idx="0">
+            <a:schemeClr val="accent1"/>
+          </a:effectRef>
+          <a:fontRef idx="minor">
+            <a:schemeClr val="lt1"/>
+          </a:fontRef>
+        </p:style>
+        <p:txBody>
+          <a:bodyPr rtlCol="0" anchor="ctr"/>
+          <a:lstStyle/>
+          <a:p>
+            <a:pPr algn="ctr"/>
+            <a:endParaRPr lang="en-US"/>
+          </a:p>
+        </p:txBody>
+      </p:sp>
+      <p:sp>
+        <p:nvSpPr>
+          <p:cNvPr id="5" name="Title 4">
+            <a:extLst>
+              <a:ext uri="{FF2B5EF4-FFF2-40B4-BE49-F238E27FC236}">
+                <a16:creationId xmlns:a16="http://schemas.microsoft.com/office/drawing/2014/main" id="{AD898DC9-8FC0-4D6C-8470-F1052143DC9C}"/>
+              </a:ext>
+            </a:extLst>
+          </p:cNvPr>
+          <p:cNvSpPr>
+            <a:spLocks noGrp="1"/>
+          </p:cNvSpPr>
+          <p:nvPr>
+            <p:ph type="title"/>
+          </p:nvPr>
+        </p:nvSpPr>
+        <p:spPr>
+          <a:xfrm>
+            <a:off x="685800" y="4121064"/>
+            <a:ext cx="10820400" cy="2239314"/>
+          </a:xfrm>
+        </p:spPr>
+        <p:txBody>
+          <a:bodyPr vert="horz" lIns="91440" tIns="45720" rIns="91440" bIns="45720" rtlCol="0" anchor="b">
+            <a:normAutofit fontScale="90000"/>
+          </a:bodyPr>
+          <a:lstStyle/>
+          <a:p>
+            <a:pPr algn="l"/>
+            <a:r>
+              <a:rPr lang="en-US" sz="3600" b="1" dirty="0"/>
+              <a:t>Nota: </a:t>
+            </a:r>
+            <a:r>
+              <a:rPr lang="en-US" sz="3600" dirty="0" err="1"/>
+              <a:t>Todas</a:t>
+            </a:r>
+            <a:r>
+              <a:rPr lang="en-US" sz="3600" dirty="0"/>
+              <a:t> las </a:t>
+            </a:r>
+            <a:r>
+              <a:rPr lang="en-US" sz="3600" dirty="0" err="1"/>
+              <a:t>imágenes</a:t>
+            </a:r>
+            <a:r>
+              <a:rPr lang="en-US" sz="3600" dirty="0"/>
+              <a:t> </a:t>
+            </a:r>
+            <a:r>
+              <a:rPr lang="en-US" sz="3600" dirty="0" err="1"/>
+              <a:t>empleadas</a:t>
+            </a:r>
+            <a:r>
+              <a:rPr lang="en-US" sz="3600" dirty="0"/>
+              <a:t> </a:t>
+            </a:r>
+            <a:r>
+              <a:rPr lang="en-US" sz="3600" dirty="0" err="1"/>
+              <a:t>en</a:t>
+            </a:r>
+            <a:r>
+              <a:rPr lang="en-US" sz="3600" dirty="0"/>
+              <a:t> </a:t>
+            </a:r>
+            <a:r>
+              <a:rPr lang="en-US" sz="3600" dirty="0" err="1"/>
+              <a:t>esta</a:t>
+            </a:r>
+            <a:r>
+              <a:rPr lang="en-US" sz="3600" dirty="0"/>
+              <a:t> </a:t>
+            </a:r>
+            <a:r>
+              <a:rPr lang="en-US" sz="3600" dirty="0" err="1"/>
+              <a:t>presentación</a:t>
+            </a:r>
+            <a:r>
+              <a:rPr lang="en-US" sz="3600" dirty="0"/>
+              <a:t> </a:t>
+            </a:r>
+            <a:r>
+              <a:rPr lang="en-US" sz="3600" dirty="0" err="1"/>
+              <a:t>han</a:t>
+            </a:r>
+            <a:r>
+              <a:rPr lang="en-US" sz="3600" dirty="0"/>
+              <a:t> </a:t>
+            </a:r>
+            <a:r>
+              <a:rPr lang="en-US" sz="3600" dirty="0" err="1"/>
+              <a:t>sido</a:t>
+            </a:r>
+            <a:r>
+              <a:rPr lang="en-US" sz="3600" dirty="0"/>
+              <a:t> </a:t>
+            </a:r>
+            <a:r>
+              <a:rPr lang="en-US" sz="3600" dirty="0" err="1"/>
+              <a:t>extraídas</a:t>
+            </a:r>
+            <a:r>
+              <a:rPr lang="en-US" sz="3600" dirty="0"/>
+              <a:t> de un banco de </a:t>
+            </a:r>
+            <a:r>
+              <a:rPr lang="en-US" sz="3600" dirty="0" err="1"/>
+              <a:t>imágenes</a:t>
+            </a:r>
+            <a:r>
+              <a:rPr lang="en-US" sz="3600" dirty="0"/>
+              <a:t> sin derechos/</a:t>
+            </a:r>
+            <a:r>
+              <a:rPr lang="en-US" sz="3600" dirty="0" err="1"/>
+              <a:t>licencia</a:t>
+            </a:r>
+            <a:r>
+              <a:rPr lang="en-US" sz="3600" dirty="0"/>
+              <a:t> de </a:t>
+            </a:r>
+            <a:r>
+              <a:rPr lang="en-US" sz="3600" dirty="0" err="1"/>
+              <a:t>uso</a:t>
+            </a:r>
+            <a:r>
+              <a:rPr lang="en-US" sz="3600" dirty="0"/>
+              <a:t>:</a:t>
+            </a:r>
+            <a:br>
+              <a:rPr lang="en-US" sz="4400" dirty="0"/>
+            </a:br>
+            <a:r>
+              <a:rPr lang="en-US" sz="3600" b="1" i="1" dirty="0">
+                <a:hlinkClick r:id="rId4"/>
+              </a:rPr>
+              <a:t>https://pixabay.com/</a:t>
+            </a:r>
+            <a:r>
+              <a:rPr lang="en-US" sz="3600" b="1" i="1" dirty="0"/>
+              <a:t> </a:t>
+            </a:r>
+            <a:endParaRPr lang="en-US" sz="4400" b="1" i="1" dirty="0"/>
+          </a:p>
+        </p:txBody>
+      </p:sp>
+      <p:pic>
+        <p:nvPicPr>
+          <p:cNvPr id="6" name="Imagen 4">
+            <a:extLst>
+              <a:ext uri="{FF2B5EF4-FFF2-40B4-BE49-F238E27FC236}">
+                <a16:creationId xmlns:a16="http://schemas.microsoft.com/office/drawing/2014/main" id="{08495BBF-57F2-4168-9F70-FD7F8682E0E6}"/>
+              </a:ext>
+            </a:extLst>
+          </p:cNvPr>
+          <p:cNvPicPr>
+            <a:picLocks noChangeAspect="1"/>
+          </p:cNvPicPr>
+          <p:nvPr/>
+        </p:nvPicPr>
+        <p:blipFill>
+          <a:blip r:embed="rId5"/>
+          <a:stretch>
+            <a:fillRect/>
+          </a:stretch>
+        </p:blipFill>
+        <p:spPr>
+          <a:xfrm>
+            <a:off x="3000857" y="1153720"/>
+            <a:ext cx="6185662" cy="2650998"/>
+          </a:xfrm>
+          <a:prstGeom prst="rect">
+            <a:avLst/>
+          </a:prstGeom>
+        </p:spPr>
+      </p:pic>
+      <p:sp>
+        <p:nvSpPr>
+          <p:cNvPr id="4" name="Slide Number Placeholder 3">
+            <a:extLst>
+              <a:ext uri="{FF2B5EF4-FFF2-40B4-BE49-F238E27FC236}">
+                <a16:creationId xmlns:a16="http://schemas.microsoft.com/office/drawing/2014/main" id="{BFECEB2F-2A2C-4180-96F6-8A1BDEDD59B6}"/>
+              </a:ext>
+            </a:extLst>
+          </p:cNvPr>
+          <p:cNvSpPr>
+            <a:spLocks noGrp="1"/>
+          </p:cNvSpPr>
+          <p:nvPr>
+            <p:ph type="sldNum" sz="quarter" idx="12"/>
+          </p:nvPr>
+        </p:nvSpPr>
+        <p:spPr>
+          <a:xfrm>
+            <a:off x="10819794" y="6360378"/>
+            <a:ext cx="682223" cy="365125"/>
+          </a:xfrm>
+        </p:spPr>
+        <p:txBody>
+          <a:bodyPr vert="horz" lIns="91440" tIns="45720" rIns="91440" bIns="45720" rtlCol="0" anchor="ctr">
+            <a:normAutofit/>
+          </a:bodyPr>
+          <a:lstStyle/>
+          <a:p>
+            <a:pPr>
+              <a:spcAft>
+                <a:spcPts val="600"/>
+              </a:spcAft>
+            </a:pPr>
+            <a:fld id="{D6010774-2920-F049-BD0B-9A28F2A984C5}" type="slidenum">
+              <a:rPr lang="en-US" smtClean="0"/>
+              <a:pPr>
+                <a:spcAft>
+                  <a:spcPts val="600"/>
+                </a:spcAft>
+              </a:pPr>
+              <a:t>28</a:t>
+            </a:fld>
+            <a:endParaRPr lang="en-US"/>
+          </a:p>
+        </p:txBody>
+      </p:sp>
+    </p:spTree>
+    <p:extLst>
+      <p:ext uri="{BB962C8B-B14F-4D97-AF65-F5344CB8AC3E}">
+        <p14:creationId xmlns:p14="http://schemas.microsoft.com/office/powerpoint/2010/main" val="1676146836"/>
+      </p:ext>
+    </p:extLst>
+  </p:cSld>
+  <p:clrMapOvr>
+    <a:masterClrMapping/>
+  </p:clrMapOvr>
+</p:sld>
+</file>
+
+<file path=ppt/slides/slide29.xml><?xml version="1.0" encoding="utf-8"?>
+<p:sld xmlns:a="http://schemas.openxmlformats.org/drawingml/2006/main" xmlns:r="http://schemas.openxmlformats.org/officeDocument/2006/relationships" xmlns:p="http://schemas.openxmlformats.org/presentationml/2006/main">
+  <p:cSld>
+    <p:bg>
+      <p:bgPr>
+        <a:solidFill>
+          <a:schemeClr val="bg1"/>
+        </a:solidFill>
+        <a:effectLst/>
+      </p:bgPr>
+    </p:bg>
+    <p:spTree>
+      <p:nvGrpSpPr>
+        <p:cNvPr id="1" name=""/>
+        <p:cNvGrpSpPr/>
+        <p:nvPr/>
+      </p:nvGrpSpPr>
+      <p:grpSpPr>
+        <a:xfrm>
+          <a:off x="0" y="0"/>
+          <a:ext cx="0" cy="0"/>
+          <a:chOff x="0" y="0"/>
+          <a:chExt cx="0" cy="0"/>
+        </a:xfrm>
+      </p:grpSpPr>
+      <p:pic>
+        <p:nvPicPr>
+          <p:cNvPr id="19" name="Picture 10">
+            <a:extLst>
+              <a:ext uri="{FF2B5EF4-FFF2-40B4-BE49-F238E27FC236}">
+                <a16:creationId xmlns:a16="http://schemas.microsoft.com/office/drawing/2014/main" id="{5E71BCA0-2CC4-4511-8ACE-FEABFF1955FB}"/>
+              </a:ext>
+              <a:ext uri="{C183D7F6-B498-43B3-948B-1728B52AA6E4}">
+                <adec:decorative xmlns:adec="http://schemas.microsoft.com/office/drawing/2017/decorative" val="1"/>
+              </a:ext>
+            </a:extLst>
+          </p:cNvPr>
+          <p:cNvPicPr>
+            <a:picLocks noGrp="1" noRot="1" noChangeAspect="1" noMove="1" noResize="1" noEditPoints="1" noAdjustHandles="1" noChangeArrowheads="1" noChangeShapeType="1" noCrop="1"/>
+          </p:cNvPicPr>
+          <p:nvPr>
+            <p:extLst>
+              <p:ext uri="{386F3935-93C4-4BCD-93E2-E3B085C9AB24}">
+                <p16:designElem xmlns:p16="http://schemas.microsoft.com/office/powerpoint/2015/main" val="1"/>
+              </p:ext>
+            </p:extLst>
+          </p:nvPr>
+        </p:nvPicPr>
+        <p:blipFill>
+          <a:blip r:embed="rId2">
+            <a:extLst>
+              <a:ext uri="{28A0092B-C50C-407E-A947-70E740481C1C}">
+                <a14:useLocalDpi xmlns:a14="http://schemas.microsoft.com/office/drawing/2010/main" val="0"/>
+              </a:ext>
+            </a:extLst>
+          </a:blip>
+          <a:stretch>
+            <a:fillRect/>
+          </a:stretch>
+        </p:blipFill>
+        <p:spPr>
+          <a:xfrm>
+            <a:off x="0" y="0"/>
+            <a:ext cx="12192000" cy="1441450"/>
+          </a:xfrm>
+          <a:prstGeom prst="rect">
+            <a:avLst/>
+          </a:prstGeom>
+        </p:spPr>
+      </p:pic>
+      <p:sp useBgFill="1">
+        <p:nvSpPr>
+          <p:cNvPr id="20" name="Rectangle 12">
+            <a:extLst>
+              <a:ext uri="{FF2B5EF4-FFF2-40B4-BE49-F238E27FC236}">
+                <a16:creationId xmlns:a16="http://schemas.microsoft.com/office/drawing/2014/main" id="{A3A93F36-A3CE-448B-BA00-FC0300AA8EDD}"/>
+              </a:ext>
+              <a:ext uri="{C183D7F6-B498-43B3-948B-1728B52AA6E4}">
+                <adec:decorative xmlns:adec="http://schemas.microsoft.com/office/drawing/2017/decorative" val="1"/>
+              </a:ext>
+            </a:extLst>
+          </p:cNvPr>
+          <p:cNvSpPr>
+            <a:spLocks noGrp="1" noRot="1" noChangeAspect="1" noMove="1" noResize="1" noEditPoints="1" noAdjustHandles="1" noChangeArrowheads="1" noChangeShapeType="1" noTextEdit="1"/>
+          </p:cNvSpPr>
+          <p:nvPr>
+            <p:extLst>
+              <p:ext uri="{386F3935-93C4-4BCD-93E2-E3B085C9AB24}">
+                <p16:designElem xmlns:p16="http://schemas.microsoft.com/office/powerpoint/2015/main" val="1"/>
+              </p:ext>
+            </p:extLst>
+          </p:nvPr>
+        </p:nvSpPr>
+        <p:spPr>
+          <a:xfrm>
+            <a:off x="0" y="0"/>
+            <a:ext cx="12192000" cy="6858000"/>
+          </a:xfrm>
+          <a:prstGeom prst="rect">
+            <a:avLst/>
+          </a:prstGeom>
+          <a:ln>
+            <a:noFill/>
+          </a:ln>
+        </p:spPr>
+        <p:style>
+          <a:lnRef idx="2">
+            <a:schemeClr val="accent1">
+              <a:shade val="50000"/>
+            </a:schemeClr>
+          </a:lnRef>
+          <a:fillRef idx="1">
+            <a:schemeClr val="accent1"/>
+          </a:fillRef>
+          <a:effectRef idx="0">
+            <a:schemeClr val="accent1"/>
+          </a:effectRef>
+          <a:fontRef idx="minor">
+            <a:schemeClr val="lt1"/>
+          </a:fontRef>
+        </p:style>
+        <p:txBody>
+          <a:bodyPr rtlCol="0" anchor="ctr"/>
+          <a:lstStyle/>
+          <a:p>
+            <a:pPr algn="ctr"/>
+            <a:endParaRPr lang="en-US"/>
+          </a:p>
+        </p:txBody>
+      </p:sp>
+      <p:sp>
+        <p:nvSpPr>
+          <p:cNvPr id="3" name="Slide Number Placeholder 2">
+            <a:extLst>
+              <a:ext uri="{FF2B5EF4-FFF2-40B4-BE49-F238E27FC236}">
+                <a16:creationId xmlns:a16="http://schemas.microsoft.com/office/drawing/2014/main" id="{2363E8B1-BE08-4067-AFD7-0E17CED0855D}"/>
+              </a:ext>
+            </a:extLst>
+          </p:cNvPr>
+          <p:cNvSpPr>
+            <a:spLocks noGrp="1"/>
+          </p:cNvSpPr>
+          <p:nvPr>
+            <p:ph type="sldNum" sz="quarter" idx="12"/>
+          </p:nvPr>
+        </p:nvSpPr>
+        <p:spPr>
+          <a:xfrm>
+            <a:off x="8763000" y="108194"/>
+            <a:ext cx="2743200" cy="365125"/>
+          </a:xfrm>
+        </p:spPr>
+        <p:txBody>
+          <a:bodyPr vert="horz" lIns="91440" tIns="45720" rIns="91440" bIns="45720" rtlCol="0" anchor="ctr">
+            <a:normAutofit/>
+          </a:bodyPr>
+          <a:lstStyle/>
+          <a:p>
+            <a:pPr>
+              <a:spcAft>
+                <a:spcPts val="600"/>
+              </a:spcAft>
+            </a:pPr>
+            <a:fld id="{D6010774-2920-F049-BD0B-9A28F2A984C5}" type="slidenum">
+              <a:rPr lang="en-US" kern="1200">
+                <a:solidFill>
+                  <a:schemeClr val="tx1"/>
+                </a:solidFill>
+                <a:latin typeface="+mn-lt"/>
+                <a:ea typeface="+mn-ea"/>
+                <a:cs typeface="+mn-cs"/>
+              </a:rPr>
+              <a:pPr>
+                <a:spcAft>
+                  <a:spcPts val="600"/>
+                </a:spcAft>
+              </a:pPr>
+              <a:t>29</a:t>
+            </a:fld>
+            <a:endParaRPr lang="en-US" kern="1200">
+              <a:solidFill>
+                <a:schemeClr val="tx1"/>
+              </a:solidFill>
+              <a:latin typeface="+mn-lt"/>
+              <a:ea typeface="+mn-ea"/>
+              <a:cs typeface="+mn-cs"/>
+            </a:endParaRPr>
+          </a:p>
+        </p:txBody>
+      </p:sp>
+      <p:sp>
+        <p:nvSpPr>
+          <p:cNvPr id="21" name="Rounded Rectangle 11">
+            <a:extLst>
+              <a:ext uri="{FF2B5EF4-FFF2-40B4-BE49-F238E27FC236}">
+                <a16:creationId xmlns:a16="http://schemas.microsoft.com/office/drawing/2014/main" id="{A8DF542A-AECF-4920-B91A-4605B62A452F}"/>
+              </a:ext>
+              <a:ext uri="{C183D7F6-B498-43B3-948B-1728B52AA6E4}">
+                <adec:decorative xmlns:adec="http://schemas.microsoft.com/office/drawing/2017/decorative" val="1"/>
+              </a:ext>
+            </a:extLst>
+          </p:cNvPr>
+          <p:cNvSpPr>
+            <a:spLocks noGrp="1" noRot="1" noChangeAspect="1" noMove="1" noResize="1" noEditPoints="1" noAdjustHandles="1" noChangeArrowheads="1" noChangeShapeType="1" noTextEdit="1"/>
+          </p:cNvSpPr>
+          <p:nvPr>
+            <p:extLst>
+              <p:ext uri="{386F3935-93C4-4BCD-93E2-E3B085C9AB24}">
+                <p16:designElem xmlns:p16="http://schemas.microsoft.com/office/powerpoint/2015/main" val="1"/>
+              </p:ext>
+            </p:extLst>
+          </p:nvPr>
+        </p:nvSpPr>
+        <p:spPr>
+          <a:xfrm>
+            <a:off x="643403" y="643464"/>
+            <a:ext cx="10905195" cy="5571072"/>
+          </a:xfrm>
+          <a:prstGeom prst="roundRect">
+            <a:avLst>
+              <a:gd name="adj" fmla="val 2403"/>
+            </a:avLst>
+          </a:prstGeom>
+          <a:solidFill>
+            <a:srgbClr val="FFFFFF"/>
+          </a:solidFill>
+          <a:ln w="31750">
+            <a:solidFill>
+              <a:schemeClr val="accent1"/>
+            </a:solidFill>
+          </a:ln>
+          <a:effectLst>
+            <a:innerShdw blurRad="114300">
+              <a:prstClr val="black"/>
+            </a:innerShdw>
+          </a:effectLst>
+        </p:spPr>
+        <p:style>
+          <a:lnRef idx="2">
+            <a:schemeClr val="accent1">
+              <a:shade val="50000"/>
+            </a:schemeClr>
+          </a:lnRef>
+          <a:fillRef idx="1">
+            <a:schemeClr val="accent1"/>
+          </a:fillRef>
+          <a:effectRef idx="0">
+            <a:schemeClr val="accent1"/>
+          </a:effectRef>
+          <a:fontRef idx="minor">
+            <a:schemeClr val="lt1"/>
+          </a:fontRef>
+        </p:style>
+        <p:txBody>
+          <a:bodyPr rtlCol="0" anchor="ctr"/>
+          <a:lstStyle/>
+          <a:p>
+            <a:pPr algn="ctr"/>
+            <a:endParaRPr lang="en-US"/>
+          </a:p>
+        </p:txBody>
+      </p:sp>
+      <p:pic>
+        <p:nvPicPr>
+          <p:cNvPr id="6" name="Picture 5">
+            <a:extLst>
+              <a:ext uri="{FF2B5EF4-FFF2-40B4-BE49-F238E27FC236}">
+                <a16:creationId xmlns:a16="http://schemas.microsoft.com/office/drawing/2014/main" id="{FD2B775D-6E9C-4F60-892F-E88AEF7D9585}"/>
+              </a:ext>
+            </a:extLst>
+          </p:cNvPr>
+          <p:cNvPicPr>
+            <a:picLocks noChangeAspect="1"/>
+          </p:cNvPicPr>
+          <p:nvPr/>
+        </p:nvPicPr>
+        <p:blipFill>
+          <a:blip r:embed="rId3"/>
+          <a:stretch>
+            <a:fillRect/>
+          </a:stretch>
+        </p:blipFill>
+        <p:spPr>
+          <a:xfrm>
+            <a:off x="965137" y="1584419"/>
+            <a:ext cx="3689160" cy="3689160"/>
+          </a:xfrm>
+          <a:prstGeom prst="rect">
+            <a:avLst/>
+          </a:prstGeom>
+          <a:ln w="31750" cap="sq">
+            <a:noFill/>
+            <a:miter lim="800000"/>
+          </a:ln>
+        </p:spPr>
+      </p:pic>
+      <p:cxnSp>
+        <p:nvCxnSpPr>
+          <p:cNvPr id="22" name="Straight Connector 16">
+            <a:extLst>
+              <a:ext uri="{FF2B5EF4-FFF2-40B4-BE49-F238E27FC236}">
+                <a16:creationId xmlns:a16="http://schemas.microsoft.com/office/drawing/2014/main" id="{70C70F52-156C-4880-991F-296A9628FFB6}"/>
+              </a:ext>
+              <a:ext uri="{C183D7F6-B498-43B3-948B-1728B52AA6E4}">
+                <adec:decorative xmlns:adec="http://schemas.microsoft.com/office/drawing/2017/decorative" val="1"/>
+              </a:ext>
+            </a:extLst>
+          </p:cNvPr>
+          <p:cNvCxnSpPr>
+            <a:cxnSpLocks noGrp="1" noRot="1" noChangeAspect="1" noMove="1" noResize="1" noEditPoints="1" noAdjustHandles="1" noChangeArrowheads="1" noChangeShapeType="1"/>
+          </p:cNvCxnSpPr>
+          <p:nvPr>
+            <p:extLst>
+              <p:ext uri="{386F3935-93C4-4BCD-93E2-E3B085C9AB24}">
+                <p16:designElem xmlns:p16="http://schemas.microsoft.com/office/powerpoint/2015/main" val="1"/>
+              </p:ext>
+            </p:extLst>
+          </p:nvPr>
+        </p:nvCxnSpPr>
+        <p:spPr>
+          <a:xfrm>
+            <a:off x="4806892" y="1333850"/>
+            <a:ext cx="0" cy="4127383"/>
+          </a:xfrm>
+          <a:prstGeom prst="line">
+            <a:avLst/>
+          </a:prstGeom>
+          <a:ln>
+            <a:solidFill>
+              <a:schemeClr val="tx2"/>
+            </a:solidFill>
+          </a:ln>
+        </p:spPr>
+        <p:style>
+          <a:lnRef idx="1">
+            <a:schemeClr val="accent1"/>
+          </a:lnRef>
+          <a:fillRef idx="0">
+            <a:schemeClr val="accent1"/>
+          </a:fillRef>
+          <a:effectRef idx="0">
+            <a:schemeClr val="accent1"/>
+          </a:effectRef>
+          <a:fontRef idx="minor">
+            <a:schemeClr val="tx1"/>
+          </a:fontRef>
+        </p:style>
+      </p:cxnSp>
+      <p:pic>
+        <p:nvPicPr>
+          <p:cNvPr id="4" name="Imagen 4">
+            <a:extLst>
+              <a:ext uri="{FF2B5EF4-FFF2-40B4-BE49-F238E27FC236}">
+                <a16:creationId xmlns:a16="http://schemas.microsoft.com/office/drawing/2014/main" id="{282E0993-4F0D-4BD0-B5B2-2CDA92FE2ACE}"/>
+              </a:ext>
+            </a:extLst>
+          </p:cNvPr>
+          <p:cNvPicPr>
+            <a:picLocks noChangeAspect="1"/>
+          </p:cNvPicPr>
+          <p:nvPr/>
+        </p:nvPicPr>
+        <p:blipFill>
+          <a:blip r:embed="rId4"/>
+          <a:stretch>
+            <a:fillRect/>
+          </a:stretch>
+        </p:blipFill>
+        <p:spPr>
+          <a:xfrm>
+            <a:off x="4976032" y="2089534"/>
+            <a:ext cx="6250832" cy="2678928"/>
+          </a:xfrm>
+          <a:prstGeom prst="rect">
+            <a:avLst/>
+          </a:prstGeom>
+          <a:ln w="31750" cap="sq">
+            <a:noFill/>
+            <a:miter lim="800000"/>
+          </a:ln>
+        </p:spPr>
+      </p:pic>
+    </p:spTree>
+    <p:extLst>
+      <p:ext uri="{BB962C8B-B14F-4D97-AF65-F5344CB8AC3E}">
+        <p14:creationId xmlns:p14="http://schemas.microsoft.com/office/powerpoint/2010/main" val="3103751957"/>
       </p:ext>
     </p:extLst>
   </p:cSld>
@@ -43279,999 +41985,6 @@
       </p:bldGraphic>
     </p:bldLst>
   </p:timing>
-</p:sld>
-</file>
-
-<file path=ppt/slides/slide30.xml><?xml version="1.0" encoding="utf-8"?>
-<p:sld xmlns:a="http://schemas.openxmlformats.org/drawingml/2006/main" xmlns:r="http://schemas.openxmlformats.org/officeDocument/2006/relationships" xmlns:p="http://schemas.openxmlformats.org/presentationml/2006/main">
-  <p:cSld>
-    <p:spTree>
-      <p:nvGrpSpPr>
-        <p:cNvPr id="1" name=""/>
-        <p:cNvGrpSpPr/>
-        <p:nvPr/>
-      </p:nvGrpSpPr>
-      <p:grpSpPr>
-        <a:xfrm>
-          <a:off x="0" y="0"/>
-          <a:ext cx="0" cy="0"/>
-          <a:chOff x="0" y="0"/>
-          <a:chExt cx="0" cy="0"/>
-        </a:xfrm>
-      </p:grpSpPr>
-      <p:pic>
-        <p:nvPicPr>
-          <p:cNvPr id="5" name="Imagen 4">
-            <a:extLst>
-              <a:ext uri="{FF2B5EF4-FFF2-40B4-BE49-F238E27FC236}">
-                <a16:creationId xmlns:a16="http://schemas.microsoft.com/office/drawing/2014/main" id="{9B58E3A9-9CF7-2B43-BD67-E92B3F5FEFF0}"/>
-              </a:ext>
-            </a:extLst>
-          </p:cNvPr>
-          <p:cNvPicPr>
-            <a:picLocks noChangeAspect="1"/>
-          </p:cNvPicPr>
-          <p:nvPr/>
-        </p:nvPicPr>
-        <p:blipFill>
-          <a:blip r:embed="rId2"/>
-          <a:stretch>
-            <a:fillRect/>
-          </a:stretch>
-        </p:blipFill>
-        <p:spPr>
-          <a:xfrm>
-            <a:off x="9251028" y="209847"/>
-            <a:ext cx="2502561" cy="1072555"/>
-          </a:xfrm>
-          <a:prstGeom prst="rect">
-            <a:avLst/>
-          </a:prstGeom>
-        </p:spPr>
-      </p:pic>
-      <p:sp>
-        <p:nvSpPr>
-          <p:cNvPr id="2" name="Título 1">
-            <a:extLst>
-              <a:ext uri="{FF2B5EF4-FFF2-40B4-BE49-F238E27FC236}">
-                <a16:creationId xmlns:a16="http://schemas.microsoft.com/office/drawing/2014/main" id="{6A4647F8-360F-2143-89F0-F00E40E0B51F}"/>
-              </a:ext>
-            </a:extLst>
-          </p:cNvPr>
-          <p:cNvSpPr>
-            <a:spLocks noGrp="1"/>
-          </p:cNvSpPr>
-          <p:nvPr>
-            <p:ph type="title"/>
-          </p:nvPr>
-        </p:nvSpPr>
-        <p:spPr>
-          <a:xfrm>
-            <a:off x="685800" y="502081"/>
-            <a:ext cx="10820400" cy="874852"/>
-          </a:xfrm>
-        </p:spPr>
-        <p:txBody>
-          <a:bodyPr/>
-          <a:lstStyle/>
-          <a:p>
-            <a:r>
-              <a:rPr lang="es-ES" dirty="0"/>
-              <a:t>DESARROLLO DEL CRONOGRAMA</a:t>
-            </a:r>
-          </a:p>
-        </p:txBody>
-      </p:sp>
-      <p:sp>
-        <p:nvSpPr>
-          <p:cNvPr id="6" name="Text Placeholder 5">
-            <a:extLst>
-              <a:ext uri="{FF2B5EF4-FFF2-40B4-BE49-F238E27FC236}">
-                <a16:creationId xmlns:a16="http://schemas.microsoft.com/office/drawing/2014/main" id="{9E407A61-C1CA-40AD-8E5D-DE1E6B39FE76}"/>
-              </a:ext>
-            </a:extLst>
-          </p:cNvPr>
-          <p:cNvSpPr>
-            <a:spLocks noGrp="1"/>
-          </p:cNvSpPr>
-          <p:nvPr>
-            <p:ph type="body" sz="half" idx="2"/>
-          </p:nvPr>
-        </p:nvSpPr>
-        <p:spPr>
-          <a:xfrm>
-            <a:off x="685800" y="1141686"/>
-            <a:ext cx="1490597" cy="874852"/>
-          </a:xfrm>
-        </p:spPr>
-        <p:txBody>
-          <a:bodyPr>
-            <a:normAutofit/>
-          </a:bodyPr>
-          <a:lstStyle/>
-          <a:p>
-            <a:r>
-              <a:rPr lang="es-ES" sz="2400" dirty="0"/>
-              <a:t>Cierre</a:t>
-            </a:r>
-          </a:p>
-        </p:txBody>
-      </p:sp>
-      <p:sp>
-        <p:nvSpPr>
-          <p:cNvPr id="3" name="Marcador de número de diapositiva 2">
-            <a:extLst>
-              <a:ext uri="{FF2B5EF4-FFF2-40B4-BE49-F238E27FC236}">
-                <a16:creationId xmlns:a16="http://schemas.microsoft.com/office/drawing/2014/main" id="{6C452FBA-1AA2-A94C-B664-CE1D9010AEAA}"/>
-              </a:ext>
-            </a:extLst>
-          </p:cNvPr>
-          <p:cNvSpPr>
-            <a:spLocks noGrp="1"/>
-          </p:cNvSpPr>
-          <p:nvPr>
-            <p:ph type="sldNum" sz="quarter" idx="12"/>
-          </p:nvPr>
-        </p:nvSpPr>
-        <p:spPr/>
-        <p:txBody>
-          <a:bodyPr/>
-          <a:lstStyle/>
-          <a:p>
-            <a:fld id="{D6010774-2920-F049-BD0B-9A28F2A984C5}" type="slidenum">
-              <a:rPr lang="es-ES" smtClean="0"/>
-              <a:t>30</a:t>
-            </a:fld>
-            <a:endParaRPr lang="es-ES" dirty="0"/>
-          </a:p>
-        </p:txBody>
-      </p:sp>
-      <p:pic>
-        <p:nvPicPr>
-          <p:cNvPr id="8" name="Imagen 14">
-            <a:extLst>
-              <a:ext uri="{FF2B5EF4-FFF2-40B4-BE49-F238E27FC236}">
-                <a16:creationId xmlns:a16="http://schemas.microsoft.com/office/drawing/2014/main" id="{31816F49-2C8E-4657-8DD4-8E55BCFFCB61}"/>
-              </a:ext>
-            </a:extLst>
-          </p:cNvPr>
-          <p:cNvPicPr/>
-          <p:nvPr/>
-        </p:nvPicPr>
-        <p:blipFill>
-          <a:blip r:embed="rId3"/>
-          <a:stretch>
-            <a:fillRect/>
-          </a:stretch>
-        </p:blipFill>
-        <p:spPr>
-          <a:xfrm>
-            <a:off x="1917908" y="1374139"/>
-            <a:ext cx="9588291" cy="3861739"/>
-          </a:xfrm>
-          <a:prstGeom prst="rect">
-            <a:avLst/>
-          </a:prstGeom>
-        </p:spPr>
-      </p:pic>
-    </p:spTree>
-    <p:extLst>
-      <p:ext uri="{BB962C8B-B14F-4D97-AF65-F5344CB8AC3E}">
-        <p14:creationId xmlns:p14="http://schemas.microsoft.com/office/powerpoint/2010/main" val="1324121721"/>
-      </p:ext>
-    </p:extLst>
-  </p:cSld>
-  <p:clrMapOvr>
-    <a:masterClrMapping/>
-  </p:clrMapOvr>
-</p:sld>
-</file>
-
-<file path=ppt/slides/slide31.xml><?xml version="1.0" encoding="utf-8"?>
-<p:sld xmlns:a="http://schemas.openxmlformats.org/drawingml/2006/main" xmlns:r="http://schemas.openxmlformats.org/officeDocument/2006/relationships" xmlns:p="http://schemas.openxmlformats.org/presentationml/2006/main">
-  <p:cSld>
-    <p:bg>
-      <p:bgPr>
-        <a:solidFill>
-          <a:schemeClr val="bg1"/>
-        </a:solidFill>
-        <a:effectLst/>
-      </p:bgPr>
-    </p:bg>
-    <p:spTree>
-      <p:nvGrpSpPr>
-        <p:cNvPr id="1" name=""/>
-        <p:cNvGrpSpPr/>
-        <p:nvPr/>
-      </p:nvGrpSpPr>
-      <p:grpSpPr>
-        <a:xfrm>
-          <a:off x="0" y="0"/>
-          <a:ext cx="0" cy="0"/>
-          <a:chOff x="0" y="0"/>
-          <a:chExt cx="0" cy="0"/>
-        </a:xfrm>
-      </p:grpSpPr>
-      <p:pic>
-        <p:nvPicPr>
-          <p:cNvPr id="11" name="Picture 10">
-            <a:extLst>
-              <a:ext uri="{FF2B5EF4-FFF2-40B4-BE49-F238E27FC236}">
-                <a16:creationId xmlns:a16="http://schemas.microsoft.com/office/drawing/2014/main" id="{93E2C8F5-B35B-4728-AFAB-5111275C6C0E}"/>
-              </a:ext>
-              <a:ext uri="{C183D7F6-B498-43B3-948B-1728B52AA6E4}">
-                <adec:decorative xmlns:adec="http://schemas.microsoft.com/office/drawing/2017/decorative" val="1"/>
-              </a:ext>
-            </a:extLst>
-          </p:cNvPr>
-          <p:cNvPicPr>
-            <a:picLocks noGrp="1" noRot="1" noChangeAspect="1" noMove="1" noResize="1" noEditPoints="1" noAdjustHandles="1" noChangeArrowheads="1" noChangeShapeType="1" noCrop="1"/>
-          </p:cNvPicPr>
-          <p:nvPr>
-            <p:extLst>
-              <p:ext uri="{386F3935-93C4-4BCD-93E2-E3B085C9AB24}">
-                <p16:designElem xmlns:p16="http://schemas.microsoft.com/office/powerpoint/2015/main" val="1"/>
-              </p:ext>
-            </p:extLst>
-          </p:nvPr>
-        </p:nvPicPr>
-        <p:blipFill>
-          <a:blip r:embed="rId2">
-            <a:extLst>
-              <a:ext uri="{28A0092B-C50C-407E-A947-70E740481C1C}">
-                <a14:useLocalDpi xmlns:a14="http://schemas.microsoft.com/office/drawing/2010/main" val="0"/>
-              </a:ext>
-            </a:extLst>
-          </a:blip>
-          <a:stretch>
-            <a:fillRect/>
-          </a:stretch>
-        </p:blipFill>
-        <p:spPr>
-          <a:xfrm>
-            <a:off x="0" y="0"/>
-            <a:ext cx="12192000" cy="1441450"/>
-          </a:xfrm>
-          <a:prstGeom prst="rect">
-            <a:avLst/>
-          </a:prstGeom>
-        </p:spPr>
-      </p:pic>
-      <p:pic>
-        <p:nvPicPr>
-          <p:cNvPr id="13" name="Picture 12">
-            <a:extLst>
-              <a:ext uri="{FF2B5EF4-FFF2-40B4-BE49-F238E27FC236}">
-                <a16:creationId xmlns:a16="http://schemas.microsoft.com/office/drawing/2014/main" id="{69EB4E46-374D-4E57-9304-5B8EDFB8E5B4}"/>
-              </a:ext>
-              <a:ext uri="{C183D7F6-B498-43B3-948B-1728B52AA6E4}">
-                <adec:decorative xmlns:adec="http://schemas.microsoft.com/office/drawing/2017/decorative" val="1"/>
-              </a:ext>
-            </a:extLst>
-          </p:cNvPr>
-          <p:cNvPicPr>
-            <a:picLocks noGrp="1" noRot="1" noChangeAspect="1" noMove="1" noResize="1" noEditPoints="1" noAdjustHandles="1" noChangeArrowheads="1" noChangeShapeType="1" noCrop="1"/>
-          </p:cNvPicPr>
-          <p:nvPr>
-            <p:extLst>
-              <p:ext uri="{386F3935-93C4-4BCD-93E2-E3B085C9AB24}">
-                <p16:designElem xmlns:p16="http://schemas.microsoft.com/office/powerpoint/2015/main" val="1"/>
-              </p:ext>
-            </p:extLst>
-          </p:nvPr>
-        </p:nvPicPr>
-        <p:blipFill>
-          <a:blip r:embed="rId3">
-            <a:extLst>
-              <a:ext uri="{28A0092B-C50C-407E-A947-70E740481C1C}">
-                <a14:useLocalDpi xmlns:a14="http://schemas.microsoft.com/office/drawing/2010/main" val="0"/>
-              </a:ext>
-            </a:extLst>
-          </a:blip>
-          <a:stretch>
-            <a:fillRect/>
-          </a:stretch>
-        </p:blipFill>
-        <p:spPr>
-          <a:xfrm>
-            <a:off x="0" y="4375150"/>
-            <a:ext cx="12192000" cy="2482850"/>
-          </a:xfrm>
-          <a:prstGeom prst="rect">
-            <a:avLst/>
-          </a:prstGeom>
-        </p:spPr>
-      </p:pic>
-      <p:sp>
-        <p:nvSpPr>
-          <p:cNvPr id="15" name="Rectangle 14">
-            <a:extLst>
-              <a:ext uri="{FF2B5EF4-FFF2-40B4-BE49-F238E27FC236}">
-                <a16:creationId xmlns:a16="http://schemas.microsoft.com/office/drawing/2014/main" id="{3C5F7A6E-E77E-4DA4-89CF-2DE226578C43}"/>
-              </a:ext>
-              <a:ext uri="{C183D7F6-B498-43B3-948B-1728B52AA6E4}">
-                <adec:decorative xmlns:adec="http://schemas.microsoft.com/office/drawing/2017/decorative" val="1"/>
-              </a:ext>
-            </a:extLst>
-          </p:cNvPr>
-          <p:cNvSpPr>
-            <a:spLocks noGrp="1" noRot="1" noChangeAspect="1" noMove="1" noResize="1" noEditPoints="1" noAdjustHandles="1" noChangeArrowheads="1" noChangeShapeType="1" noTextEdit="1"/>
-          </p:cNvSpPr>
-          <p:nvPr>
-            <p:extLst>
-              <p:ext uri="{386F3935-93C4-4BCD-93E2-E3B085C9AB24}">
-                <p16:designElem xmlns:p16="http://schemas.microsoft.com/office/powerpoint/2015/main" val="1"/>
-              </p:ext>
-            </p:extLst>
-          </p:nvPr>
-        </p:nvSpPr>
-        <p:spPr bwMode="white">
-          <a:xfrm>
-            <a:off x="-2312" y="4379286"/>
-            <a:ext cx="12192000" cy="2497873"/>
-          </a:xfrm>
-          <a:prstGeom prst="rect">
-            <a:avLst/>
-          </a:prstGeom>
-          <a:solidFill>
-            <a:schemeClr val="bg1"/>
-          </a:solidFill>
-          <a:ln>
-            <a:noFill/>
-          </a:ln>
-        </p:spPr>
-        <p:style>
-          <a:lnRef idx="2">
-            <a:schemeClr val="accent1">
-              <a:shade val="50000"/>
-            </a:schemeClr>
-          </a:lnRef>
-          <a:fillRef idx="1">
-            <a:schemeClr val="accent1"/>
-          </a:fillRef>
-          <a:effectRef idx="0">
-            <a:schemeClr val="accent1"/>
-          </a:effectRef>
-          <a:fontRef idx="minor">
-            <a:schemeClr val="lt1"/>
-          </a:fontRef>
-        </p:style>
-        <p:txBody>
-          <a:bodyPr rtlCol="0" anchor="ctr"/>
-          <a:lstStyle/>
-          <a:p>
-            <a:pPr algn="ctr"/>
-            <a:endParaRPr lang="en-US"/>
-          </a:p>
-        </p:txBody>
-      </p:sp>
-      <p:sp>
-        <p:nvSpPr>
-          <p:cNvPr id="5" name="Title 4">
-            <a:extLst>
-              <a:ext uri="{FF2B5EF4-FFF2-40B4-BE49-F238E27FC236}">
-                <a16:creationId xmlns:a16="http://schemas.microsoft.com/office/drawing/2014/main" id="{AD898DC9-8FC0-4D6C-8470-F1052143DC9C}"/>
-              </a:ext>
-            </a:extLst>
-          </p:cNvPr>
-          <p:cNvSpPr>
-            <a:spLocks noGrp="1"/>
-          </p:cNvSpPr>
-          <p:nvPr>
-            <p:ph type="title"/>
-          </p:nvPr>
-        </p:nvSpPr>
-        <p:spPr>
-          <a:xfrm>
-            <a:off x="685800" y="4121064"/>
-            <a:ext cx="10820400" cy="2239314"/>
-          </a:xfrm>
-        </p:spPr>
-        <p:txBody>
-          <a:bodyPr vert="horz" lIns="91440" tIns="45720" rIns="91440" bIns="45720" rtlCol="0" anchor="b">
-            <a:normAutofit fontScale="90000"/>
-          </a:bodyPr>
-          <a:lstStyle/>
-          <a:p>
-            <a:pPr algn="l"/>
-            <a:r>
-              <a:rPr lang="en-US" sz="3600" b="1" dirty="0"/>
-              <a:t>Nota: </a:t>
-            </a:r>
-            <a:r>
-              <a:rPr lang="en-US" sz="3600" dirty="0" err="1"/>
-              <a:t>Todas</a:t>
-            </a:r>
-            <a:r>
-              <a:rPr lang="en-US" sz="3600" dirty="0"/>
-              <a:t> las </a:t>
-            </a:r>
-            <a:r>
-              <a:rPr lang="en-US" sz="3600" dirty="0" err="1"/>
-              <a:t>imágenes</a:t>
-            </a:r>
-            <a:r>
-              <a:rPr lang="en-US" sz="3600" dirty="0"/>
-              <a:t> </a:t>
-            </a:r>
-            <a:r>
-              <a:rPr lang="en-US" sz="3600" dirty="0" err="1"/>
-              <a:t>empleadas</a:t>
-            </a:r>
-            <a:r>
-              <a:rPr lang="en-US" sz="3600" dirty="0"/>
-              <a:t> </a:t>
-            </a:r>
-            <a:r>
-              <a:rPr lang="en-US" sz="3600" dirty="0" err="1"/>
-              <a:t>en</a:t>
-            </a:r>
-            <a:r>
-              <a:rPr lang="en-US" sz="3600" dirty="0"/>
-              <a:t> </a:t>
-            </a:r>
-            <a:r>
-              <a:rPr lang="en-US" sz="3600" dirty="0" err="1"/>
-              <a:t>esta</a:t>
-            </a:r>
-            <a:r>
-              <a:rPr lang="en-US" sz="3600" dirty="0"/>
-              <a:t> </a:t>
-            </a:r>
-            <a:r>
-              <a:rPr lang="en-US" sz="3600" dirty="0" err="1"/>
-              <a:t>presentación</a:t>
-            </a:r>
-            <a:r>
-              <a:rPr lang="en-US" sz="3600" dirty="0"/>
-              <a:t> </a:t>
-            </a:r>
-            <a:r>
-              <a:rPr lang="en-US" sz="3600" dirty="0" err="1"/>
-              <a:t>han</a:t>
-            </a:r>
-            <a:r>
-              <a:rPr lang="en-US" sz="3600" dirty="0"/>
-              <a:t> </a:t>
-            </a:r>
-            <a:r>
-              <a:rPr lang="en-US" sz="3600" dirty="0" err="1"/>
-              <a:t>sido</a:t>
-            </a:r>
-            <a:r>
-              <a:rPr lang="en-US" sz="3600" dirty="0"/>
-              <a:t> </a:t>
-            </a:r>
-            <a:r>
-              <a:rPr lang="en-US" sz="3600" dirty="0" err="1"/>
-              <a:t>extraídas</a:t>
-            </a:r>
-            <a:r>
-              <a:rPr lang="en-US" sz="3600" dirty="0"/>
-              <a:t> de un banco de </a:t>
-            </a:r>
-            <a:r>
-              <a:rPr lang="en-US" sz="3600" dirty="0" err="1"/>
-              <a:t>imágenes</a:t>
-            </a:r>
-            <a:r>
-              <a:rPr lang="en-US" sz="3600" dirty="0"/>
-              <a:t> sin derechos/</a:t>
-            </a:r>
-            <a:r>
-              <a:rPr lang="en-US" sz="3600" dirty="0" err="1"/>
-              <a:t>licencia</a:t>
-            </a:r>
-            <a:r>
-              <a:rPr lang="en-US" sz="3600" dirty="0"/>
-              <a:t> de </a:t>
-            </a:r>
-            <a:r>
-              <a:rPr lang="en-US" sz="3600" dirty="0" err="1"/>
-              <a:t>uso</a:t>
-            </a:r>
-            <a:r>
-              <a:rPr lang="en-US" sz="3600" dirty="0"/>
-              <a:t>:</a:t>
-            </a:r>
-            <a:br>
-              <a:rPr lang="en-US" sz="4400" dirty="0"/>
-            </a:br>
-            <a:r>
-              <a:rPr lang="en-US" sz="3600" b="1" i="1" dirty="0">
-                <a:hlinkClick r:id="rId4"/>
-              </a:rPr>
-              <a:t>https://pixabay.com/</a:t>
-            </a:r>
-            <a:r>
-              <a:rPr lang="en-US" sz="3600" b="1" i="1" dirty="0"/>
-              <a:t> </a:t>
-            </a:r>
-            <a:endParaRPr lang="en-US" sz="4400" b="1" i="1" dirty="0"/>
-          </a:p>
-        </p:txBody>
-      </p:sp>
-      <p:pic>
-        <p:nvPicPr>
-          <p:cNvPr id="6" name="Imagen 4">
-            <a:extLst>
-              <a:ext uri="{FF2B5EF4-FFF2-40B4-BE49-F238E27FC236}">
-                <a16:creationId xmlns:a16="http://schemas.microsoft.com/office/drawing/2014/main" id="{08495BBF-57F2-4168-9F70-FD7F8682E0E6}"/>
-              </a:ext>
-            </a:extLst>
-          </p:cNvPr>
-          <p:cNvPicPr>
-            <a:picLocks noChangeAspect="1"/>
-          </p:cNvPicPr>
-          <p:nvPr/>
-        </p:nvPicPr>
-        <p:blipFill>
-          <a:blip r:embed="rId5"/>
-          <a:stretch>
-            <a:fillRect/>
-          </a:stretch>
-        </p:blipFill>
-        <p:spPr>
-          <a:xfrm>
-            <a:off x="3000857" y="1153720"/>
-            <a:ext cx="6185662" cy="2650998"/>
-          </a:xfrm>
-          <a:prstGeom prst="rect">
-            <a:avLst/>
-          </a:prstGeom>
-        </p:spPr>
-      </p:pic>
-      <p:sp>
-        <p:nvSpPr>
-          <p:cNvPr id="4" name="Slide Number Placeholder 3">
-            <a:extLst>
-              <a:ext uri="{FF2B5EF4-FFF2-40B4-BE49-F238E27FC236}">
-                <a16:creationId xmlns:a16="http://schemas.microsoft.com/office/drawing/2014/main" id="{BFECEB2F-2A2C-4180-96F6-8A1BDEDD59B6}"/>
-              </a:ext>
-            </a:extLst>
-          </p:cNvPr>
-          <p:cNvSpPr>
-            <a:spLocks noGrp="1"/>
-          </p:cNvSpPr>
-          <p:nvPr>
-            <p:ph type="sldNum" sz="quarter" idx="12"/>
-          </p:nvPr>
-        </p:nvSpPr>
-        <p:spPr>
-          <a:xfrm>
-            <a:off x="10819794" y="6360378"/>
-            <a:ext cx="682223" cy="365125"/>
-          </a:xfrm>
-        </p:spPr>
-        <p:txBody>
-          <a:bodyPr vert="horz" lIns="91440" tIns="45720" rIns="91440" bIns="45720" rtlCol="0" anchor="ctr">
-            <a:normAutofit/>
-          </a:bodyPr>
-          <a:lstStyle/>
-          <a:p>
-            <a:pPr>
-              <a:spcAft>
-                <a:spcPts val="600"/>
-              </a:spcAft>
-            </a:pPr>
-            <a:fld id="{D6010774-2920-F049-BD0B-9A28F2A984C5}" type="slidenum">
-              <a:rPr lang="en-US" smtClean="0"/>
-              <a:pPr>
-                <a:spcAft>
-                  <a:spcPts val="600"/>
-                </a:spcAft>
-              </a:pPr>
-              <a:t>31</a:t>
-            </a:fld>
-            <a:endParaRPr lang="en-US"/>
-          </a:p>
-        </p:txBody>
-      </p:sp>
-    </p:spTree>
-    <p:extLst>
-      <p:ext uri="{BB962C8B-B14F-4D97-AF65-F5344CB8AC3E}">
-        <p14:creationId xmlns:p14="http://schemas.microsoft.com/office/powerpoint/2010/main" val="1676146836"/>
-      </p:ext>
-    </p:extLst>
-  </p:cSld>
-  <p:clrMapOvr>
-    <a:masterClrMapping/>
-  </p:clrMapOvr>
-</p:sld>
-</file>
-
-<file path=ppt/slides/slide32.xml><?xml version="1.0" encoding="utf-8"?>
-<p:sld xmlns:a="http://schemas.openxmlformats.org/drawingml/2006/main" xmlns:r="http://schemas.openxmlformats.org/officeDocument/2006/relationships" xmlns:p="http://schemas.openxmlformats.org/presentationml/2006/main">
-  <p:cSld>
-    <p:bg>
-      <p:bgPr>
-        <a:solidFill>
-          <a:schemeClr val="bg1"/>
-        </a:solidFill>
-        <a:effectLst/>
-      </p:bgPr>
-    </p:bg>
-    <p:spTree>
-      <p:nvGrpSpPr>
-        <p:cNvPr id="1" name=""/>
-        <p:cNvGrpSpPr/>
-        <p:nvPr/>
-      </p:nvGrpSpPr>
-      <p:grpSpPr>
-        <a:xfrm>
-          <a:off x="0" y="0"/>
-          <a:ext cx="0" cy="0"/>
-          <a:chOff x="0" y="0"/>
-          <a:chExt cx="0" cy="0"/>
-        </a:xfrm>
-      </p:grpSpPr>
-      <p:pic>
-        <p:nvPicPr>
-          <p:cNvPr id="19" name="Picture 10">
-            <a:extLst>
-              <a:ext uri="{FF2B5EF4-FFF2-40B4-BE49-F238E27FC236}">
-                <a16:creationId xmlns:a16="http://schemas.microsoft.com/office/drawing/2014/main" id="{5E71BCA0-2CC4-4511-8ACE-FEABFF1955FB}"/>
-              </a:ext>
-              <a:ext uri="{C183D7F6-B498-43B3-948B-1728B52AA6E4}">
-                <adec:decorative xmlns:adec="http://schemas.microsoft.com/office/drawing/2017/decorative" val="1"/>
-              </a:ext>
-            </a:extLst>
-          </p:cNvPr>
-          <p:cNvPicPr>
-            <a:picLocks noGrp="1" noRot="1" noChangeAspect="1" noMove="1" noResize="1" noEditPoints="1" noAdjustHandles="1" noChangeArrowheads="1" noChangeShapeType="1" noCrop="1"/>
-          </p:cNvPicPr>
-          <p:nvPr>
-            <p:extLst>
-              <p:ext uri="{386F3935-93C4-4BCD-93E2-E3B085C9AB24}">
-                <p16:designElem xmlns:p16="http://schemas.microsoft.com/office/powerpoint/2015/main" val="1"/>
-              </p:ext>
-            </p:extLst>
-          </p:nvPr>
-        </p:nvPicPr>
-        <p:blipFill>
-          <a:blip r:embed="rId2">
-            <a:extLst>
-              <a:ext uri="{28A0092B-C50C-407E-A947-70E740481C1C}">
-                <a14:useLocalDpi xmlns:a14="http://schemas.microsoft.com/office/drawing/2010/main" val="0"/>
-              </a:ext>
-            </a:extLst>
-          </a:blip>
-          <a:stretch>
-            <a:fillRect/>
-          </a:stretch>
-        </p:blipFill>
-        <p:spPr>
-          <a:xfrm>
-            <a:off x="0" y="0"/>
-            <a:ext cx="12192000" cy="1441450"/>
-          </a:xfrm>
-          <a:prstGeom prst="rect">
-            <a:avLst/>
-          </a:prstGeom>
-        </p:spPr>
-      </p:pic>
-      <p:sp useBgFill="1">
-        <p:nvSpPr>
-          <p:cNvPr id="20" name="Rectangle 12">
-            <a:extLst>
-              <a:ext uri="{FF2B5EF4-FFF2-40B4-BE49-F238E27FC236}">
-                <a16:creationId xmlns:a16="http://schemas.microsoft.com/office/drawing/2014/main" id="{A3A93F36-A3CE-448B-BA00-FC0300AA8EDD}"/>
-              </a:ext>
-              <a:ext uri="{C183D7F6-B498-43B3-948B-1728B52AA6E4}">
-                <adec:decorative xmlns:adec="http://schemas.microsoft.com/office/drawing/2017/decorative" val="1"/>
-              </a:ext>
-            </a:extLst>
-          </p:cNvPr>
-          <p:cNvSpPr>
-            <a:spLocks noGrp="1" noRot="1" noChangeAspect="1" noMove="1" noResize="1" noEditPoints="1" noAdjustHandles="1" noChangeArrowheads="1" noChangeShapeType="1" noTextEdit="1"/>
-          </p:cNvSpPr>
-          <p:nvPr>
-            <p:extLst>
-              <p:ext uri="{386F3935-93C4-4BCD-93E2-E3B085C9AB24}">
-                <p16:designElem xmlns:p16="http://schemas.microsoft.com/office/powerpoint/2015/main" val="1"/>
-              </p:ext>
-            </p:extLst>
-          </p:nvPr>
-        </p:nvSpPr>
-        <p:spPr>
-          <a:xfrm>
-            <a:off x="0" y="0"/>
-            <a:ext cx="12192000" cy="6858000"/>
-          </a:xfrm>
-          <a:prstGeom prst="rect">
-            <a:avLst/>
-          </a:prstGeom>
-          <a:ln>
-            <a:noFill/>
-          </a:ln>
-        </p:spPr>
-        <p:style>
-          <a:lnRef idx="2">
-            <a:schemeClr val="accent1">
-              <a:shade val="50000"/>
-            </a:schemeClr>
-          </a:lnRef>
-          <a:fillRef idx="1">
-            <a:schemeClr val="accent1"/>
-          </a:fillRef>
-          <a:effectRef idx="0">
-            <a:schemeClr val="accent1"/>
-          </a:effectRef>
-          <a:fontRef idx="minor">
-            <a:schemeClr val="lt1"/>
-          </a:fontRef>
-        </p:style>
-        <p:txBody>
-          <a:bodyPr rtlCol="0" anchor="ctr"/>
-          <a:lstStyle/>
-          <a:p>
-            <a:pPr algn="ctr"/>
-            <a:endParaRPr lang="en-US"/>
-          </a:p>
-        </p:txBody>
-      </p:sp>
-      <p:sp>
-        <p:nvSpPr>
-          <p:cNvPr id="3" name="Slide Number Placeholder 2">
-            <a:extLst>
-              <a:ext uri="{FF2B5EF4-FFF2-40B4-BE49-F238E27FC236}">
-                <a16:creationId xmlns:a16="http://schemas.microsoft.com/office/drawing/2014/main" id="{2363E8B1-BE08-4067-AFD7-0E17CED0855D}"/>
-              </a:ext>
-            </a:extLst>
-          </p:cNvPr>
-          <p:cNvSpPr>
-            <a:spLocks noGrp="1"/>
-          </p:cNvSpPr>
-          <p:nvPr>
-            <p:ph type="sldNum" sz="quarter" idx="12"/>
-          </p:nvPr>
-        </p:nvSpPr>
-        <p:spPr>
-          <a:xfrm>
-            <a:off x="8763000" y="108194"/>
-            <a:ext cx="2743200" cy="365125"/>
-          </a:xfrm>
-        </p:spPr>
-        <p:txBody>
-          <a:bodyPr vert="horz" lIns="91440" tIns="45720" rIns="91440" bIns="45720" rtlCol="0" anchor="ctr">
-            <a:normAutofit/>
-          </a:bodyPr>
-          <a:lstStyle/>
-          <a:p>
-            <a:pPr>
-              <a:spcAft>
-                <a:spcPts val="600"/>
-              </a:spcAft>
-            </a:pPr>
-            <a:fld id="{D6010774-2920-F049-BD0B-9A28F2A984C5}" type="slidenum">
-              <a:rPr lang="en-US" kern="1200">
-                <a:solidFill>
-                  <a:schemeClr val="tx1"/>
-                </a:solidFill>
-                <a:latin typeface="+mn-lt"/>
-                <a:ea typeface="+mn-ea"/>
-                <a:cs typeface="+mn-cs"/>
-              </a:rPr>
-              <a:pPr>
-                <a:spcAft>
-                  <a:spcPts val="600"/>
-                </a:spcAft>
-              </a:pPr>
-              <a:t>32</a:t>
-            </a:fld>
-            <a:endParaRPr lang="en-US" kern="1200">
-              <a:solidFill>
-                <a:schemeClr val="tx1"/>
-              </a:solidFill>
-              <a:latin typeface="+mn-lt"/>
-              <a:ea typeface="+mn-ea"/>
-              <a:cs typeface="+mn-cs"/>
-            </a:endParaRPr>
-          </a:p>
-        </p:txBody>
-      </p:sp>
-      <p:sp>
-        <p:nvSpPr>
-          <p:cNvPr id="21" name="Rounded Rectangle 11">
-            <a:extLst>
-              <a:ext uri="{FF2B5EF4-FFF2-40B4-BE49-F238E27FC236}">
-                <a16:creationId xmlns:a16="http://schemas.microsoft.com/office/drawing/2014/main" id="{A8DF542A-AECF-4920-B91A-4605B62A452F}"/>
-              </a:ext>
-              <a:ext uri="{C183D7F6-B498-43B3-948B-1728B52AA6E4}">
-                <adec:decorative xmlns:adec="http://schemas.microsoft.com/office/drawing/2017/decorative" val="1"/>
-              </a:ext>
-            </a:extLst>
-          </p:cNvPr>
-          <p:cNvSpPr>
-            <a:spLocks noGrp="1" noRot="1" noChangeAspect="1" noMove="1" noResize="1" noEditPoints="1" noAdjustHandles="1" noChangeArrowheads="1" noChangeShapeType="1" noTextEdit="1"/>
-          </p:cNvSpPr>
-          <p:nvPr>
-            <p:extLst>
-              <p:ext uri="{386F3935-93C4-4BCD-93E2-E3B085C9AB24}">
-                <p16:designElem xmlns:p16="http://schemas.microsoft.com/office/powerpoint/2015/main" val="1"/>
-              </p:ext>
-            </p:extLst>
-          </p:nvPr>
-        </p:nvSpPr>
-        <p:spPr>
-          <a:xfrm>
-            <a:off x="643403" y="643464"/>
-            <a:ext cx="10905195" cy="5571072"/>
-          </a:xfrm>
-          <a:prstGeom prst="roundRect">
-            <a:avLst>
-              <a:gd name="adj" fmla="val 2403"/>
-            </a:avLst>
-          </a:prstGeom>
-          <a:solidFill>
-            <a:srgbClr val="FFFFFF"/>
-          </a:solidFill>
-          <a:ln w="31750">
-            <a:solidFill>
-              <a:schemeClr val="accent1"/>
-            </a:solidFill>
-          </a:ln>
-          <a:effectLst>
-            <a:innerShdw blurRad="114300">
-              <a:prstClr val="black"/>
-            </a:innerShdw>
-          </a:effectLst>
-        </p:spPr>
-        <p:style>
-          <a:lnRef idx="2">
-            <a:schemeClr val="accent1">
-              <a:shade val="50000"/>
-            </a:schemeClr>
-          </a:lnRef>
-          <a:fillRef idx="1">
-            <a:schemeClr val="accent1"/>
-          </a:fillRef>
-          <a:effectRef idx="0">
-            <a:schemeClr val="accent1"/>
-          </a:effectRef>
-          <a:fontRef idx="minor">
-            <a:schemeClr val="lt1"/>
-          </a:fontRef>
-        </p:style>
-        <p:txBody>
-          <a:bodyPr rtlCol="0" anchor="ctr"/>
-          <a:lstStyle/>
-          <a:p>
-            <a:pPr algn="ctr"/>
-            <a:endParaRPr lang="en-US"/>
-          </a:p>
-        </p:txBody>
-      </p:sp>
-      <p:pic>
-        <p:nvPicPr>
-          <p:cNvPr id="6" name="Picture 5">
-            <a:extLst>
-              <a:ext uri="{FF2B5EF4-FFF2-40B4-BE49-F238E27FC236}">
-                <a16:creationId xmlns:a16="http://schemas.microsoft.com/office/drawing/2014/main" id="{FD2B775D-6E9C-4F60-892F-E88AEF7D9585}"/>
-              </a:ext>
-            </a:extLst>
-          </p:cNvPr>
-          <p:cNvPicPr>
-            <a:picLocks noChangeAspect="1"/>
-          </p:cNvPicPr>
-          <p:nvPr/>
-        </p:nvPicPr>
-        <p:blipFill>
-          <a:blip r:embed="rId3"/>
-          <a:stretch>
-            <a:fillRect/>
-          </a:stretch>
-        </p:blipFill>
-        <p:spPr>
-          <a:xfrm>
-            <a:off x="965137" y="1584419"/>
-            <a:ext cx="3689160" cy="3689160"/>
-          </a:xfrm>
-          <a:prstGeom prst="rect">
-            <a:avLst/>
-          </a:prstGeom>
-          <a:ln w="31750" cap="sq">
-            <a:noFill/>
-            <a:miter lim="800000"/>
-          </a:ln>
-        </p:spPr>
-      </p:pic>
-      <p:cxnSp>
-        <p:nvCxnSpPr>
-          <p:cNvPr id="22" name="Straight Connector 16">
-            <a:extLst>
-              <a:ext uri="{FF2B5EF4-FFF2-40B4-BE49-F238E27FC236}">
-                <a16:creationId xmlns:a16="http://schemas.microsoft.com/office/drawing/2014/main" id="{70C70F52-156C-4880-991F-296A9628FFB6}"/>
-              </a:ext>
-              <a:ext uri="{C183D7F6-B498-43B3-948B-1728B52AA6E4}">
-                <adec:decorative xmlns:adec="http://schemas.microsoft.com/office/drawing/2017/decorative" val="1"/>
-              </a:ext>
-            </a:extLst>
-          </p:cNvPr>
-          <p:cNvCxnSpPr>
-            <a:cxnSpLocks noGrp="1" noRot="1" noChangeAspect="1" noMove="1" noResize="1" noEditPoints="1" noAdjustHandles="1" noChangeArrowheads="1" noChangeShapeType="1"/>
-          </p:cNvCxnSpPr>
-          <p:nvPr>
-            <p:extLst>
-              <p:ext uri="{386F3935-93C4-4BCD-93E2-E3B085C9AB24}">
-                <p16:designElem xmlns:p16="http://schemas.microsoft.com/office/powerpoint/2015/main" val="1"/>
-              </p:ext>
-            </p:extLst>
-          </p:nvPr>
-        </p:nvCxnSpPr>
-        <p:spPr>
-          <a:xfrm>
-            <a:off x="4806892" y="1333850"/>
-            <a:ext cx="0" cy="4127383"/>
-          </a:xfrm>
-          <a:prstGeom prst="line">
-            <a:avLst/>
-          </a:prstGeom>
-          <a:ln>
-            <a:solidFill>
-              <a:schemeClr val="tx2"/>
-            </a:solidFill>
-          </a:ln>
-        </p:spPr>
-        <p:style>
-          <a:lnRef idx="1">
-            <a:schemeClr val="accent1"/>
-          </a:lnRef>
-          <a:fillRef idx="0">
-            <a:schemeClr val="accent1"/>
-          </a:fillRef>
-          <a:effectRef idx="0">
-            <a:schemeClr val="accent1"/>
-          </a:effectRef>
-          <a:fontRef idx="minor">
-            <a:schemeClr val="tx1"/>
-          </a:fontRef>
-        </p:style>
-      </p:cxnSp>
-      <p:pic>
-        <p:nvPicPr>
-          <p:cNvPr id="4" name="Imagen 4">
-            <a:extLst>
-              <a:ext uri="{FF2B5EF4-FFF2-40B4-BE49-F238E27FC236}">
-                <a16:creationId xmlns:a16="http://schemas.microsoft.com/office/drawing/2014/main" id="{282E0993-4F0D-4BD0-B5B2-2CDA92FE2ACE}"/>
-              </a:ext>
-            </a:extLst>
-          </p:cNvPr>
-          <p:cNvPicPr>
-            <a:picLocks noChangeAspect="1"/>
-          </p:cNvPicPr>
-          <p:nvPr/>
-        </p:nvPicPr>
-        <p:blipFill>
-          <a:blip r:embed="rId4"/>
-          <a:stretch>
-            <a:fillRect/>
-          </a:stretch>
-        </p:blipFill>
-        <p:spPr>
-          <a:xfrm>
-            <a:off x="4976032" y="2089534"/>
-            <a:ext cx="6250832" cy="2678928"/>
-          </a:xfrm>
-          <a:prstGeom prst="rect">
-            <a:avLst/>
-          </a:prstGeom>
-          <a:ln w="31750" cap="sq">
-            <a:noFill/>
-            <a:miter lim="800000"/>
-          </a:ln>
-        </p:spPr>
-      </p:pic>
-    </p:spTree>
-    <p:extLst>
-      <p:ext uri="{BB962C8B-B14F-4D97-AF65-F5344CB8AC3E}">
-        <p14:creationId xmlns:p14="http://schemas.microsoft.com/office/powerpoint/2010/main" val="3103751957"/>
-      </p:ext>
-    </p:extLst>
-  </p:cSld>
-  <p:clrMapOvr>
-    <a:masterClrMapping/>
-  </p:clrMapOvr>
 </p:sld>
 </file>
 
@@ -46346,36 +44059,6 @@
           <a:chExt cx="0" cy="0"/>
         </a:xfrm>
       </p:grpSpPr>
-      <p:pic>
-        <p:nvPicPr>
-          <p:cNvPr id="5" name="Imagen 4">
-            <a:extLst>
-              <a:ext uri="{FF2B5EF4-FFF2-40B4-BE49-F238E27FC236}">
-                <a16:creationId xmlns:a16="http://schemas.microsoft.com/office/drawing/2014/main" id="{9B58E3A9-9CF7-2B43-BD67-E92B3F5FEFF0}"/>
-              </a:ext>
-            </a:extLst>
-          </p:cNvPr>
-          <p:cNvPicPr>
-            <a:picLocks noChangeAspect="1"/>
-          </p:cNvPicPr>
-          <p:nvPr/>
-        </p:nvPicPr>
-        <p:blipFill>
-          <a:blip r:embed="rId2"/>
-          <a:stretch>
-            <a:fillRect/>
-          </a:stretch>
-        </p:blipFill>
-        <p:spPr>
-          <a:xfrm>
-            <a:off x="0" y="5785445"/>
-            <a:ext cx="2502561" cy="1072555"/>
-          </a:xfrm>
-          <a:prstGeom prst="rect">
-            <a:avLst/>
-          </a:prstGeom>
-        </p:spPr>
-      </p:pic>
       <p:sp>
         <p:nvSpPr>
           <p:cNvPr id="2" name="Título 1">
@@ -46394,8 +44077,8 @@
         </p:nvSpPr>
         <p:spPr>
           <a:xfrm>
-            <a:off x="2391508" y="567095"/>
-            <a:ext cx="9272505" cy="1293028"/>
+            <a:off x="3053413" y="374594"/>
+            <a:ext cx="8610600" cy="1293028"/>
           </a:xfrm>
         </p:spPr>
         <p:txBody>
@@ -46404,7 +44087,7 @@
           <a:p>
             <a:r>
               <a:rPr lang="es-ES" dirty="0"/>
-              <a:t>SECUENCIACIÓN DE LAS ACTIVIDADES</a:t>
+              <a:t>ESTIMACIÓN DE LOS RECURSOS</a:t>
             </a:r>
           </a:p>
         </p:txBody>
@@ -46440,860 +44123,793 @@
       </p:sp>
       <p:graphicFrame>
         <p:nvGraphicFramePr>
-          <p:cNvPr id="4" name="Tabla 3">
+          <p:cNvPr id="6" name="Diagrama 5">
             <a:extLst>
               <a:ext uri="{FF2B5EF4-FFF2-40B4-BE49-F238E27FC236}">
-                <a16:creationId xmlns:a16="http://schemas.microsoft.com/office/drawing/2014/main" id="{FA3DB48F-EE45-45E0-A0EF-0648D668981F}"/>
+                <a16:creationId xmlns:a16="http://schemas.microsoft.com/office/drawing/2014/main" id="{F798FA29-1558-42C7-85E6-C17C10672B6C}"/>
               </a:ext>
             </a:extLst>
           </p:cNvPr>
-          <p:cNvGraphicFramePr>
-            <a:graphicFrameLocks noGrp="1"/>
-          </p:cNvGraphicFramePr>
+          <p:cNvGraphicFramePr/>
           <p:nvPr>
             <p:extLst>
               <p:ext uri="{D42A27DB-BD31-4B8C-83A1-F6EECF244321}">
-                <p14:modId xmlns:p14="http://schemas.microsoft.com/office/powerpoint/2010/main" val="1617300691"/>
+                <p14:modId xmlns:p14="http://schemas.microsoft.com/office/powerpoint/2010/main" val="1932296340"/>
               </p:ext>
             </p:extLst>
           </p:nvPr>
         </p:nvGraphicFramePr>
         <p:xfrm>
-          <a:off x="3095673" y="1822218"/>
-          <a:ext cx="6000653" cy="4820920"/>
+          <a:off x="1933658" y="1278810"/>
+          <a:ext cx="8128000" cy="5418667"/>
         </p:xfrm>
         <a:graphic>
-          <a:graphicData uri="http://schemas.openxmlformats.org/drawingml/2006/table">
-            <a:tbl>
-              <a:tblPr firstRow="1" bandRow="1">
-                <a:tableStyleId>{5C22544A-7EE6-4342-B048-85BDC9FD1C3A}</a:tableStyleId>
-              </a:tblPr>
-              <a:tblGrid>
-                <a:gridCol w="905578">
-                  <a:extLst>
-                    <a:ext uri="{9D8B030D-6E8A-4147-A177-3AD203B41FA5}">
-                      <a16:colId xmlns:a16="http://schemas.microsoft.com/office/drawing/2014/main" val="560331260"/>
-                    </a:ext>
-                  </a:extLst>
-                </a:gridCol>
-                <a:gridCol w="5095075">
-                  <a:extLst>
-                    <a:ext uri="{9D8B030D-6E8A-4147-A177-3AD203B41FA5}">
-                      <a16:colId xmlns:a16="http://schemas.microsoft.com/office/drawing/2014/main" val="441372681"/>
-                    </a:ext>
-                  </a:extLst>
-                </a:gridCol>
-              </a:tblGrid>
-              <a:tr h="370840">
-                <a:tc>
-                  <a:txBody>
-                    <a:bodyPr/>
-                    <a:lstStyle/>
-                    <a:p>
-                      <a:r>
-                        <a:rPr lang="es-ES" dirty="0"/>
-                        <a:t>ID</a:t>
-                      </a:r>
-                    </a:p>
-                  </a:txBody>
-                  <a:tcPr/>
-                </a:tc>
-                <a:tc>
-                  <a:txBody>
-                    <a:bodyPr/>
-                    <a:lstStyle/>
-                    <a:p>
-                      <a:r>
-                        <a:rPr lang="es-ES" dirty="0"/>
-                        <a:t>TAREA</a:t>
-                      </a:r>
-                    </a:p>
-                  </a:txBody>
-                  <a:tcPr/>
-                </a:tc>
-                <a:extLst>
-                  <a:ext uri="{0D108BD9-81ED-4DB2-BD59-A6C34878D82A}">
-                    <a16:rowId xmlns:a16="http://schemas.microsoft.com/office/drawing/2014/main" val="3913968372"/>
-                  </a:ext>
-                </a:extLst>
-              </a:tr>
-              <a:tr h="370840">
-                <a:tc>
-                  <a:txBody>
-                    <a:bodyPr/>
-                    <a:lstStyle/>
-                    <a:p>
-                      <a:r>
-                        <a:rPr lang="es-ES" b="1" dirty="0"/>
-                        <a:t>1</a:t>
-                      </a:r>
-                    </a:p>
-                  </a:txBody>
-                  <a:tcPr/>
-                </a:tc>
-                <a:tc>
-                  <a:txBody>
-                    <a:bodyPr/>
-                    <a:lstStyle/>
-                    <a:p>
-                      <a:r>
-                        <a:rPr lang="es-ES_tradnl" sz="1800" b="1" kern="1200" dirty="0">
-                          <a:solidFill>
-                            <a:schemeClr val="dk1"/>
-                          </a:solidFill>
-                          <a:effectLst/>
-                          <a:latin typeface="+mn-lt"/>
-                          <a:ea typeface="+mn-ea"/>
-                          <a:cs typeface="+mn-cs"/>
-                        </a:rPr>
-                        <a:t>Inicio</a:t>
-                      </a:r>
-                      <a:endParaRPr lang="es-ES" b="1" dirty="0"/>
-                    </a:p>
-                  </a:txBody>
-                  <a:tcPr/>
-                </a:tc>
-                <a:extLst>
-                  <a:ext uri="{0D108BD9-81ED-4DB2-BD59-A6C34878D82A}">
-                    <a16:rowId xmlns:a16="http://schemas.microsoft.com/office/drawing/2014/main" val="1095583253"/>
-                  </a:ext>
-                </a:extLst>
-              </a:tr>
-              <a:tr h="370840">
-                <a:tc>
-                  <a:txBody>
-                    <a:bodyPr/>
-                    <a:lstStyle/>
-                    <a:p>
-                      <a:r>
-                        <a:rPr lang="es-ES" b="1" dirty="0"/>
-                        <a:t>1.1</a:t>
-                      </a:r>
-                    </a:p>
-                  </a:txBody>
-                  <a:tcPr/>
-                </a:tc>
-                <a:tc>
-                  <a:txBody>
-                    <a:bodyPr/>
-                    <a:lstStyle/>
-                    <a:p>
-                      <a:pPr marL="0" marR="0" lvl="0" indent="0" algn="l" defTabSz="914400" rtl="0" eaLnBrk="1" fontAlgn="auto" latinLnBrk="0" hangingPunct="1">
-                        <a:lnSpc>
-                          <a:spcPct val="100000"/>
-                        </a:lnSpc>
-                        <a:spcBef>
-                          <a:spcPts val="0"/>
-                        </a:spcBef>
-                        <a:spcAft>
-                          <a:spcPts val="0"/>
-                        </a:spcAft>
-                        <a:buClrTx/>
-                        <a:buSzTx/>
-                        <a:buFontTx/>
-                        <a:buNone/>
-                        <a:tabLst/>
-                        <a:defRPr/>
-                      </a:pPr>
-                      <a:r>
-                        <a:rPr lang="es-ES_tradnl" sz="1800" b="1" kern="1200" dirty="0">
-                          <a:solidFill>
-                            <a:schemeClr val="dk1"/>
-                          </a:solidFill>
-                          <a:effectLst/>
-                          <a:latin typeface="+mn-lt"/>
-                          <a:ea typeface="+mn-ea"/>
-                          <a:cs typeface="+mn-cs"/>
-                        </a:rPr>
-                        <a:t>Acta de constitución del proyecto</a:t>
-                      </a:r>
-                      <a:endParaRPr lang="es-ES" sz="1800" b="1" kern="1200" dirty="0">
-                        <a:solidFill>
-                          <a:schemeClr val="dk1"/>
-                        </a:solidFill>
-                        <a:effectLst/>
-                        <a:latin typeface="+mn-lt"/>
-                        <a:ea typeface="+mn-ea"/>
-                        <a:cs typeface="+mn-cs"/>
-                      </a:endParaRPr>
-                    </a:p>
-                  </a:txBody>
-                  <a:tcPr/>
-                </a:tc>
-                <a:extLst>
-                  <a:ext uri="{0D108BD9-81ED-4DB2-BD59-A6C34878D82A}">
-                    <a16:rowId xmlns:a16="http://schemas.microsoft.com/office/drawing/2014/main" val="1321591464"/>
-                  </a:ext>
-                </a:extLst>
-              </a:tr>
-              <a:tr h="370840">
-                <a:tc>
-                  <a:txBody>
-                    <a:bodyPr/>
-                    <a:lstStyle/>
-                    <a:p>
-                      <a:r>
-                        <a:rPr lang="es-ES" dirty="0"/>
-                        <a:t>1.1.1</a:t>
-                      </a:r>
-                    </a:p>
-                  </a:txBody>
-                  <a:tcPr/>
-                </a:tc>
-                <a:tc>
-                  <a:txBody>
-                    <a:bodyPr/>
-                    <a:lstStyle/>
-                    <a:p>
-                      <a:pPr marL="0" marR="0" lvl="0" indent="0" algn="l" defTabSz="914400" rtl="0" eaLnBrk="1" fontAlgn="auto" latinLnBrk="0" hangingPunct="1">
-                        <a:lnSpc>
-                          <a:spcPct val="100000"/>
-                        </a:lnSpc>
-                        <a:spcBef>
-                          <a:spcPts val="0"/>
-                        </a:spcBef>
-                        <a:spcAft>
-                          <a:spcPts val="0"/>
-                        </a:spcAft>
-                        <a:buClrTx/>
-                        <a:buSzTx/>
-                        <a:buFontTx/>
-                        <a:buNone/>
-                        <a:tabLst/>
-                        <a:defRPr/>
-                      </a:pPr>
-                      <a:r>
-                        <a:rPr lang="es-ES_tradnl" sz="1800" kern="1200" dirty="0">
-                          <a:solidFill>
-                            <a:schemeClr val="dk1"/>
-                          </a:solidFill>
-                          <a:effectLst/>
-                          <a:latin typeface="+mn-lt"/>
-                          <a:ea typeface="+mn-ea"/>
-                          <a:cs typeface="+mn-cs"/>
-                        </a:rPr>
-                        <a:t>Business Case</a:t>
-                      </a:r>
-                      <a:endParaRPr lang="es-ES" sz="1800" kern="1200" dirty="0">
-                        <a:solidFill>
-                          <a:schemeClr val="dk1"/>
-                        </a:solidFill>
-                        <a:effectLst/>
-                        <a:latin typeface="+mn-lt"/>
-                        <a:ea typeface="+mn-ea"/>
-                        <a:cs typeface="+mn-cs"/>
-                      </a:endParaRPr>
-                    </a:p>
-                  </a:txBody>
-                  <a:tcPr/>
-                </a:tc>
-                <a:extLst>
-                  <a:ext uri="{0D108BD9-81ED-4DB2-BD59-A6C34878D82A}">
-                    <a16:rowId xmlns:a16="http://schemas.microsoft.com/office/drawing/2014/main" val="3162623735"/>
-                  </a:ext>
-                </a:extLst>
-              </a:tr>
-              <a:tr h="370840">
-                <a:tc>
-                  <a:txBody>
-                    <a:bodyPr/>
-                    <a:lstStyle/>
-                    <a:p>
-                      <a:r>
-                        <a:rPr lang="es-ES" dirty="0"/>
-                        <a:t>1.1.2</a:t>
-                      </a:r>
-                    </a:p>
-                  </a:txBody>
-                  <a:tcPr/>
-                </a:tc>
-                <a:tc>
-                  <a:txBody>
-                    <a:bodyPr/>
-                    <a:lstStyle/>
-                    <a:p>
-                      <a:pPr marL="0" marR="0" lvl="0" indent="0" algn="l" defTabSz="914400" rtl="0" eaLnBrk="1" fontAlgn="auto" latinLnBrk="0" hangingPunct="1">
-                        <a:lnSpc>
-                          <a:spcPct val="100000"/>
-                        </a:lnSpc>
-                        <a:spcBef>
-                          <a:spcPts val="0"/>
-                        </a:spcBef>
-                        <a:spcAft>
-                          <a:spcPts val="0"/>
-                        </a:spcAft>
-                        <a:buClrTx/>
-                        <a:buSzTx/>
-                        <a:buFontTx/>
-                        <a:buNone/>
-                        <a:tabLst/>
-                        <a:defRPr/>
-                      </a:pPr>
-                      <a:r>
-                        <a:rPr lang="es-ES_tradnl" sz="1800" kern="1200" dirty="0">
-                          <a:solidFill>
-                            <a:schemeClr val="dk1"/>
-                          </a:solidFill>
-                          <a:effectLst/>
-                          <a:latin typeface="+mn-lt"/>
-                          <a:ea typeface="+mn-ea"/>
-                          <a:cs typeface="+mn-cs"/>
-                        </a:rPr>
-                        <a:t>Enunciado del proyecto</a:t>
-                      </a:r>
-                      <a:endParaRPr lang="es-ES" sz="1800" kern="1200" dirty="0">
-                        <a:solidFill>
-                          <a:schemeClr val="dk1"/>
-                        </a:solidFill>
-                        <a:effectLst/>
-                        <a:latin typeface="+mn-lt"/>
-                        <a:ea typeface="+mn-ea"/>
-                        <a:cs typeface="+mn-cs"/>
-                      </a:endParaRPr>
-                    </a:p>
-                  </a:txBody>
-                  <a:tcPr/>
-                </a:tc>
-                <a:extLst>
-                  <a:ext uri="{0D108BD9-81ED-4DB2-BD59-A6C34878D82A}">
-                    <a16:rowId xmlns:a16="http://schemas.microsoft.com/office/drawing/2014/main" val="3048751394"/>
-                  </a:ext>
-                </a:extLst>
-              </a:tr>
-              <a:tr h="370840">
-                <a:tc>
-                  <a:txBody>
-                    <a:bodyPr/>
-                    <a:lstStyle/>
-                    <a:p>
-                      <a:r>
-                        <a:rPr lang="es-ES" dirty="0"/>
-                        <a:t>1.2</a:t>
-                      </a:r>
-                    </a:p>
-                  </a:txBody>
-                  <a:tcPr/>
-                </a:tc>
-                <a:tc>
-                  <a:txBody>
-                    <a:bodyPr/>
-                    <a:lstStyle/>
-                    <a:p>
-                      <a:r>
-                        <a:rPr lang="es-ES_tradnl" sz="1800" kern="1200" dirty="0">
-                          <a:solidFill>
-                            <a:schemeClr val="dk1"/>
-                          </a:solidFill>
-                          <a:effectLst/>
-                          <a:latin typeface="+mn-lt"/>
-                          <a:ea typeface="+mn-ea"/>
-                          <a:cs typeface="+mn-cs"/>
-                        </a:rPr>
-                        <a:t>Plan de dirección del proyecto</a:t>
-                      </a:r>
-                      <a:endParaRPr lang="es-ES" dirty="0"/>
-                    </a:p>
-                  </a:txBody>
-                  <a:tcPr/>
-                </a:tc>
-                <a:extLst>
-                  <a:ext uri="{0D108BD9-81ED-4DB2-BD59-A6C34878D82A}">
-                    <a16:rowId xmlns:a16="http://schemas.microsoft.com/office/drawing/2014/main" val="2018730372"/>
-                  </a:ext>
-                </a:extLst>
-              </a:tr>
-              <a:tr h="370840">
-                <a:tc>
-                  <a:txBody>
-                    <a:bodyPr/>
-                    <a:lstStyle/>
-                    <a:p>
-                      <a:r>
-                        <a:rPr lang="es-ES" b="1" dirty="0"/>
-                        <a:t>2.1</a:t>
-                      </a:r>
-                    </a:p>
-                  </a:txBody>
-                  <a:tcPr/>
-                </a:tc>
-                <a:tc>
-                  <a:txBody>
-                    <a:bodyPr/>
-                    <a:lstStyle/>
-                    <a:p>
-                      <a:r>
-                        <a:rPr lang="es-ES_tradnl" sz="1800" b="1" kern="1200" dirty="0">
-                          <a:solidFill>
-                            <a:schemeClr val="dk1"/>
-                          </a:solidFill>
-                          <a:effectLst/>
-                          <a:latin typeface="+mn-lt"/>
-                          <a:ea typeface="+mn-ea"/>
-                          <a:cs typeface="+mn-cs"/>
-                        </a:rPr>
-                        <a:t>Requerimientos</a:t>
-                      </a:r>
-                      <a:endParaRPr lang="es-ES" b="1" dirty="0"/>
-                    </a:p>
-                  </a:txBody>
-                  <a:tcPr/>
-                </a:tc>
-                <a:extLst>
-                  <a:ext uri="{0D108BD9-81ED-4DB2-BD59-A6C34878D82A}">
-                    <a16:rowId xmlns:a16="http://schemas.microsoft.com/office/drawing/2014/main" val="3304761878"/>
-                  </a:ext>
-                </a:extLst>
-              </a:tr>
-              <a:tr h="370840">
-                <a:tc>
-                  <a:txBody>
-                    <a:bodyPr/>
-                    <a:lstStyle/>
-                    <a:p>
-                      <a:r>
-                        <a:rPr lang="es-ES" dirty="0"/>
-                        <a:t>2.1.1</a:t>
-                      </a:r>
-                    </a:p>
-                  </a:txBody>
-                  <a:tcPr/>
-                </a:tc>
-                <a:tc>
-                  <a:txBody>
-                    <a:bodyPr/>
-                    <a:lstStyle/>
-                    <a:p>
-                      <a:pPr marL="0" marR="0" lvl="0" indent="0" algn="l" defTabSz="914400" rtl="0" eaLnBrk="1" fontAlgn="auto" latinLnBrk="0" hangingPunct="1">
-                        <a:lnSpc>
-                          <a:spcPct val="100000"/>
-                        </a:lnSpc>
-                        <a:spcBef>
-                          <a:spcPts val="0"/>
-                        </a:spcBef>
-                        <a:spcAft>
-                          <a:spcPts val="0"/>
-                        </a:spcAft>
-                        <a:buClrTx/>
-                        <a:buSzTx/>
-                        <a:buFontTx/>
-                        <a:buNone/>
-                        <a:tabLst/>
-                        <a:defRPr/>
-                      </a:pPr>
-                      <a:r>
-                        <a:rPr lang="es-ES_tradnl" sz="1800" kern="1200" dirty="0">
-                          <a:solidFill>
-                            <a:schemeClr val="dk1"/>
-                          </a:solidFill>
-                          <a:effectLst/>
-                          <a:latin typeface="+mn-lt"/>
-                          <a:ea typeface="+mn-ea"/>
-                          <a:cs typeface="+mn-cs"/>
-                        </a:rPr>
-                        <a:t>Plan de gestión del alcance</a:t>
-                      </a:r>
-                      <a:endParaRPr lang="es-ES" sz="1800" kern="1200" dirty="0">
-                        <a:solidFill>
-                          <a:schemeClr val="dk1"/>
-                        </a:solidFill>
-                        <a:effectLst/>
-                        <a:latin typeface="+mn-lt"/>
-                        <a:ea typeface="+mn-ea"/>
-                        <a:cs typeface="+mn-cs"/>
-                      </a:endParaRPr>
-                    </a:p>
-                  </a:txBody>
-                  <a:tcPr/>
-                </a:tc>
-                <a:extLst>
-                  <a:ext uri="{0D108BD9-81ED-4DB2-BD59-A6C34878D82A}">
-                    <a16:rowId xmlns:a16="http://schemas.microsoft.com/office/drawing/2014/main" val="1602849220"/>
-                  </a:ext>
-                </a:extLst>
-              </a:tr>
-              <a:tr h="370840">
-                <a:tc>
-                  <a:txBody>
-                    <a:bodyPr/>
-                    <a:lstStyle/>
-                    <a:p>
-                      <a:r>
-                        <a:rPr lang="es-ES" dirty="0"/>
-                        <a:t>2.1.1.1</a:t>
-                      </a:r>
-                    </a:p>
-                  </a:txBody>
-                  <a:tcPr/>
-                </a:tc>
-                <a:tc>
-                  <a:txBody>
-                    <a:bodyPr/>
-                    <a:lstStyle/>
-                    <a:p>
-                      <a:pPr marL="0" marR="0" lvl="0" indent="0" algn="l" defTabSz="914400" rtl="0" eaLnBrk="1" fontAlgn="auto" latinLnBrk="0" hangingPunct="1">
-                        <a:lnSpc>
-                          <a:spcPct val="100000"/>
-                        </a:lnSpc>
-                        <a:spcBef>
-                          <a:spcPts val="0"/>
-                        </a:spcBef>
-                        <a:spcAft>
-                          <a:spcPts val="0"/>
-                        </a:spcAft>
-                        <a:buClrTx/>
-                        <a:buSzTx/>
-                        <a:buFontTx/>
-                        <a:buNone/>
-                        <a:tabLst/>
-                        <a:defRPr/>
-                      </a:pPr>
-                      <a:r>
-                        <a:rPr lang="es-ES_tradnl" sz="1800" kern="1200" dirty="0">
-                          <a:solidFill>
-                            <a:schemeClr val="dk1"/>
-                          </a:solidFill>
-                          <a:effectLst/>
-                          <a:latin typeface="+mn-lt"/>
-                          <a:ea typeface="+mn-ea"/>
-                          <a:cs typeface="+mn-cs"/>
-                        </a:rPr>
-                        <a:t>Definición del alcance</a:t>
-                      </a:r>
-                      <a:endParaRPr lang="es-ES" sz="1800" kern="1200" dirty="0">
-                        <a:solidFill>
-                          <a:schemeClr val="dk1"/>
-                        </a:solidFill>
-                        <a:effectLst/>
-                        <a:latin typeface="+mn-lt"/>
-                        <a:ea typeface="+mn-ea"/>
-                        <a:cs typeface="+mn-cs"/>
-                      </a:endParaRPr>
-                    </a:p>
-                  </a:txBody>
-                  <a:tcPr/>
-                </a:tc>
-                <a:extLst>
-                  <a:ext uri="{0D108BD9-81ED-4DB2-BD59-A6C34878D82A}">
-                    <a16:rowId xmlns:a16="http://schemas.microsoft.com/office/drawing/2014/main" val="3406681799"/>
-                  </a:ext>
-                </a:extLst>
-              </a:tr>
-              <a:tr h="370840">
-                <a:tc>
-                  <a:txBody>
-                    <a:bodyPr/>
-                    <a:lstStyle/>
-                    <a:p>
-                      <a:pPr marL="0" marR="0" lvl="0" indent="0" algn="l" defTabSz="914400" rtl="0" eaLnBrk="1" fontAlgn="auto" latinLnBrk="0" hangingPunct="1">
-                        <a:lnSpc>
-                          <a:spcPct val="100000"/>
-                        </a:lnSpc>
-                        <a:spcBef>
-                          <a:spcPts val="0"/>
-                        </a:spcBef>
-                        <a:spcAft>
-                          <a:spcPts val="0"/>
-                        </a:spcAft>
-                        <a:buClrTx/>
-                        <a:buSzTx/>
-                        <a:buFontTx/>
-                        <a:buNone/>
-                        <a:tabLst/>
-                        <a:defRPr/>
-                      </a:pPr>
-                      <a:r>
-                        <a:rPr lang="es-ES" dirty="0"/>
-                        <a:t>2.1.1.2</a:t>
-                      </a:r>
-                    </a:p>
-                  </a:txBody>
-                  <a:tcPr/>
-                </a:tc>
-                <a:tc>
-                  <a:txBody>
-                    <a:bodyPr/>
-                    <a:lstStyle/>
-                    <a:p>
-                      <a:pPr marL="0" marR="0" lvl="0" indent="0" algn="l" defTabSz="914400" rtl="0" eaLnBrk="1" fontAlgn="auto" latinLnBrk="0" hangingPunct="1">
-                        <a:lnSpc>
-                          <a:spcPct val="100000"/>
-                        </a:lnSpc>
-                        <a:spcBef>
-                          <a:spcPts val="0"/>
-                        </a:spcBef>
-                        <a:spcAft>
-                          <a:spcPts val="0"/>
-                        </a:spcAft>
-                        <a:buClrTx/>
-                        <a:buSzTx/>
-                        <a:buFontTx/>
-                        <a:buNone/>
-                        <a:tabLst/>
-                        <a:defRPr/>
-                      </a:pPr>
-                      <a:r>
-                        <a:rPr lang="es-ES_tradnl" sz="1800" kern="1200" dirty="0">
-                          <a:solidFill>
-                            <a:schemeClr val="dk1"/>
-                          </a:solidFill>
-                          <a:effectLst/>
-                          <a:latin typeface="+mn-lt"/>
-                          <a:ea typeface="+mn-ea"/>
-                          <a:cs typeface="+mn-cs"/>
-                        </a:rPr>
-                        <a:t>Plan de gestión de los requisitos</a:t>
-                      </a:r>
-                      <a:endParaRPr lang="es-ES" sz="1800" kern="1200" dirty="0">
-                        <a:solidFill>
-                          <a:schemeClr val="dk1"/>
-                        </a:solidFill>
-                        <a:effectLst/>
-                        <a:latin typeface="+mn-lt"/>
-                        <a:ea typeface="+mn-ea"/>
-                        <a:cs typeface="+mn-cs"/>
-                      </a:endParaRPr>
-                    </a:p>
-                  </a:txBody>
-                  <a:tcPr/>
-                </a:tc>
-                <a:extLst>
-                  <a:ext uri="{0D108BD9-81ED-4DB2-BD59-A6C34878D82A}">
-                    <a16:rowId xmlns:a16="http://schemas.microsoft.com/office/drawing/2014/main" val="2379444283"/>
-                  </a:ext>
-                </a:extLst>
-              </a:tr>
-              <a:tr h="370840">
-                <a:tc>
-                  <a:txBody>
-                    <a:bodyPr/>
-                    <a:lstStyle/>
-                    <a:p>
-                      <a:pPr marL="0" marR="0" lvl="0" indent="0" algn="l" defTabSz="914400" rtl="0" eaLnBrk="1" fontAlgn="auto" latinLnBrk="0" hangingPunct="1">
-                        <a:lnSpc>
-                          <a:spcPct val="100000"/>
-                        </a:lnSpc>
-                        <a:spcBef>
-                          <a:spcPts val="0"/>
-                        </a:spcBef>
-                        <a:spcAft>
-                          <a:spcPts val="0"/>
-                        </a:spcAft>
-                        <a:buClrTx/>
-                        <a:buSzTx/>
-                        <a:buFontTx/>
-                        <a:buNone/>
-                        <a:tabLst/>
-                        <a:defRPr/>
-                      </a:pPr>
-                      <a:r>
-                        <a:rPr lang="es-ES" dirty="0"/>
-                        <a:t>2.1.1.3</a:t>
-                      </a:r>
-                    </a:p>
-                  </a:txBody>
-                  <a:tcPr/>
-                </a:tc>
-                <a:tc>
-                  <a:txBody>
-                    <a:bodyPr/>
-                    <a:lstStyle/>
-                    <a:p>
-                      <a:pPr marL="0" marR="0" lvl="0" indent="0" algn="l" defTabSz="914400" rtl="0" eaLnBrk="1" fontAlgn="auto" latinLnBrk="0" hangingPunct="1">
-                        <a:lnSpc>
-                          <a:spcPct val="100000"/>
-                        </a:lnSpc>
-                        <a:spcBef>
-                          <a:spcPts val="0"/>
-                        </a:spcBef>
-                        <a:spcAft>
-                          <a:spcPts val="0"/>
-                        </a:spcAft>
-                        <a:buClrTx/>
-                        <a:buSzTx/>
-                        <a:buFontTx/>
-                        <a:buNone/>
-                        <a:tabLst/>
-                        <a:defRPr/>
-                      </a:pPr>
-                      <a:r>
-                        <a:rPr lang="es-ES_tradnl" sz="1800" kern="1200" dirty="0">
-                          <a:solidFill>
-                            <a:schemeClr val="dk1"/>
-                          </a:solidFill>
-                          <a:effectLst/>
-                          <a:latin typeface="+mn-lt"/>
-                          <a:ea typeface="+mn-ea"/>
-                          <a:cs typeface="+mn-cs"/>
-                        </a:rPr>
-                        <a:t>Enunciado del alcance del proyecto</a:t>
-                      </a:r>
-                      <a:endParaRPr lang="es-ES" sz="1800" kern="1200" dirty="0">
-                        <a:solidFill>
-                          <a:schemeClr val="dk1"/>
-                        </a:solidFill>
-                        <a:effectLst/>
-                        <a:latin typeface="+mn-lt"/>
-                        <a:ea typeface="+mn-ea"/>
-                        <a:cs typeface="+mn-cs"/>
-                      </a:endParaRPr>
-                    </a:p>
-                  </a:txBody>
-                  <a:tcPr/>
-                </a:tc>
-                <a:extLst>
-                  <a:ext uri="{0D108BD9-81ED-4DB2-BD59-A6C34878D82A}">
-                    <a16:rowId xmlns:a16="http://schemas.microsoft.com/office/drawing/2014/main" val="1702774734"/>
-                  </a:ext>
-                </a:extLst>
-              </a:tr>
-              <a:tr h="370840">
-                <a:tc>
-                  <a:txBody>
-                    <a:bodyPr/>
-                    <a:lstStyle/>
-                    <a:p>
-                      <a:r>
-                        <a:rPr lang="es-ES" dirty="0"/>
-                        <a:t>2.1.2</a:t>
-                      </a:r>
-                    </a:p>
-                  </a:txBody>
-                  <a:tcPr/>
-                </a:tc>
-                <a:tc>
-                  <a:txBody>
-                    <a:bodyPr/>
-                    <a:lstStyle/>
-                    <a:p>
-                      <a:pPr marL="0" marR="0" lvl="0" indent="0" algn="l" defTabSz="914400" rtl="0" eaLnBrk="1" fontAlgn="auto" latinLnBrk="0" hangingPunct="1">
-                        <a:lnSpc>
-                          <a:spcPct val="100000"/>
-                        </a:lnSpc>
-                        <a:spcBef>
-                          <a:spcPts val="0"/>
-                        </a:spcBef>
-                        <a:spcAft>
-                          <a:spcPts val="0"/>
-                        </a:spcAft>
-                        <a:buClrTx/>
-                        <a:buSzTx/>
-                        <a:buFontTx/>
-                        <a:buNone/>
-                        <a:tabLst/>
-                        <a:defRPr/>
-                      </a:pPr>
-                      <a:r>
-                        <a:rPr lang="es-ES_tradnl" sz="1800" kern="1200" dirty="0">
-                          <a:solidFill>
-                            <a:schemeClr val="dk1"/>
-                          </a:solidFill>
-                          <a:effectLst/>
-                          <a:latin typeface="+mn-lt"/>
-                          <a:ea typeface="+mn-ea"/>
-                          <a:cs typeface="+mn-cs"/>
-                        </a:rPr>
-                        <a:t>WBS</a:t>
-                      </a:r>
-                      <a:endParaRPr lang="es-ES" sz="1800" kern="1200" dirty="0">
-                        <a:solidFill>
-                          <a:schemeClr val="dk1"/>
-                        </a:solidFill>
-                        <a:effectLst/>
-                        <a:latin typeface="+mn-lt"/>
-                        <a:ea typeface="+mn-ea"/>
-                        <a:cs typeface="+mn-cs"/>
-                      </a:endParaRPr>
-                    </a:p>
-                  </a:txBody>
-                  <a:tcPr/>
-                </a:tc>
-                <a:extLst>
-                  <a:ext uri="{0D108BD9-81ED-4DB2-BD59-A6C34878D82A}">
-                    <a16:rowId xmlns:a16="http://schemas.microsoft.com/office/drawing/2014/main" val="288194579"/>
-                  </a:ext>
-                </a:extLst>
-              </a:tr>
-              <a:tr h="370840">
-                <a:tc>
-                  <a:txBody>
-                    <a:bodyPr/>
-                    <a:lstStyle/>
-                    <a:p>
-                      <a:r>
-                        <a:rPr lang="es-ES" dirty="0"/>
-                        <a:t>2.1.3</a:t>
-                      </a:r>
-                    </a:p>
-                  </a:txBody>
-                  <a:tcPr/>
-                </a:tc>
-                <a:tc>
-                  <a:txBody>
-                    <a:bodyPr/>
-                    <a:lstStyle/>
-                    <a:p>
-                      <a:pPr marL="0" marR="0" lvl="0" indent="0" algn="l" defTabSz="914400" rtl="0" eaLnBrk="1" fontAlgn="auto" latinLnBrk="0" hangingPunct="1">
-                        <a:lnSpc>
-                          <a:spcPct val="100000"/>
-                        </a:lnSpc>
-                        <a:spcBef>
-                          <a:spcPts val="0"/>
-                        </a:spcBef>
-                        <a:spcAft>
-                          <a:spcPts val="0"/>
-                        </a:spcAft>
-                        <a:buClrTx/>
-                        <a:buSzTx/>
-                        <a:buFontTx/>
-                        <a:buNone/>
-                        <a:tabLst/>
-                        <a:defRPr/>
-                      </a:pPr>
-                      <a:r>
-                        <a:rPr lang="es-ES_tradnl" sz="1800" kern="1200" dirty="0">
-                          <a:solidFill>
-                            <a:schemeClr val="dk1"/>
-                          </a:solidFill>
-                          <a:effectLst/>
-                          <a:latin typeface="+mn-lt"/>
-                          <a:ea typeface="+mn-ea"/>
-                          <a:cs typeface="+mn-cs"/>
-                        </a:rPr>
-                        <a:t>Diccionario de la WBS</a:t>
-                      </a:r>
-                      <a:endParaRPr lang="es-ES" sz="1800" kern="1200" dirty="0">
-                        <a:solidFill>
-                          <a:schemeClr val="dk1"/>
-                        </a:solidFill>
-                        <a:effectLst/>
-                        <a:latin typeface="+mn-lt"/>
-                        <a:ea typeface="+mn-ea"/>
-                        <a:cs typeface="+mn-cs"/>
-                      </a:endParaRPr>
-                    </a:p>
-                  </a:txBody>
-                  <a:tcPr/>
-                </a:tc>
-                <a:extLst>
-                  <a:ext uri="{0D108BD9-81ED-4DB2-BD59-A6C34878D82A}">
-                    <a16:rowId xmlns:a16="http://schemas.microsoft.com/office/drawing/2014/main" val="1544789819"/>
-                  </a:ext>
-                </a:extLst>
-              </a:tr>
-            </a:tbl>
+          <a:graphicData uri="http://schemas.openxmlformats.org/drawingml/2006/diagram">
+            <dgm:relIds xmlns:dgm="http://schemas.openxmlformats.org/drawingml/2006/diagram" xmlns:r="http://schemas.openxmlformats.org/officeDocument/2006/relationships" r:dm="rId2" r:lo="rId3" r:qs="rId4" r:cs="rId5"/>
           </a:graphicData>
         </a:graphic>
       </p:graphicFrame>
+      <p:pic>
+        <p:nvPicPr>
+          <p:cNvPr id="8" name="Imagen 7">
+            <a:extLst>
+              <a:ext uri="{FF2B5EF4-FFF2-40B4-BE49-F238E27FC236}">
+                <a16:creationId xmlns:a16="http://schemas.microsoft.com/office/drawing/2014/main" id="{C9827DFA-2A41-49F5-94D4-106EA543EE01}"/>
+              </a:ext>
+            </a:extLst>
+          </p:cNvPr>
+          <p:cNvPicPr>
+            <a:picLocks noChangeAspect="1"/>
+          </p:cNvPicPr>
+          <p:nvPr/>
+        </p:nvPicPr>
+        <p:blipFill>
+          <a:blip r:embed="rId7"/>
+          <a:stretch>
+            <a:fillRect/>
+          </a:stretch>
+        </p:blipFill>
+        <p:spPr>
+          <a:xfrm>
+            <a:off x="0" y="5785445"/>
+            <a:ext cx="2502561" cy="1072555"/>
+          </a:xfrm>
+          <a:prstGeom prst="rect">
+            <a:avLst/>
+          </a:prstGeom>
+        </p:spPr>
+      </p:pic>
     </p:spTree>
     <p:extLst>
       <p:ext uri="{BB962C8B-B14F-4D97-AF65-F5344CB8AC3E}">
-        <p14:creationId xmlns:p14="http://schemas.microsoft.com/office/powerpoint/2010/main" val="3917169050"/>
+        <p14:creationId xmlns:p14="http://schemas.microsoft.com/office/powerpoint/2010/main" val="3600410613"/>
       </p:ext>
     </p:extLst>
   </p:cSld>
   <p:clrMapOvr>
     <a:masterClrMapping/>
   </p:clrMapOvr>
+  <p:timing>
+    <p:tnLst>
+      <p:par>
+        <p:cTn id="1" dur="indefinite" restart="never" nodeType="tmRoot">
+          <p:childTnLst>
+            <p:seq concurrent="1" nextAc="seek">
+              <p:cTn id="2" dur="indefinite" nodeType="mainSeq">
+                <p:childTnLst>
+                  <p:par>
+                    <p:cTn id="3" fill="hold">
+                      <p:stCondLst>
+                        <p:cond delay="indefinite"/>
+                        <p:cond evt="onBegin" delay="0">
+                          <p:tn val="2"/>
+                        </p:cond>
+                      </p:stCondLst>
+                      <p:childTnLst>
+                        <p:par>
+                          <p:cTn id="4" fill="hold">
+                            <p:stCondLst>
+                              <p:cond delay="0"/>
+                            </p:stCondLst>
+                            <p:childTnLst>
+                              <p:par>
+                                <p:cTn id="5" presetID="10" presetClass="entr" presetSubtype="0" fill="hold" grpId="0" nodeType="withEffect">
+                                  <p:stCondLst>
+                                    <p:cond delay="0"/>
+                                  </p:stCondLst>
+                                  <p:childTnLst>
+                                    <p:set>
+                                      <p:cBhvr>
+                                        <p:cTn id="6" dur="1" fill="hold">
+                                          <p:stCondLst>
+                                            <p:cond delay="0"/>
+                                          </p:stCondLst>
+                                        </p:cTn>
+                                        <p:tgtEl>
+                                          <p:spTgt spid="6">
+                                            <p:graphicEl>
+                                              <a:dgm id="{1B4294FD-D352-4BDF-A2BB-C3BB43F0C6F4}"/>
+                                            </p:graphicEl>
+                                          </p:spTgt>
+                                        </p:tgtEl>
+                                        <p:attrNameLst>
+                                          <p:attrName>style.visibility</p:attrName>
+                                        </p:attrNameLst>
+                                      </p:cBhvr>
+                                      <p:to>
+                                        <p:strVal val="visible"/>
+                                      </p:to>
+                                    </p:set>
+                                    <p:animEffect transition="in" filter="fade">
+                                      <p:cBhvr>
+                                        <p:cTn id="7" dur="500"/>
+                                        <p:tgtEl>
+                                          <p:spTgt spid="6">
+                                            <p:graphicEl>
+                                              <a:dgm id="{1B4294FD-D352-4BDF-A2BB-C3BB43F0C6F4}"/>
+                                            </p:graphicEl>
+                                          </p:spTgt>
+                                        </p:tgtEl>
+                                      </p:cBhvr>
+                                    </p:animEffect>
+                                  </p:childTnLst>
+                                </p:cTn>
+                              </p:par>
+                            </p:childTnLst>
+                          </p:cTn>
+                        </p:par>
+                      </p:childTnLst>
+                    </p:cTn>
+                  </p:par>
+                  <p:par>
+                    <p:cTn id="8" fill="hold">
+                      <p:stCondLst>
+                        <p:cond delay="indefinite"/>
+                      </p:stCondLst>
+                      <p:childTnLst>
+                        <p:par>
+                          <p:cTn id="9" fill="hold">
+                            <p:stCondLst>
+                              <p:cond delay="0"/>
+                            </p:stCondLst>
+                            <p:childTnLst>
+                              <p:par>
+                                <p:cTn id="10" presetID="10" presetClass="entr" presetSubtype="0" fill="hold" grpId="0" nodeType="clickEffect">
+                                  <p:stCondLst>
+                                    <p:cond delay="0"/>
+                                  </p:stCondLst>
+                                  <p:childTnLst>
+                                    <p:set>
+                                      <p:cBhvr>
+                                        <p:cTn id="11" dur="1" fill="hold">
+                                          <p:stCondLst>
+                                            <p:cond delay="0"/>
+                                          </p:stCondLst>
+                                        </p:cTn>
+                                        <p:tgtEl>
+                                          <p:spTgt spid="6">
+                                            <p:graphicEl>
+                                              <a:dgm id="{63EF5EB6-F4CF-45CE-AAD7-0134F872C692}"/>
+                                            </p:graphicEl>
+                                          </p:spTgt>
+                                        </p:tgtEl>
+                                        <p:attrNameLst>
+                                          <p:attrName>style.visibility</p:attrName>
+                                        </p:attrNameLst>
+                                      </p:cBhvr>
+                                      <p:to>
+                                        <p:strVal val="visible"/>
+                                      </p:to>
+                                    </p:set>
+                                    <p:animEffect transition="in" filter="fade">
+                                      <p:cBhvr>
+                                        <p:cTn id="12" dur="500"/>
+                                        <p:tgtEl>
+                                          <p:spTgt spid="6">
+                                            <p:graphicEl>
+                                              <a:dgm id="{63EF5EB6-F4CF-45CE-AAD7-0134F872C692}"/>
+                                            </p:graphicEl>
+                                          </p:spTgt>
+                                        </p:tgtEl>
+                                      </p:cBhvr>
+                                    </p:animEffect>
+                                  </p:childTnLst>
+                                </p:cTn>
+                              </p:par>
+                              <p:par>
+                                <p:cTn id="13" presetID="10" presetClass="entr" presetSubtype="0" fill="hold" grpId="0" nodeType="withEffect">
+                                  <p:stCondLst>
+                                    <p:cond delay="0"/>
+                                  </p:stCondLst>
+                                  <p:childTnLst>
+                                    <p:set>
+                                      <p:cBhvr>
+                                        <p:cTn id="14" dur="1" fill="hold">
+                                          <p:stCondLst>
+                                            <p:cond delay="0"/>
+                                          </p:stCondLst>
+                                        </p:cTn>
+                                        <p:tgtEl>
+                                          <p:spTgt spid="6">
+                                            <p:graphicEl>
+                                              <a:dgm id="{AE93CF8B-4C19-4F3F-8C77-28AE1615EFFA}"/>
+                                            </p:graphicEl>
+                                          </p:spTgt>
+                                        </p:tgtEl>
+                                        <p:attrNameLst>
+                                          <p:attrName>style.visibility</p:attrName>
+                                        </p:attrNameLst>
+                                      </p:cBhvr>
+                                      <p:to>
+                                        <p:strVal val="visible"/>
+                                      </p:to>
+                                    </p:set>
+                                    <p:animEffect transition="in" filter="fade">
+                                      <p:cBhvr>
+                                        <p:cTn id="15" dur="500"/>
+                                        <p:tgtEl>
+                                          <p:spTgt spid="6">
+                                            <p:graphicEl>
+                                              <a:dgm id="{AE93CF8B-4C19-4F3F-8C77-28AE1615EFFA}"/>
+                                            </p:graphicEl>
+                                          </p:spTgt>
+                                        </p:tgtEl>
+                                      </p:cBhvr>
+                                    </p:animEffect>
+                                  </p:childTnLst>
+                                </p:cTn>
+                              </p:par>
+                              <p:par>
+                                <p:cTn id="16" presetID="10" presetClass="entr" presetSubtype="0" fill="hold" grpId="0" nodeType="withEffect">
+                                  <p:stCondLst>
+                                    <p:cond delay="0"/>
+                                  </p:stCondLst>
+                                  <p:childTnLst>
+                                    <p:set>
+                                      <p:cBhvr>
+                                        <p:cTn id="17" dur="1" fill="hold">
+                                          <p:stCondLst>
+                                            <p:cond delay="0"/>
+                                          </p:stCondLst>
+                                        </p:cTn>
+                                        <p:tgtEl>
+                                          <p:spTgt spid="6">
+                                            <p:graphicEl>
+                                              <a:dgm id="{1782769F-A5D2-4CB1-83A5-4E44C95F8CB2}"/>
+                                            </p:graphicEl>
+                                          </p:spTgt>
+                                        </p:tgtEl>
+                                        <p:attrNameLst>
+                                          <p:attrName>style.visibility</p:attrName>
+                                        </p:attrNameLst>
+                                      </p:cBhvr>
+                                      <p:to>
+                                        <p:strVal val="visible"/>
+                                      </p:to>
+                                    </p:set>
+                                    <p:animEffect transition="in" filter="fade">
+                                      <p:cBhvr>
+                                        <p:cTn id="18" dur="500"/>
+                                        <p:tgtEl>
+                                          <p:spTgt spid="6">
+                                            <p:graphicEl>
+                                              <a:dgm id="{1782769F-A5D2-4CB1-83A5-4E44C95F8CB2}"/>
+                                            </p:graphicEl>
+                                          </p:spTgt>
+                                        </p:tgtEl>
+                                      </p:cBhvr>
+                                    </p:animEffect>
+                                  </p:childTnLst>
+                                </p:cTn>
+                              </p:par>
+                              <p:par>
+                                <p:cTn id="19" presetID="10" presetClass="entr" presetSubtype="0" fill="hold" grpId="0" nodeType="withEffect">
+                                  <p:stCondLst>
+                                    <p:cond delay="0"/>
+                                  </p:stCondLst>
+                                  <p:childTnLst>
+                                    <p:set>
+                                      <p:cBhvr>
+                                        <p:cTn id="20" dur="1" fill="hold">
+                                          <p:stCondLst>
+                                            <p:cond delay="0"/>
+                                          </p:stCondLst>
+                                        </p:cTn>
+                                        <p:tgtEl>
+                                          <p:spTgt spid="6">
+                                            <p:graphicEl>
+                                              <a:dgm id="{EBC94979-D2DD-4645-9794-C7652D0E6C19}"/>
+                                            </p:graphicEl>
+                                          </p:spTgt>
+                                        </p:tgtEl>
+                                        <p:attrNameLst>
+                                          <p:attrName>style.visibility</p:attrName>
+                                        </p:attrNameLst>
+                                      </p:cBhvr>
+                                      <p:to>
+                                        <p:strVal val="visible"/>
+                                      </p:to>
+                                    </p:set>
+                                    <p:animEffect transition="in" filter="fade">
+                                      <p:cBhvr>
+                                        <p:cTn id="21" dur="500"/>
+                                        <p:tgtEl>
+                                          <p:spTgt spid="6">
+                                            <p:graphicEl>
+                                              <a:dgm id="{EBC94979-D2DD-4645-9794-C7652D0E6C19}"/>
+                                            </p:graphicEl>
+                                          </p:spTgt>
+                                        </p:tgtEl>
+                                      </p:cBhvr>
+                                    </p:animEffect>
+                                  </p:childTnLst>
+                                </p:cTn>
+                              </p:par>
+                              <p:par>
+                                <p:cTn id="22" presetID="10" presetClass="entr" presetSubtype="0" fill="hold" grpId="0" nodeType="withEffect">
+                                  <p:stCondLst>
+                                    <p:cond delay="0"/>
+                                  </p:stCondLst>
+                                  <p:childTnLst>
+                                    <p:set>
+                                      <p:cBhvr>
+                                        <p:cTn id="23" dur="1" fill="hold">
+                                          <p:stCondLst>
+                                            <p:cond delay="0"/>
+                                          </p:stCondLst>
+                                        </p:cTn>
+                                        <p:tgtEl>
+                                          <p:spTgt spid="6">
+                                            <p:graphicEl>
+                                              <a:dgm id="{8B7257F5-DCB6-4349-8F5A-F60517DB013E}"/>
+                                            </p:graphicEl>
+                                          </p:spTgt>
+                                        </p:tgtEl>
+                                        <p:attrNameLst>
+                                          <p:attrName>style.visibility</p:attrName>
+                                        </p:attrNameLst>
+                                      </p:cBhvr>
+                                      <p:to>
+                                        <p:strVal val="visible"/>
+                                      </p:to>
+                                    </p:set>
+                                    <p:animEffect transition="in" filter="fade">
+                                      <p:cBhvr>
+                                        <p:cTn id="24" dur="500"/>
+                                        <p:tgtEl>
+                                          <p:spTgt spid="6">
+                                            <p:graphicEl>
+                                              <a:dgm id="{8B7257F5-DCB6-4349-8F5A-F60517DB013E}"/>
+                                            </p:graphicEl>
+                                          </p:spTgt>
+                                        </p:tgtEl>
+                                      </p:cBhvr>
+                                    </p:animEffect>
+                                  </p:childTnLst>
+                                </p:cTn>
+                              </p:par>
+                              <p:par>
+                                <p:cTn id="25" presetID="10" presetClass="entr" presetSubtype="0" fill="hold" grpId="0" nodeType="withEffect">
+                                  <p:stCondLst>
+                                    <p:cond delay="0"/>
+                                  </p:stCondLst>
+                                  <p:childTnLst>
+                                    <p:set>
+                                      <p:cBhvr>
+                                        <p:cTn id="26" dur="1" fill="hold">
+                                          <p:stCondLst>
+                                            <p:cond delay="0"/>
+                                          </p:stCondLst>
+                                        </p:cTn>
+                                        <p:tgtEl>
+                                          <p:spTgt spid="6">
+                                            <p:graphicEl>
+                                              <a:dgm id="{C3F0AF6D-67B2-48DE-8756-565FC93F23E5}"/>
+                                            </p:graphicEl>
+                                          </p:spTgt>
+                                        </p:tgtEl>
+                                        <p:attrNameLst>
+                                          <p:attrName>style.visibility</p:attrName>
+                                        </p:attrNameLst>
+                                      </p:cBhvr>
+                                      <p:to>
+                                        <p:strVal val="visible"/>
+                                      </p:to>
+                                    </p:set>
+                                    <p:animEffect transition="in" filter="fade">
+                                      <p:cBhvr>
+                                        <p:cTn id="27" dur="500"/>
+                                        <p:tgtEl>
+                                          <p:spTgt spid="6">
+                                            <p:graphicEl>
+                                              <a:dgm id="{C3F0AF6D-67B2-48DE-8756-565FC93F23E5}"/>
+                                            </p:graphicEl>
+                                          </p:spTgt>
+                                        </p:tgtEl>
+                                      </p:cBhvr>
+                                    </p:animEffect>
+                                  </p:childTnLst>
+                                </p:cTn>
+                              </p:par>
+                              <p:par>
+                                <p:cTn id="28" presetID="10" presetClass="entr" presetSubtype="0" fill="hold" grpId="0" nodeType="withEffect">
+                                  <p:stCondLst>
+                                    <p:cond delay="0"/>
+                                  </p:stCondLst>
+                                  <p:childTnLst>
+                                    <p:set>
+                                      <p:cBhvr>
+                                        <p:cTn id="29" dur="1" fill="hold">
+                                          <p:stCondLst>
+                                            <p:cond delay="0"/>
+                                          </p:stCondLst>
+                                        </p:cTn>
+                                        <p:tgtEl>
+                                          <p:spTgt spid="6">
+                                            <p:graphicEl>
+                                              <a:dgm id="{89C2AE90-72E3-42C2-8108-3C4E5E4E6C6D}"/>
+                                            </p:graphicEl>
+                                          </p:spTgt>
+                                        </p:tgtEl>
+                                        <p:attrNameLst>
+                                          <p:attrName>style.visibility</p:attrName>
+                                        </p:attrNameLst>
+                                      </p:cBhvr>
+                                      <p:to>
+                                        <p:strVal val="visible"/>
+                                      </p:to>
+                                    </p:set>
+                                    <p:animEffect transition="in" filter="fade">
+                                      <p:cBhvr>
+                                        <p:cTn id="30" dur="500"/>
+                                        <p:tgtEl>
+                                          <p:spTgt spid="6">
+                                            <p:graphicEl>
+                                              <a:dgm id="{89C2AE90-72E3-42C2-8108-3C4E5E4E6C6D}"/>
+                                            </p:graphicEl>
+                                          </p:spTgt>
+                                        </p:tgtEl>
+                                      </p:cBhvr>
+                                    </p:animEffect>
+                                  </p:childTnLst>
+                                </p:cTn>
+                              </p:par>
+                              <p:par>
+                                <p:cTn id="31" presetID="10" presetClass="entr" presetSubtype="0" fill="hold" grpId="0" nodeType="withEffect">
+                                  <p:stCondLst>
+                                    <p:cond delay="0"/>
+                                  </p:stCondLst>
+                                  <p:childTnLst>
+                                    <p:set>
+                                      <p:cBhvr>
+                                        <p:cTn id="32" dur="1" fill="hold">
+                                          <p:stCondLst>
+                                            <p:cond delay="0"/>
+                                          </p:stCondLst>
+                                        </p:cTn>
+                                        <p:tgtEl>
+                                          <p:spTgt spid="6">
+                                            <p:graphicEl>
+                                              <a:dgm id="{8DDE099A-BF3B-4937-8192-05A439C184DC}"/>
+                                            </p:graphicEl>
+                                          </p:spTgt>
+                                        </p:tgtEl>
+                                        <p:attrNameLst>
+                                          <p:attrName>style.visibility</p:attrName>
+                                        </p:attrNameLst>
+                                      </p:cBhvr>
+                                      <p:to>
+                                        <p:strVal val="visible"/>
+                                      </p:to>
+                                    </p:set>
+                                    <p:animEffect transition="in" filter="fade">
+                                      <p:cBhvr>
+                                        <p:cTn id="33" dur="500"/>
+                                        <p:tgtEl>
+                                          <p:spTgt spid="6">
+                                            <p:graphicEl>
+                                              <a:dgm id="{8DDE099A-BF3B-4937-8192-05A439C184DC}"/>
+                                            </p:graphicEl>
+                                          </p:spTgt>
+                                        </p:tgtEl>
+                                      </p:cBhvr>
+                                    </p:animEffect>
+                                  </p:childTnLst>
+                                </p:cTn>
+                              </p:par>
+                              <p:par>
+                                <p:cTn id="34" presetID="10" presetClass="entr" presetSubtype="0" fill="hold" grpId="0" nodeType="withEffect">
+                                  <p:stCondLst>
+                                    <p:cond delay="0"/>
+                                  </p:stCondLst>
+                                  <p:childTnLst>
+                                    <p:set>
+                                      <p:cBhvr>
+                                        <p:cTn id="35" dur="1" fill="hold">
+                                          <p:stCondLst>
+                                            <p:cond delay="0"/>
+                                          </p:stCondLst>
+                                        </p:cTn>
+                                        <p:tgtEl>
+                                          <p:spTgt spid="6">
+                                            <p:graphicEl>
+                                              <a:dgm id="{207BEEAD-C15F-4AC6-BB70-5A868ECF3F8D}"/>
+                                            </p:graphicEl>
+                                          </p:spTgt>
+                                        </p:tgtEl>
+                                        <p:attrNameLst>
+                                          <p:attrName>style.visibility</p:attrName>
+                                        </p:attrNameLst>
+                                      </p:cBhvr>
+                                      <p:to>
+                                        <p:strVal val="visible"/>
+                                      </p:to>
+                                    </p:set>
+                                    <p:animEffect transition="in" filter="fade">
+                                      <p:cBhvr>
+                                        <p:cTn id="36" dur="500"/>
+                                        <p:tgtEl>
+                                          <p:spTgt spid="6">
+                                            <p:graphicEl>
+                                              <a:dgm id="{207BEEAD-C15F-4AC6-BB70-5A868ECF3F8D}"/>
+                                            </p:graphicEl>
+                                          </p:spTgt>
+                                        </p:tgtEl>
+                                      </p:cBhvr>
+                                    </p:animEffect>
+                                  </p:childTnLst>
+                                </p:cTn>
+                              </p:par>
+                              <p:par>
+                                <p:cTn id="37" presetID="10" presetClass="entr" presetSubtype="0" fill="hold" grpId="0" nodeType="withEffect">
+                                  <p:stCondLst>
+                                    <p:cond delay="0"/>
+                                  </p:stCondLst>
+                                  <p:childTnLst>
+                                    <p:set>
+                                      <p:cBhvr>
+                                        <p:cTn id="38" dur="1" fill="hold">
+                                          <p:stCondLst>
+                                            <p:cond delay="0"/>
+                                          </p:stCondLst>
+                                        </p:cTn>
+                                        <p:tgtEl>
+                                          <p:spTgt spid="6">
+                                            <p:graphicEl>
+                                              <a:dgm id="{D7F31C14-D255-4C71-B9F1-5B036C39BEBC}"/>
+                                            </p:graphicEl>
+                                          </p:spTgt>
+                                        </p:tgtEl>
+                                        <p:attrNameLst>
+                                          <p:attrName>style.visibility</p:attrName>
+                                        </p:attrNameLst>
+                                      </p:cBhvr>
+                                      <p:to>
+                                        <p:strVal val="visible"/>
+                                      </p:to>
+                                    </p:set>
+                                    <p:animEffect transition="in" filter="fade">
+                                      <p:cBhvr>
+                                        <p:cTn id="39" dur="500"/>
+                                        <p:tgtEl>
+                                          <p:spTgt spid="6">
+                                            <p:graphicEl>
+                                              <a:dgm id="{D7F31C14-D255-4C71-B9F1-5B036C39BEBC}"/>
+                                            </p:graphicEl>
+                                          </p:spTgt>
+                                        </p:tgtEl>
+                                      </p:cBhvr>
+                                    </p:animEffect>
+                                  </p:childTnLst>
+                                </p:cTn>
+                              </p:par>
+                              <p:par>
+                                <p:cTn id="40" presetID="10" presetClass="entr" presetSubtype="0" fill="hold" grpId="0" nodeType="withEffect">
+                                  <p:stCondLst>
+                                    <p:cond delay="0"/>
+                                  </p:stCondLst>
+                                  <p:childTnLst>
+                                    <p:set>
+                                      <p:cBhvr>
+                                        <p:cTn id="41" dur="1" fill="hold">
+                                          <p:stCondLst>
+                                            <p:cond delay="0"/>
+                                          </p:stCondLst>
+                                        </p:cTn>
+                                        <p:tgtEl>
+                                          <p:spTgt spid="6">
+                                            <p:graphicEl>
+                                              <a:dgm id="{6A072CA9-59FB-4419-BF27-BB2B05A58589}"/>
+                                            </p:graphicEl>
+                                          </p:spTgt>
+                                        </p:tgtEl>
+                                        <p:attrNameLst>
+                                          <p:attrName>style.visibility</p:attrName>
+                                        </p:attrNameLst>
+                                      </p:cBhvr>
+                                      <p:to>
+                                        <p:strVal val="visible"/>
+                                      </p:to>
+                                    </p:set>
+                                    <p:animEffect transition="in" filter="fade">
+                                      <p:cBhvr>
+                                        <p:cTn id="42" dur="500"/>
+                                        <p:tgtEl>
+                                          <p:spTgt spid="6">
+                                            <p:graphicEl>
+                                              <a:dgm id="{6A072CA9-59FB-4419-BF27-BB2B05A58589}"/>
+                                            </p:graphicEl>
+                                          </p:spTgt>
+                                        </p:tgtEl>
+                                      </p:cBhvr>
+                                    </p:animEffect>
+                                  </p:childTnLst>
+                                </p:cTn>
+                              </p:par>
+                              <p:par>
+                                <p:cTn id="43" presetID="10" presetClass="entr" presetSubtype="0" fill="hold" grpId="0" nodeType="withEffect">
+                                  <p:stCondLst>
+                                    <p:cond delay="0"/>
+                                  </p:stCondLst>
+                                  <p:childTnLst>
+                                    <p:set>
+                                      <p:cBhvr>
+                                        <p:cTn id="44" dur="1" fill="hold">
+                                          <p:stCondLst>
+                                            <p:cond delay="0"/>
+                                          </p:stCondLst>
+                                        </p:cTn>
+                                        <p:tgtEl>
+                                          <p:spTgt spid="6">
+                                            <p:graphicEl>
+                                              <a:dgm id="{840146BC-F56D-4696-8EB2-038CBD81FB50}"/>
+                                            </p:graphicEl>
+                                          </p:spTgt>
+                                        </p:tgtEl>
+                                        <p:attrNameLst>
+                                          <p:attrName>style.visibility</p:attrName>
+                                        </p:attrNameLst>
+                                      </p:cBhvr>
+                                      <p:to>
+                                        <p:strVal val="visible"/>
+                                      </p:to>
+                                    </p:set>
+                                    <p:animEffect transition="in" filter="fade">
+                                      <p:cBhvr>
+                                        <p:cTn id="45" dur="500"/>
+                                        <p:tgtEl>
+                                          <p:spTgt spid="6">
+                                            <p:graphicEl>
+                                              <a:dgm id="{840146BC-F56D-4696-8EB2-038CBD81FB50}"/>
+                                            </p:graphicEl>
+                                          </p:spTgt>
+                                        </p:tgtEl>
+                                      </p:cBhvr>
+                                    </p:animEffect>
+                                  </p:childTnLst>
+                                </p:cTn>
+                              </p:par>
+                              <p:par>
+                                <p:cTn id="46" presetID="10" presetClass="entr" presetSubtype="0" fill="hold" grpId="0" nodeType="withEffect">
+                                  <p:stCondLst>
+                                    <p:cond delay="0"/>
+                                  </p:stCondLst>
+                                  <p:childTnLst>
+                                    <p:set>
+                                      <p:cBhvr>
+                                        <p:cTn id="47" dur="1" fill="hold">
+                                          <p:stCondLst>
+                                            <p:cond delay="0"/>
+                                          </p:stCondLst>
+                                        </p:cTn>
+                                        <p:tgtEl>
+                                          <p:spTgt spid="6">
+                                            <p:graphicEl>
+                                              <a:dgm id="{996FCFF4-6702-4D82-A0B2-C801E1EBB798}"/>
+                                            </p:graphicEl>
+                                          </p:spTgt>
+                                        </p:tgtEl>
+                                        <p:attrNameLst>
+                                          <p:attrName>style.visibility</p:attrName>
+                                        </p:attrNameLst>
+                                      </p:cBhvr>
+                                      <p:to>
+                                        <p:strVal val="visible"/>
+                                      </p:to>
+                                    </p:set>
+                                    <p:animEffect transition="in" filter="fade">
+                                      <p:cBhvr>
+                                        <p:cTn id="48" dur="500"/>
+                                        <p:tgtEl>
+                                          <p:spTgt spid="6">
+                                            <p:graphicEl>
+                                              <a:dgm id="{996FCFF4-6702-4D82-A0B2-C801E1EBB798}"/>
+                                            </p:graphicEl>
+                                          </p:spTgt>
+                                        </p:tgtEl>
+                                      </p:cBhvr>
+                                    </p:animEffect>
+                                  </p:childTnLst>
+                                </p:cTn>
+                              </p:par>
+                              <p:par>
+                                <p:cTn id="49" presetID="10" presetClass="entr" presetSubtype="0" fill="hold" grpId="0" nodeType="withEffect">
+                                  <p:stCondLst>
+                                    <p:cond delay="0"/>
+                                  </p:stCondLst>
+                                  <p:childTnLst>
+                                    <p:set>
+                                      <p:cBhvr>
+                                        <p:cTn id="50" dur="1" fill="hold">
+                                          <p:stCondLst>
+                                            <p:cond delay="0"/>
+                                          </p:stCondLst>
+                                        </p:cTn>
+                                        <p:tgtEl>
+                                          <p:spTgt spid="6">
+                                            <p:graphicEl>
+                                              <a:dgm id="{D6025D74-37CA-4AF2-AF75-DA6499BD9EE0}"/>
+                                            </p:graphicEl>
+                                          </p:spTgt>
+                                        </p:tgtEl>
+                                        <p:attrNameLst>
+                                          <p:attrName>style.visibility</p:attrName>
+                                        </p:attrNameLst>
+                                      </p:cBhvr>
+                                      <p:to>
+                                        <p:strVal val="visible"/>
+                                      </p:to>
+                                    </p:set>
+                                    <p:animEffect transition="in" filter="fade">
+                                      <p:cBhvr>
+                                        <p:cTn id="51" dur="500"/>
+                                        <p:tgtEl>
+                                          <p:spTgt spid="6">
+                                            <p:graphicEl>
+                                              <a:dgm id="{D6025D74-37CA-4AF2-AF75-DA6499BD9EE0}"/>
+                                            </p:graphicEl>
+                                          </p:spTgt>
+                                        </p:tgtEl>
+                                      </p:cBhvr>
+                                    </p:animEffect>
+                                  </p:childTnLst>
+                                </p:cTn>
+                              </p:par>
+                            </p:childTnLst>
+                          </p:cTn>
+                        </p:par>
+                      </p:childTnLst>
+                    </p:cTn>
+                  </p:par>
+                </p:childTnLst>
+              </p:cTn>
+              <p:prevCondLst>
+                <p:cond evt="onPrev" delay="0">
+                  <p:tgtEl>
+                    <p:sldTgt/>
+                  </p:tgtEl>
+                </p:cond>
+              </p:prevCondLst>
+              <p:nextCondLst>
+                <p:cond evt="onNext" delay="0">
+                  <p:tgtEl>
+                    <p:sldTgt/>
+                  </p:tgtEl>
+                </p:cond>
+              </p:nextCondLst>
+            </p:seq>
+          </p:childTnLst>
+        </p:cTn>
+      </p:par>
+    </p:tnLst>
+    <p:bldLst>
+      <p:bldGraphic spid="6" grpId="0" uiExpand="1">
+        <p:bldSub>
+          <a:bldDgm bld="lvlAtOnce"/>
+        </p:bldSub>
+      </p:bldGraphic>
+    </p:bldLst>
+  </p:timing>
 </p:sld>
 </file>
 
@@ -47314,36 +44930,6 @@
           <a:chExt cx="0" cy="0"/>
         </a:xfrm>
       </p:grpSpPr>
-      <p:pic>
-        <p:nvPicPr>
-          <p:cNvPr id="5" name="Imagen 4">
-            <a:extLst>
-              <a:ext uri="{FF2B5EF4-FFF2-40B4-BE49-F238E27FC236}">
-                <a16:creationId xmlns:a16="http://schemas.microsoft.com/office/drawing/2014/main" id="{9B58E3A9-9CF7-2B43-BD67-E92B3F5FEFF0}"/>
-              </a:ext>
-            </a:extLst>
-          </p:cNvPr>
-          <p:cNvPicPr>
-            <a:picLocks noChangeAspect="1"/>
-          </p:cNvPicPr>
-          <p:nvPr/>
-        </p:nvPicPr>
-        <p:blipFill>
-          <a:blip r:embed="rId2"/>
-          <a:stretch>
-            <a:fillRect/>
-          </a:stretch>
-        </p:blipFill>
-        <p:spPr>
-          <a:xfrm>
-            <a:off x="0" y="5785445"/>
-            <a:ext cx="2502561" cy="1072555"/>
-          </a:xfrm>
-          <a:prstGeom prst="rect">
-            <a:avLst/>
-          </a:prstGeom>
-        </p:spPr>
-      </p:pic>
       <p:sp>
         <p:nvSpPr>
           <p:cNvPr id="2" name="Título 1">
@@ -47362,8 +44948,8 @@
         </p:nvSpPr>
         <p:spPr>
           <a:xfrm>
-            <a:off x="2391508" y="567095"/>
-            <a:ext cx="9272505" cy="1293028"/>
+            <a:off x="3053413" y="374594"/>
+            <a:ext cx="8610600" cy="1293028"/>
           </a:xfrm>
         </p:spPr>
         <p:txBody>
@@ -47372,7 +44958,7 @@
           <a:p>
             <a:r>
               <a:rPr lang="es-ES" dirty="0"/>
-              <a:t>SECUENCIACIÓN DE LAS ACTIVIDADES</a:t>
+              <a:t>RECURSOS HUMANOS</a:t>
             </a:r>
           </a:p>
         </p:txBody>
@@ -47406,12 +44992,42 @@
           </a:p>
         </p:txBody>
       </p:sp>
+      <p:pic>
+        <p:nvPicPr>
+          <p:cNvPr id="8" name="Imagen 7">
+            <a:extLst>
+              <a:ext uri="{FF2B5EF4-FFF2-40B4-BE49-F238E27FC236}">
+                <a16:creationId xmlns:a16="http://schemas.microsoft.com/office/drawing/2014/main" id="{C9827DFA-2A41-49F5-94D4-106EA543EE01}"/>
+              </a:ext>
+            </a:extLst>
+          </p:cNvPr>
+          <p:cNvPicPr>
+            <a:picLocks noChangeAspect="1"/>
+          </p:cNvPicPr>
+          <p:nvPr/>
+        </p:nvPicPr>
+        <p:blipFill>
+          <a:blip r:embed="rId2"/>
+          <a:stretch>
+            <a:fillRect/>
+          </a:stretch>
+        </p:blipFill>
+        <p:spPr>
+          <a:xfrm>
+            <a:off x="0" y="5785445"/>
+            <a:ext cx="2502561" cy="1072555"/>
+          </a:xfrm>
+          <a:prstGeom prst="rect">
+            <a:avLst/>
+          </a:prstGeom>
+        </p:spPr>
+      </p:pic>
       <p:graphicFrame>
         <p:nvGraphicFramePr>
-          <p:cNvPr id="4" name="Tabla 3">
+          <p:cNvPr id="7" name="Tabla 6">
             <a:extLst>
               <a:ext uri="{FF2B5EF4-FFF2-40B4-BE49-F238E27FC236}">
-                <a16:creationId xmlns:a16="http://schemas.microsoft.com/office/drawing/2014/main" id="{FA3DB48F-EE45-45E0-A0EF-0648D668981F}"/>
+                <a16:creationId xmlns:a16="http://schemas.microsoft.com/office/drawing/2014/main" id="{A17A4AC2-2340-4E94-A562-97BD1C59AAB0}"/>
               </a:ext>
             </a:extLst>
           </p:cNvPr>
@@ -47421,529 +45037,641 @@
           <p:nvPr>
             <p:extLst>
               <p:ext uri="{D42A27DB-BD31-4B8C-83A1-F6EECF244321}">
-                <p14:modId xmlns:p14="http://schemas.microsoft.com/office/powerpoint/2010/main" val="3791211816"/>
+                <p14:modId xmlns:p14="http://schemas.microsoft.com/office/powerpoint/2010/main" val="1202671577"/>
               </p:ext>
             </p:extLst>
           </p:nvPr>
         </p:nvGraphicFramePr>
         <p:xfrm>
-          <a:off x="2938193" y="1822218"/>
-          <a:ext cx="6315613" cy="4145280"/>
+          <a:off x="1629191" y="1519282"/>
+          <a:ext cx="9877009" cy="4601659"/>
         </p:xfrm>
         <a:graphic>
           <a:graphicData uri="http://schemas.openxmlformats.org/drawingml/2006/table">
             <a:tbl>
-              <a:tblPr firstRow="1" bandRow="1">
+              <a:tblPr firstRow="1" firstCol="1" bandRow="1">
                 <a:tableStyleId>{5C22544A-7EE6-4342-B048-85BDC9FD1C3A}</a:tableStyleId>
               </a:tblPr>
               <a:tblGrid>
-                <a:gridCol w="953110">
+                <a:gridCol w="2435201">
                   <a:extLst>
                     <a:ext uri="{9D8B030D-6E8A-4147-A177-3AD203B41FA5}">
-                      <a16:colId xmlns:a16="http://schemas.microsoft.com/office/drawing/2014/main" val="560331260"/>
+                      <a16:colId xmlns:a16="http://schemas.microsoft.com/office/drawing/2014/main" val="657297924"/>
                     </a:ext>
                   </a:extLst>
                 </a:gridCol>
-                <a:gridCol w="5362503">
+                <a:gridCol w="2926080">
                   <a:extLst>
                     <a:ext uri="{9D8B030D-6E8A-4147-A177-3AD203B41FA5}">
-                      <a16:colId xmlns:a16="http://schemas.microsoft.com/office/drawing/2014/main" val="441372681"/>
+                      <a16:colId xmlns:a16="http://schemas.microsoft.com/office/drawing/2014/main" val="124372688"/>
+                    </a:ext>
+                  </a:extLst>
+                </a:gridCol>
+                <a:gridCol w="4515728">
+                  <a:extLst>
+                    <a:ext uri="{9D8B030D-6E8A-4147-A177-3AD203B41FA5}">
+                      <a16:colId xmlns:a16="http://schemas.microsoft.com/office/drawing/2014/main" val="1193000224"/>
                     </a:ext>
                   </a:extLst>
                 </a:gridCol>
               </a:tblGrid>
-              <a:tr h="370840">
+              <a:tr h="395029">
                 <a:tc>
                   <a:txBody>
                     <a:bodyPr/>
                     <a:lstStyle/>
                     <a:p>
+                      <a:pPr marL="457200" algn="ctr">
+                        <a:lnSpc>
+                          <a:spcPct val="107000"/>
+                        </a:lnSpc>
+                        <a:spcAft>
+                          <a:spcPts val="0"/>
+                        </a:spcAft>
+                      </a:pPr>
                       <a:r>
-                        <a:rPr lang="es-ES" dirty="0"/>
-                        <a:t>ID</a:t>
+                        <a:rPr lang="es-ES_tradnl" sz="1600" dirty="0">
+                          <a:effectLst/>
+                        </a:rPr>
+                        <a:t>Apellidos, Nombre</a:t>
                       </a:r>
+                      <a:endParaRPr lang="es-ES" sz="1600" dirty="0">
+                        <a:effectLst/>
+                        <a:latin typeface="Calibri" panose="020F0502020204030204" pitchFamily="34" charset="0"/>
+                        <a:ea typeface="Calibri" panose="020F0502020204030204" pitchFamily="34" charset="0"/>
+                        <a:cs typeface="Times New Roman" panose="02020603050405020304" pitchFamily="18" charset="0"/>
+                      </a:endParaRPr>
                     </a:p>
                   </a:txBody>
-                  <a:tcPr/>
+                  <a:tcPr marL="36299" marR="36299" marT="0" marB="0" anchor="ctr"/>
                 </a:tc>
                 <a:tc>
                   <a:txBody>
                     <a:bodyPr/>
                     <a:lstStyle/>
                     <a:p>
+                      <a:pPr marL="457200" algn="ctr">
+                        <a:lnSpc>
+                          <a:spcPct val="107000"/>
+                        </a:lnSpc>
+                        <a:spcAft>
+                          <a:spcPts val="0"/>
+                        </a:spcAft>
+                      </a:pPr>
                       <a:r>
-                        <a:rPr lang="es-ES"/>
-                        <a:t>TAREA</a:t>
+                        <a:rPr lang="es-ES_tradnl" sz="1600" dirty="0">
+                          <a:effectLst/>
+                        </a:rPr>
+                        <a:t>Cargo</a:t>
                       </a:r>
-                      <a:endParaRPr lang="es-ES" dirty="0"/>
+                      <a:endParaRPr lang="es-ES" sz="1600" dirty="0">
+                        <a:effectLst/>
+                        <a:latin typeface="Calibri" panose="020F0502020204030204" pitchFamily="34" charset="0"/>
+                        <a:ea typeface="Calibri" panose="020F0502020204030204" pitchFamily="34" charset="0"/>
+                        <a:cs typeface="Times New Roman" panose="02020603050405020304" pitchFamily="18" charset="0"/>
+                      </a:endParaRPr>
                     </a:p>
                   </a:txBody>
-                  <a:tcPr/>
-                </a:tc>
-                <a:extLst>
-                  <a:ext uri="{0D108BD9-81ED-4DB2-BD59-A6C34878D82A}">
-                    <a16:rowId xmlns:a16="http://schemas.microsoft.com/office/drawing/2014/main" val="3913968372"/>
-                  </a:ext>
-                </a:extLst>
-              </a:tr>
-              <a:tr h="370840">
-                <a:tc>
-                  <a:txBody>
-                    <a:bodyPr/>
-                    <a:lstStyle/>
-                    <a:p>
-                      <a:r>
-                        <a:rPr lang="es-ES" b="1" dirty="0"/>
-                        <a:t>2.2</a:t>
-                      </a:r>
-                    </a:p>
-                  </a:txBody>
-                  <a:tcPr/>
+                  <a:tcPr marL="36299" marR="36299" marT="0" marB="0" anchor="ctr"/>
                 </a:tc>
                 <a:tc>
                   <a:txBody>
                     <a:bodyPr/>
                     <a:lstStyle/>
                     <a:p>
+                      <a:pPr marL="457200" algn="ctr">
+                        <a:lnSpc>
+                          <a:spcPct val="107000"/>
+                        </a:lnSpc>
+                        <a:spcAft>
+                          <a:spcPts val="0"/>
+                        </a:spcAft>
+                      </a:pPr>
                       <a:r>
-                        <a:rPr lang="es-ES_tradnl" sz="1800" b="1" kern="1200" dirty="0">
-                          <a:solidFill>
-                            <a:schemeClr val="dk1"/>
-                          </a:solidFill>
+                        <a:rPr lang="es-ES_tradnl" sz="1600" dirty="0">
                           <a:effectLst/>
-                          <a:latin typeface="+mn-lt"/>
-                          <a:ea typeface="+mn-ea"/>
-                          <a:cs typeface="+mn-cs"/>
                         </a:rPr>
-                        <a:t>Contexto y Riesgos</a:t>
+                        <a:t>Email de contacto</a:t>
                       </a:r>
-                      <a:endParaRPr lang="es-ES" b="1" dirty="0"/>
+                      <a:endParaRPr lang="es-ES" sz="1600" dirty="0">
+                        <a:effectLst/>
+                        <a:latin typeface="Calibri" panose="020F0502020204030204" pitchFamily="34" charset="0"/>
+                        <a:ea typeface="Calibri" panose="020F0502020204030204" pitchFamily="34" charset="0"/>
+                        <a:cs typeface="Times New Roman" panose="02020603050405020304" pitchFamily="18" charset="0"/>
+                      </a:endParaRPr>
                     </a:p>
                   </a:txBody>
-                  <a:tcPr/>
+                  <a:tcPr marL="36299" marR="36299" marT="0" marB="0" anchor="ctr"/>
                 </a:tc>
                 <a:extLst>
                   <a:ext uri="{0D108BD9-81ED-4DB2-BD59-A6C34878D82A}">
-                    <a16:rowId xmlns:a16="http://schemas.microsoft.com/office/drawing/2014/main" val="1095583253"/>
+                    <a16:rowId xmlns:a16="http://schemas.microsoft.com/office/drawing/2014/main" val="3014679692"/>
                   </a:ext>
                 </a:extLst>
               </a:tr>
-              <a:tr h="370840">
+              <a:tr h="800767">
                 <a:tc>
                   <a:txBody>
                     <a:bodyPr/>
                     <a:lstStyle/>
                     <a:p>
+                      <a:pPr marL="457200" algn="ctr">
+                        <a:lnSpc>
+                          <a:spcPct val="107000"/>
+                        </a:lnSpc>
+                        <a:spcAft>
+                          <a:spcPts val="0"/>
+                        </a:spcAft>
+                      </a:pPr>
                       <a:r>
-                        <a:rPr lang="es-ES" b="0" dirty="0"/>
-                        <a:t>2.2.1</a:t>
+                        <a:rPr lang="es-ES_tradnl" sz="1600" dirty="0" err="1">
+                          <a:effectLst/>
+                        </a:rPr>
+                        <a:t>Nicusor</a:t>
                       </a:r>
+                      <a:r>
+                        <a:rPr lang="es-ES_tradnl" sz="1600" dirty="0">
+                          <a:effectLst/>
+                        </a:rPr>
+                        <a:t> </a:t>
+                      </a:r>
+                      <a:r>
+                        <a:rPr lang="es-ES_tradnl" sz="1600" dirty="0" err="1">
+                          <a:effectLst/>
+                        </a:rPr>
+                        <a:t>Constantin</a:t>
+                      </a:r>
+                      <a:r>
+                        <a:rPr lang="es-ES_tradnl" sz="1600" dirty="0">
+                          <a:effectLst/>
+                        </a:rPr>
+                        <a:t>, </a:t>
+                      </a:r>
+                      <a:r>
+                        <a:rPr lang="es-ES_tradnl" sz="1600" dirty="0" err="1">
+                          <a:effectLst/>
+                        </a:rPr>
+                        <a:t>Boby</a:t>
+                      </a:r>
+                      <a:endParaRPr lang="es-ES" sz="1600" dirty="0">
+                        <a:effectLst/>
+                        <a:latin typeface="Calibri" panose="020F0502020204030204" pitchFamily="34" charset="0"/>
+                        <a:ea typeface="Calibri" panose="020F0502020204030204" pitchFamily="34" charset="0"/>
+                        <a:cs typeface="Times New Roman" panose="02020603050405020304" pitchFamily="18" charset="0"/>
+                      </a:endParaRPr>
                     </a:p>
                   </a:txBody>
-                  <a:tcPr/>
+                  <a:tcPr marL="36299" marR="36299" marT="0" marB="0" anchor="ctr"/>
                 </a:tc>
                 <a:tc>
                   <a:txBody>
                     <a:bodyPr/>
                     <a:lstStyle/>
                     <a:p>
-                      <a:pPr marL="0" marR="0" lvl="0" indent="0" algn="l" defTabSz="914400" rtl="0" eaLnBrk="1" fontAlgn="auto" latinLnBrk="0" hangingPunct="1">
+                      <a:pPr marL="457200" algn="ctr">
                         <a:lnSpc>
-                          <a:spcPct val="100000"/>
+                          <a:spcPct val="107000"/>
                         </a:lnSpc>
-                        <a:spcBef>
-                          <a:spcPts val="0"/>
-                        </a:spcBef>
                         <a:spcAft>
                           <a:spcPts val="0"/>
                         </a:spcAft>
-                        <a:buClrTx/>
-                        <a:buSzTx/>
-                        <a:buFontTx/>
-                        <a:buNone/>
-                        <a:tabLst/>
-                        <a:defRPr/>
                       </a:pPr>
                       <a:r>
-                        <a:rPr lang="es-ES_tradnl" sz="1800" kern="1200" dirty="0">
-                          <a:solidFill>
-                            <a:schemeClr val="dk1"/>
-                          </a:solidFill>
+                        <a:rPr lang="es-ES_tradnl" sz="1600" dirty="0">
                           <a:effectLst/>
-                          <a:latin typeface="+mn-lt"/>
-                          <a:ea typeface="+mn-ea"/>
-                          <a:cs typeface="+mn-cs"/>
                         </a:rPr>
-                        <a:t>Reunión con asesores sobre riesgos iniciales</a:t>
+                        <a:t>Director de proyecto</a:t>
                       </a:r>
-                      <a:endParaRPr lang="es-ES" sz="1800" b="1" kern="1200" dirty="0">
-                        <a:solidFill>
-                          <a:schemeClr val="dk1"/>
-                        </a:solidFill>
+                      <a:endParaRPr lang="es-ES" sz="1600" dirty="0">
                         <a:effectLst/>
-                        <a:latin typeface="+mn-lt"/>
-                        <a:ea typeface="+mn-ea"/>
-                        <a:cs typeface="+mn-cs"/>
+                        <a:latin typeface="Calibri" panose="020F0502020204030204" pitchFamily="34" charset="0"/>
+                        <a:ea typeface="Calibri" panose="020F0502020204030204" pitchFamily="34" charset="0"/>
+                        <a:cs typeface="Times New Roman" panose="02020603050405020304" pitchFamily="18" charset="0"/>
                       </a:endParaRPr>
                     </a:p>
                   </a:txBody>
-                  <a:tcPr/>
-                </a:tc>
-                <a:extLst>
-                  <a:ext uri="{0D108BD9-81ED-4DB2-BD59-A6C34878D82A}">
-                    <a16:rowId xmlns:a16="http://schemas.microsoft.com/office/drawing/2014/main" val="1321591464"/>
-                  </a:ext>
-                </a:extLst>
-              </a:tr>
-              <a:tr h="370840">
-                <a:tc>
-                  <a:txBody>
-                    <a:bodyPr/>
-                    <a:lstStyle/>
-                    <a:p>
-                      <a:r>
-                        <a:rPr lang="es-ES" dirty="0"/>
-                        <a:t>2.2.2</a:t>
-                      </a:r>
-                    </a:p>
-                  </a:txBody>
-                  <a:tcPr/>
+                  <a:tcPr marL="36299" marR="36299" marT="0" marB="0" anchor="ctr"/>
                 </a:tc>
                 <a:tc>
                   <a:txBody>
                     <a:bodyPr/>
                     <a:lstStyle/>
                     <a:p>
-                      <a:pPr marL="0" marR="0" lvl="0" indent="0" algn="l" defTabSz="914400" rtl="0" eaLnBrk="1" fontAlgn="auto" latinLnBrk="0" hangingPunct="1">
+                      <a:pPr marL="457200" algn="ctr">
                         <a:lnSpc>
-                          <a:spcPct val="100000"/>
+                          <a:spcPct val="107000"/>
                         </a:lnSpc>
-                        <a:spcBef>
-                          <a:spcPts val="0"/>
-                        </a:spcBef>
                         <a:spcAft>
                           <a:spcPts val="0"/>
                         </a:spcAft>
-                        <a:buClrTx/>
-                        <a:buSzTx/>
-                        <a:buFontTx/>
-                        <a:buNone/>
-                        <a:tabLst/>
-                        <a:defRPr/>
                       </a:pPr>
                       <a:r>
-                        <a:rPr lang="es-ES_tradnl" sz="1800" kern="1200" dirty="0">
-                          <a:solidFill>
-                            <a:schemeClr val="dk1"/>
-                          </a:solidFill>
+                        <a:rPr lang="es-ES_tradnl" sz="1600" dirty="0">
                           <a:effectLst/>
-                          <a:latin typeface="+mn-lt"/>
-                          <a:ea typeface="+mn-ea"/>
-                          <a:cs typeface="+mn-cs"/>
                         </a:rPr>
-                        <a:t>Reunión para establecer el contexto, necesidades y factores ambientales</a:t>
+                        <a:t>Boby.Nicusor@sambasolutions.com</a:t>
                       </a:r>
-                      <a:endParaRPr lang="es-ES" sz="1800" kern="1200" dirty="0">
-                        <a:solidFill>
-                          <a:schemeClr val="dk1"/>
-                        </a:solidFill>
+                      <a:endParaRPr lang="es-ES" sz="1600" dirty="0">
                         <a:effectLst/>
-                        <a:latin typeface="+mn-lt"/>
-                        <a:ea typeface="+mn-ea"/>
-                        <a:cs typeface="+mn-cs"/>
+                        <a:latin typeface="Calibri" panose="020F0502020204030204" pitchFamily="34" charset="0"/>
+                        <a:ea typeface="Calibri" panose="020F0502020204030204" pitchFamily="34" charset="0"/>
+                        <a:cs typeface="Times New Roman" panose="02020603050405020304" pitchFamily="18" charset="0"/>
                       </a:endParaRPr>
                     </a:p>
                   </a:txBody>
-                  <a:tcPr/>
+                  <a:tcPr marL="36299" marR="36299" marT="0" marB="0" anchor="ctr"/>
                 </a:tc>
                 <a:extLst>
                   <a:ext uri="{0D108BD9-81ED-4DB2-BD59-A6C34878D82A}">
-                    <a16:rowId xmlns:a16="http://schemas.microsoft.com/office/drawing/2014/main" val="3162623735"/>
+                    <a16:rowId xmlns:a16="http://schemas.microsoft.com/office/drawing/2014/main" val="1892648321"/>
                   </a:ext>
                 </a:extLst>
               </a:tr>
-              <a:tr h="370840">
+              <a:tr h="1003562">
                 <a:tc>
                   <a:txBody>
                     <a:bodyPr/>
                     <a:lstStyle/>
                     <a:p>
+                      <a:pPr marL="457200" algn="ctr">
+                        <a:lnSpc>
+                          <a:spcPct val="107000"/>
+                        </a:lnSpc>
+                        <a:spcAft>
+                          <a:spcPts val="0"/>
+                        </a:spcAft>
+                      </a:pPr>
                       <a:r>
-                        <a:rPr lang="es-ES" b="1" dirty="0"/>
-                        <a:t>2.3</a:t>
+                        <a:rPr lang="es-ES_tradnl" sz="1600" dirty="0">
+                          <a:effectLst/>
+                        </a:rPr>
+                        <a:t>Benito Ortiz, Mari Cortes</a:t>
                       </a:r>
+                      <a:endParaRPr lang="es-ES" sz="1600" dirty="0">
+                        <a:effectLst/>
+                        <a:latin typeface="Calibri" panose="020F0502020204030204" pitchFamily="34" charset="0"/>
+                        <a:ea typeface="Calibri" panose="020F0502020204030204" pitchFamily="34" charset="0"/>
+                        <a:cs typeface="Times New Roman" panose="02020603050405020304" pitchFamily="18" charset="0"/>
+                      </a:endParaRPr>
                     </a:p>
                   </a:txBody>
-                  <a:tcPr/>
+                  <a:tcPr marL="36299" marR="36299" marT="0" marB="0" anchor="ctr"/>
                 </a:tc>
                 <a:tc>
                   <a:txBody>
                     <a:bodyPr/>
                     <a:lstStyle/>
                     <a:p>
-                      <a:pPr marL="0" marR="0" lvl="0" indent="0" algn="l" defTabSz="914400" rtl="0" eaLnBrk="1" fontAlgn="auto" latinLnBrk="0" hangingPunct="1">
+                      <a:pPr marL="457200" algn="ctr">
                         <a:lnSpc>
-                          <a:spcPct val="100000"/>
+                          <a:spcPct val="107000"/>
                         </a:lnSpc>
-                        <a:spcBef>
-                          <a:spcPts val="0"/>
-                        </a:spcBef>
                         <a:spcAft>
                           <a:spcPts val="0"/>
                         </a:spcAft>
-                        <a:buClrTx/>
-                        <a:buSzTx/>
-                        <a:buFontTx/>
-                        <a:buNone/>
-                        <a:tabLst/>
-                        <a:defRPr/>
                       </a:pPr>
                       <a:r>
-                        <a:rPr lang="es-ES_tradnl" sz="1800" b="1" kern="1200" dirty="0">
-                          <a:solidFill>
-                            <a:schemeClr val="dk1"/>
-                          </a:solidFill>
+                        <a:rPr lang="es-ES_tradnl" sz="1600" dirty="0">
                           <a:effectLst/>
-                          <a:latin typeface="+mn-lt"/>
-                          <a:ea typeface="+mn-ea"/>
-                          <a:cs typeface="+mn-cs"/>
                         </a:rPr>
-                        <a:t>Identificación de todos los interesados involucrados en el proyecto</a:t>
+                        <a:t>Gestor funcional de </a:t>
                       </a:r>
-                      <a:endParaRPr lang="es-ES" sz="1800" b="1" kern="1200" dirty="0">
-                        <a:solidFill>
-                          <a:schemeClr val="dk1"/>
-                        </a:solidFill>
+                      <a:r>
+                        <a:rPr lang="es-ES_tradnl" sz="1600" dirty="0" err="1">
+                          <a:effectLst/>
+                        </a:rPr>
+                        <a:t>Márketing</a:t>
+                      </a:r>
+                      <a:r>
+                        <a:rPr lang="es-ES_tradnl" sz="1600" dirty="0">
+                          <a:effectLst/>
+                        </a:rPr>
+                        <a:t> y Ventas</a:t>
+                      </a:r>
+                      <a:endParaRPr lang="es-ES" sz="1600" dirty="0">
                         <a:effectLst/>
-                        <a:latin typeface="+mn-lt"/>
-                        <a:ea typeface="+mn-ea"/>
-                        <a:cs typeface="+mn-cs"/>
+                        <a:latin typeface="Calibri" panose="020F0502020204030204" pitchFamily="34" charset="0"/>
+                        <a:ea typeface="Calibri" panose="020F0502020204030204" pitchFamily="34" charset="0"/>
+                        <a:cs typeface="Times New Roman" panose="02020603050405020304" pitchFamily="18" charset="0"/>
                       </a:endParaRPr>
                     </a:p>
                   </a:txBody>
-                  <a:tcPr/>
-                </a:tc>
-                <a:extLst>
-                  <a:ext uri="{0D108BD9-81ED-4DB2-BD59-A6C34878D82A}">
-                    <a16:rowId xmlns:a16="http://schemas.microsoft.com/office/drawing/2014/main" val="3048751394"/>
-                  </a:ext>
-                </a:extLst>
-              </a:tr>
-              <a:tr h="370840">
-                <a:tc>
-                  <a:txBody>
-                    <a:bodyPr/>
-                    <a:lstStyle/>
-                    <a:p>
-                      <a:r>
-                        <a:rPr lang="es-ES" dirty="0"/>
-                        <a:t>2.3.1</a:t>
-                      </a:r>
-                    </a:p>
-                  </a:txBody>
-                  <a:tcPr/>
+                  <a:tcPr marL="36299" marR="36299" marT="0" marB="0" anchor="ctr"/>
                 </a:tc>
                 <a:tc>
                   <a:txBody>
                     <a:bodyPr/>
                     <a:lstStyle/>
                     <a:p>
+                      <a:pPr marL="457200" algn="ctr">
+                        <a:lnSpc>
+                          <a:spcPct val="107000"/>
+                        </a:lnSpc>
+                        <a:spcAft>
+                          <a:spcPts val="0"/>
+                        </a:spcAft>
+                      </a:pPr>
                       <a:r>
-                        <a:rPr lang="es-ES_tradnl" sz="1800" kern="1200" dirty="0">
-                          <a:solidFill>
-                            <a:schemeClr val="dk1"/>
-                          </a:solidFill>
+                        <a:rPr lang="es-ES_tradnl" sz="1600" dirty="0">
                           <a:effectLst/>
-                          <a:latin typeface="+mn-lt"/>
-                          <a:ea typeface="+mn-ea"/>
-                          <a:cs typeface="+mn-cs"/>
                         </a:rPr>
-                        <a:t>Inicio y elaboración del registro de interesados</a:t>
+                        <a:t>MariC.Benito@sambasolutions.com</a:t>
                       </a:r>
-                      <a:endParaRPr lang="es-ES" dirty="0"/>
+                      <a:endParaRPr lang="es-ES" sz="1600" dirty="0">
+                        <a:effectLst/>
+                        <a:latin typeface="Calibri" panose="020F0502020204030204" pitchFamily="34" charset="0"/>
+                        <a:ea typeface="Calibri" panose="020F0502020204030204" pitchFamily="34" charset="0"/>
+                        <a:cs typeface="Times New Roman" panose="02020603050405020304" pitchFamily="18" charset="0"/>
+                      </a:endParaRPr>
                     </a:p>
                   </a:txBody>
-                  <a:tcPr/>
+                  <a:tcPr marL="36299" marR="36299" marT="0" marB="0" anchor="ctr"/>
                 </a:tc>
                 <a:extLst>
                   <a:ext uri="{0D108BD9-81ED-4DB2-BD59-A6C34878D82A}">
-                    <a16:rowId xmlns:a16="http://schemas.microsoft.com/office/drawing/2014/main" val="2018730372"/>
+                    <a16:rowId xmlns:a16="http://schemas.microsoft.com/office/drawing/2014/main" val="2127157367"/>
                   </a:ext>
                 </a:extLst>
               </a:tr>
-              <a:tr h="370840">
+              <a:tr h="800767">
                 <a:tc>
                   <a:txBody>
                     <a:bodyPr/>
                     <a:lstStyle/>
                     <a:p>
+                      <a:pPr marL="457200" algn="ctr">
+                        <a:lnSpc>
+                          <a:spcPct val="107000"/>
+                        </a:lnSpc>
+                        <a:spcAft>
+                          <a:spcPts val="0"/>
+                        </a:spcAft>
+                      </a:pPr>
                       <a:r>
-                        <a:rPr lang="es-ES" b="1" dirty="0"/>
-                        <a:t>3.1</a:t>
+                        <a:rPr lang="es-ES_tradnl" sz="1600">
+                          <a:effectLst/>
+                        </a:rPr>
+                        <a:t>Gallego Sánchez, Adrián</a:t>
                       </a:r>
+                      <a:endParaRPr lang="es-ES" sz="1600">
+                        <a:effectLst/>
+                        <a:latin typeface="Calibri" panose="020F0502020204030204" pitchFamily="34" charset="0"/>
+                        <a:ea typeface="Calibri" panose="020F0502020204030204" pitchFamily="34" charset="0"/>
+                        <a:cs typeface="Times New Roman" panose="02020603050405020304" pitchFamily="18" charset="0"/>
+                      </a:endParaRPr>
                     </a:p>
                   </a:txBody>
-                  <a:tcPr/>
+                  <a:tcPr marL="36299" marR="36299" marT="0" marB="0" anchor="ctr"/>
                 </a:tc>
                 <a:tc>
                   <a:txBody>
                     <a:bodyPr/>
                     <a:lstStyle/>
                     <a:p>
+                      <a:pPr marL="457200" algn="ctr">
+                        <a:lnSpc>
+                          <a:spcPct val="107000"/>
+                        </a:lnSpc>
+                        <a:spcAft>
+                          <a:spcPts val="0"/>
+                        </a:spcAft>
+                      </a:pPr>
                       <a:r>
-                        <a:rPr lang="es-ES_tradnl" sz="1800" b="1" kern="1200" dirty="0">
-                          <a:solidFill>
-                            <a:schemeClr val="dk1"/>
-                          </a:solidFill>
+                        <a:rPr lang="es-ES_tradnl" sz="1600" dirty="0">
                           <a:effectLst/>
-                          <a:latin typeface="+mn-lt"/>
-                          <a:ea typeface="+mn-ea"/>
-                          <a:cs typeface="+mn-cs"/>
                         </a:rPr>
-                        <a:t>Reuniones</a:t>
+                        <a:t>Gestor funcional de Control y Calidad</a:t>
                       </a:r>
-                      <a:endParaRPr lang="es-ES" b="1" dirty="0"/>
+                      <a:endParaRPr lang="es-ES" sz="1600" dirty="0">
+                        <a:effectLst/>
+                        <a:latin typeface="Calibri" panose="020F0502020204030204" pitchFamily="34" charset="0"/>
+                        <a:ea typeface="Calibri" panose="020F0502020204030204" pitchFamily="34" charset="0"/>
+                        <a:cs typeface="Times New Roman" panose="02020603050405020304" pitchFamily="18" charset="0"/>
+                      </a:endParaRPr>
                     </a:p>
                   </a:txBody>
-                  <a:tcPr/>
-                </a:tc>
-                <a:extLst>
-                  <a:ext uri="{0D108BD9-81ED-4DB2-BD59-A6C34878D82A}">
-                    <a16:rowId xmlns:a16="http://schemas.microsoft.com/office/drawing/2014/main" val="3304761878"/>
-                  </a:ext>
-                </a:extLst>
-              </a:tr>
-              <a:tr h="370840">
-                <a:tc>
-                  <a:txBody>
-                    <a:bodyPr/>
-                    <a:lstStyle/>
-                    <a:p>
-                      <a:r>
-                        <a:rPr lang="es-ES" dirty="0"/>
-                        <a:t>3.1.1</a:t>
-                      </a:r>
-                    </a:p>
-                  </a:txBody>
-                  <a:tcPr/>
+                  <a:tcPr marL="36299" marR="36299" marT="0" marB="0" anchor="ctr"/>
                 </a:tc>
                 <a:tc>
                   <a:txBody>
                     <a:bodyPr/>
                     <a:lstStyle/>
                     <a:p>
-                      <a:pPr marL="0" marR="0" lvl="0" indent="0" algn="l" defTabSz="914400" rtl="0" eaLnBrk="1" fontAlgn="auto" latinLnBrk="0" hangingPunct="1">
+                      <a:pPr marL="457200" algn="ctr">
                         <a:lnSpc>
-                          <a:spcPct val="100000"/>
+                          <a:spcPct val="107000"/>
                         </a:lnSpc>
-                        <a:spcBef>
-                          <a:spcPts val="0"/>
-                        </a:spcBef>
                         <a:spcAft>
                           <a:spcPts val="0"/>
                         </a:spcAft>
-                        <a:buClrTx/>
-                        <a:buSzTx/>
-                        <a:buFontTx/>
-                        <a:buNone/>
-                        <a:tabLst/>
-                        <a:defRPr/>
                       </a:pPr>
                       <a:r>
-                        <a:rPr lang="es-ES_tradnl" sz="1800" kern="1200" dirty="0">
-                          <a:solidFill>
-                            <a:schemeClr val="dk1"/>
-                          </a:solidFill>
+                        <a:rPr lang="es-ES_tradnl" sz="1600" dirty="0">
                           <a:effectLst/>
-                          <a:latin typeface="+mn-lt"/>
-                          <a:ea typeface="+mn-ea"/>
-                          <a:cs typeface="+mn-cs"/>
                         </a:rPr>
-                        <a:t>Reunión con cada una de las potenciales empresas para la obtención de presupuestos</a:t>
+                        <a:t>Adrian.Gallego@sambasolutions.com</a:t>
                       </a:r>
-                      <a:endParaRPr lang="es-ES" sz="1800" kern="1200" dirty="0">
-                        <a:solidFill>
-                          <a:schemeClr val="dk1"/>
-                        </a:solidFill>
+                      <a:endParaRPr lang="es-ES" sz="1600" dirty="0">
                         <a:effectLst/>
-                        <a:latin typeface="+mn-lt"/>
-                        <a:ea typeface="+mn-ea"/>
-                        <a:cs typeface="+mn-cs"/>
+                        <a:latin typeface="Calibri" panose="020F0502020204030204" pitchFamily="34" charset="0"/>
+                        <a:ea typeface="Calibri" panose="020F0502020204030204" pitchFamily="34" charset="0"/>
+                        <a:cs typeface="Times New Roman" panose="02020603050405020304" pitchFamily="18" charset="0"/>
                       </a:endParaRPr>
                     </a:p>
                   </a:txBody>
-                  <a:tcPr/>
+                  <a:tcPr marL="36299" marR="36299" marT="0" marB="0" anchor="ctr"/>
                 </a:tc>
                 <a:extLst>
                   <a:ext uri="{0D108BD9-81ED-4DB2-BD59-A6C34878D82A}">
-                    <a16:rowId xmlns:a16="http://schemas.microsoft.com/office/drawing/2014/main" val="1602849220"/>
+                    <a16:rowId xmlns:a16="http://schemas.microsoft.com/office/drawing/2014/main" val="3579089368"/>
                   </a:ext>
                 </a:extLst>
               </a:tr>
-              <a:tr h="370840">
+              <a:tr h="800767">
                 <a:tc>
                   <a:txBody>
                     <a:bodyPr/>
                     <a:lstStyle/>
                     <a:p>
+                      <a:pPr marL="457200" algn="ctr">
+                        <a:lnSpc>
+                          <a:spcPct val="107000"/>
+                        </a:lnSpc>
+                        <a:spcAft>
+                          <a:spcPts val="0"/>
+                        </a:spcAft>
+                      </a:pPr>
                       <a:r>
-                        <a:rPr lang="es-ES" dirty="0"/>
-                        <a:t>3.1.2</a:t>
+                        <a:rPr lang="es-ES_tradnl" sz="1600">
+                          <a:effectLst/>
+                        </a:rPr>
+                        <a:t>Lluva Plaza, Sergio</a:t>
                       </a:r>
+                      <a:endParaRPr lang="es-ES" sz="1600">
+                        <a:effectLst/>
+                        <a:latin typeface="Calibri" panose="020F0502020204030204" pitchFamily="34" charset="0"/>
+                        <a:ea typeface="Calibri" panose="020F0502020204030204" pitchFamily="34" charset="0"/>
+                        <a:cs typeface="Times New Roman" panose="02020603050405020304" pitchFamily="18" charset="0"/>
+                      </a:endParaRPr>
                     </a:p>
                   </a:txBody>
-                  <a:tcPr/>
+                  <a:tcPr marL="36299" marR="36299" marT="0" marB="0" anchor="ctr"/>
                 </a:tc>
                 <a:tc>
                   <a:txBody>
                     <a:bodyPr/>
                     <a:lstStyle/>
                     <a:p>
-                      <a:pPr marL="0" marR="0" lvl="0" indent="0" algn="l" defTabSz="914400" rtl="0" eaLnBrk="1" fontAlgn="auto" latinLnBrk="0" hangingPunct="1">
+                      <a:pPr marL="457200" algn="ctr">
                         <a:lnSpc>
-                          <a:spcPct val="100000"/>
+                          <a:spcPct val="107000"/>
                         </a:lnSpc>
-                        <a:spcBef>
-                          <a:spcPts val="0"/>
-                        </a:spcBef>
                         <a:spcAft>
                           <a:spcPts val="0"/>
                         </a:spcAft>
-                        <a:buClrTx/>
-                        <a:buSzTx/>
-                        <a:buFontTx/>
-                        <a:buNone/>
-                        <a:tabLst/>
-                        <a:defRPr/>
                       </a:pPr>
                       <a:r>
-                        <a:rPr lang="es-ES_tradnl" sz="1800" kern="1200" dirty="0">
-                          <a:solidFill>
-                            <a:schemeClr val="dk1"/>
-                          </a:solidFill>
+                        <a:rPr lang="es-ES_tradnl" sz="1600" dirty="0">
                           <a:effectLst/>
-                          <a:latin typeface="+mn-lt"/>
-                          <a:ea typeface="+mn-ea"/>
-                          <a:cs typeface="+mn-cs"/>
                         </a:rPr>
-                        <a:t>Generación de informe con los datos reunidos</a:t>
+                        <a:t>Gestor funcional de Recursos Humanos</a:t>
                       </a:r>
-                      <a:endParaRPr lang="es-ES" sz="1800" kern="1200" dirty="0">
-                        <a:solidFill>
-                          <a:schemeClr val="dk1"/>
-                        </a:solidFill>
+                      <a:endParaRPr lang="es-ES" sz="1600" dirty="0">
                         <a:effectLst/>
-                        <a:latin typeface="+mn-lt"/>
-                        <a:ea typeface="+mn-ea"/>
-                        <a:cs typeface="+mn-cs"/>
+                        <a:latin typeface="Calibri" panose="020F0502020204030204" pitchFamily="34" charset="0"/>
+                        <a:ea typeface="Calibri" panose="020F0502020204030204" pitchFamily="34" charset="0"/>
+                        <a:cs typeface="Times New Roman" panose="02020603050405020304" pitchFamily="18" charset="0"/>
                       </a:endParaRPr>
                     </a:p>
                   </a:txBody>
-                  <a:tcPr/>
+                  <a:tcPr marL="36299" marR="36299" marT="0" marB="0" anchor="ctr"/>
+                </a:tc>
+                <a:tc>
+                  <a:txBody>
+                    <a:bodyPr/>
+                    <a:lstStyle/>
+                    <a:p>
+                      <a:pPr marL="457200" algn="ctr">
+                        <a:lnSpc>
+                          <a:spcPct val="107000"/>
+                        </a:lnSpc>
+                        <a:spcAft>
+                          <a:spcPts val="0"/>
+                        </a:spcAft>
+                      </a:pPr>
+                      <a:r>
+                        <a:rPr lang="es-ES_tradnl" sz="1600" dirty="0">
+                          <a:effectLst/>
+                        </a:rPr>
+                        <a:t>Sergio.Lluva@sambasolutions.com</a:t>
+                      </a:r>
+                      <a:endParaRPr lang="es-ES" sz="1600" dirty="0">
+                        <a:effectLst/>
+                        <a:latin typeface="Calibri" panose="020F0502020204030204" pitchFamily="34" charset="0"/>
+                        <a:ea typeface="Calibri" panose="020F0502020204030204" pitchFamily="34" charset="0"/>
+                        <a:cs typeface="Times New Roman" panose="02020603050405020304" pitchFamily="18" charset="0"/>
+                      </a:endParaRPr>
+                    </a:p>
+                  </a:txBody>
+                  <a:tcPr marL="36299" marR="36299" marT="0" marB="0" anchor="ctr"/>
                 </a:tc>
                 <a:extLst>
                   <a:ext uri="{0D108BD9-81ED-4DB2-BD59-A6C34878D82A}">
-                    <a16:rowId xmlns:a16="http://schemas.microsoft.com/office/drawing/2014/main" val="3406681799"/>
+                    <a16:rowId xmlns:a16="http://schemas.microsoft.com/office/drawing/2014/main" val="1579538947"/>
+                  </a:ext>
+                </a:extLst>
+              </a:tr>
+              <a:tr h="800767">
+                <a:tc>
+                  <a:txBody>
+                    <a:bodyPr/>
+                    <a:lstStyle/>
+                    <a:p>
+                      <a:pPr marL="457200" algn="ctr">
+                        <a:lnSpc>
+                          <a:spcPct val="107000"/>
+                        </a:lnSpc>
+                        <a:spcAft>
+                          <a:spcPts val="0"/>
+                        </a:spcAft>
+                      </a:pPr>
+                      <a:r>
+                        <a:rPr lang="es-ES_tradnl" sz="1600">
+                          <a:effectLst/>
+                        </a:rPr>
+                        <a:t>Paniagua Tineo, Alejandro</a:t>
+                      </a:r>
+                      <a:endParaRPr lang="es-ES" sz="1600">
+                        <a:effectLst/>
+                        <a:latin typeface="Calibri" panose="020F0502020204030204" pitchFamily="34" charset="0"/>
+                        <a:ea typeface="Calibri" panose="020F0502020204030204" pitchFamily="34" charset="0"/>
+                        <a:cs typeface="Times New Roman" panose="02020603050405020304" pitchFamily="18" charset="0"/>
+                      </a:endParaRPr>
+                    </a:p>
+                  </a:txBody>
+                  <a:tcPr marL="36299" marR="36299" marT="0" marB="0" anchor="ctr"/>
+                </a:tc>
+                <a:tc>
+                  <a:txBody>
+                    <a:bodyPr/>
+                    <a:lstStyle/>
+                    <a:p>
+                      <a:pPr marL="457200" algn="ctr">
+                        <a:lnSpc>
+                          <a:spcPct val="107000"/>
+                        </a:lnSpc>
+                        <a:spcAft>
+                          <a:spcPts val="0"/>
+                        </a:spcAft>
+                      </a:pPr>
+                      <a:r>
+                        <a:rPr lang="es-ES_tradnl" sz="1600">
+                          <a:effectLst/>
+                        </a:rPr>
+                        <a:t>Gestor funcional de Finanzas</a:t>
+                      </a:r>
+                      <a:endParaRPr lang="es-ES" sz="1600">
+                        <a:effectLst/>
+                        <a:latin typeface="Calibri" panose="020F0502020204030204" pitchFamily="34" charset="0"/>
+                        <a:ea typeface="Calibri" panose="020F0502020204030204" pitchFamily="34" charset="0"/>
+                        <a:cs typeface="Times New Roman" panose="02020603050405020304" pitchFamily="18" charset="0"/>
+                      </a:endParaRPr>
+                    </a:p>
+                  </a:txBody>
+                  <a:tcPr marL="36299" marR="36299" marT="0" marB="0" anchor="ctr"/>
+                </a:tc>
+                <a:tc>
+                  <a:txBody>
+                    <a:bodyPr/>
+                    <a:lstStyle/>
+                    <a:p>
+                      <a:pPr marL="457200" algn="ctr">
+                        <a:lnSpc>
+                          <a:spcPct val="107000"/>
+                        </a:lnSpc>
+                        <a:spcAft>
+                          <a:spcPts val="0"/>
+                        </a:spcAft>
+                      </a:pPr>
+                      <a:r>
+                        <a:rPr lang="es-ES_tradnl" sz="1500" dirty="0">
+                          <a:effectLst/>
+                        </a:rPr>
+                        <a:t>Alejandro.Paniagua@sambasolutions.com</a:t>
+                      </a:r>
+                      <a:endParaRPr lang="es-ES" sz="1500" dirty="0">
+                        <a:effectLst/>
+                        <a:latin typeface="Calibri" panose="020F0502020204030204" pitchFamily="34" charset="0"/>
+                        <a:ea typeface="Calibri" panose="020F0502020204030204" pitchFamily="34" charset="0"/>
+                        <a:cs typeface="Times New Roman" panose="02020603050405020304" pitchFamily="18" charset="0"/>
+                      </a:endParaRPr>
+                    </a:p>
+                  </a:txBody>
+                  <a:tcPr marL="36299" marR="36299" marT="0" marB="0" anchor="ctr"/>
+                </a:tc>
+                <a:extLst>
+                  <a:ext uri="{0D108BD9-81ED-4DB2-BD59-A6C34878D82A}">
+                    <a16:rowId xmlns:a16="http://schemas.microsoft.com/office/drawing/2014/main" val="632391593"/>
                   </a:ext>
                 </a:extLst>
               </a:tr>
@@ -47954,7 +45682,7 @@
     </p:spTree>
     <p:extLst>
       <p:ext uri="{BB962C8B-B14F-4D97-AF65-F5344CB8AC3E}">
-        <p14:creationId xmlns:p14="http://schemas.microsoft.com/office/powerpoint/2010/main" val="2566032210"/>
+        <p14:creationId xmlns:p14="http://schemas.microsoft.com/office/powerpoint/2010/main" val="270513373"/>
       </p:ext>
     </p:extLst>
   </p:cSld>
